--- a/Analisi del trasporto ferroviario italiano.pptx
+++ b/Analisi del trasporto ferroviario italiano.pptx
@@ -5,7 +5,7 @@
     <p:sldMasterId id="2147483648" r:id="rId1"/>
   </p:sldMasterIdLst>
   <p:notesMasterIdLst>
-    <p:notesMasterId r:id="rId16"/>
+    <p:notesMasterId r:id="rId20"/>
   </p:notesMasterIdLst>
   <p:sldIdLst>
     <p:sldId id="256" r:id="rId2"/>
@@ -15,13 +15,17 @@
     <p:sldId id="272" r:id="rId6"/>
     <p:sldId id="263" r:id="rId7"/>
     <p:sldId id="261" r:id="rId8"/>
-    <p:sldId id="262" r:id="rId9"/>
-    <p:sldId id="268" r:id="rId10"/>
-    <p:sldId id="266" r:id="rId11"/>
-    <p:sldId id="270" r:id="rId12"/>
-    <p:sldId id="269" r:id="rId13"/>
-    <p:sldId id="267" r:id="rId14"/>
-    <p:sldId id="271" r:id="rId15"/>
+    <p:sldId id="274" r:id="rId9"/>
+    <p:sldId id="262" r:id="rId10"/>
+    <p:sldId id="268" r:id="rId11"/>
+    <p:sldId id="266" r:id="rId12"/>
+    <p:sldId id="270" r:id="rId13"/>
+    <p:sldId id="269" r:id="rId14"/>
+    <p:sldId id="267" r:id="rId15"/>
+    <p:sldId id="271" r:id="rId16"/>
+    <p:sldId id="273" r:id="rId17"/>
+    <p:sldId id="275" r:id="rId18"/>
+    <p:sldId id="276" r:id="rId19"/>
   </p:sldIdLst>
   <p:sldSz cx="12192000" cy="6858000"/>
   <p:notesSz cx="6858000" cy="9144000"/>
@@ -3539,7 +3543,7 @@
           <a:p>
             <a:fld id="{F892F27F-BC3B-4579-A438-CDF8E2AC14FC}" type="datetimeFigureOut">
               <a:rPr lang="it-IT" smtClean="0"/>
-              <a:t>11/07/2025</a:t>
+              <a:t>13/07/2025</a:t>
             </a:fld>
             <a:endParaRPr lang="it-IT"/>
           </a:p>
@@ -3899,6 +3903,114 @@
         <p:cNvPr id="1" name="">
           <a:extLst>
             <a:ext uri="{FF2B5EF4-FFF2-40B4-BE49-F238E27FC236}">
+              <a16:creationId xmlns:a16="http://schemas.microsoft.com/office/drawing/2014/main" id="{352F70F5-7339-C179-CCC1-BBCDAE86FF90}"/>
+            </a:ext>
+          </a:extLst>
+        </p:cNvPr>
+        <p:cNvGrpSpPr/>
+        <p:nvPr/>
+      </p:nvGrpSpPr>
+      <p:grpSpPr>
+        <a:xfrm>
+          <a:off x="0" y="0"/>
+          <a:ext cx="0" cy="0"/>
+          <a:chOff x="0" y="0"/>
+          <a:chExt cx="0" cy="0"/>
+        </a:xfrm>
+      </p:grpSpPr>
+      <p:sp>
+        <p:nvSpPr>
+          <p:cNvPr id="2" name="Slide Image Placeholder 1">
+            <a:extLst>
+              <a:ext uri="{FF2B5EF4-FFF2-40B4-BE49-F238E27FC236}">
+                <a16:creationId xmlns:a16="http://schemas.microsoft.com/office/drawing/2014/main" id="{EE5E23BF-B0D6-8858-3142-E7763B244A9B}"/>
+              </a:ext>
+            </a:extLst>
+          </p:cNvPr>
+          <p:cNvSpPr>
+            <a:spLocks noGrp="1" noRot="1" noChangeAspect="1"/>
+          </p:cNvSpPr>
+          <p:nvPr>
+            <p:ph type="sldImg"/>
+          </p:nvPr>
+        </p:nvSpPr>
+        <p:spPr/>
+      </p:sp>
+      <p:sp>
+        <p:nvSpPr>
+          <p:cNvPr id="3" name="Notes Placeholder 2">
+            <a:extLst>
+              <a:ext uri="{FF2B5EF4-FFF2-40B4-BE49-F238E27FC236}">
+                <a16:creationId xmlns:a16="http://schemas.microsoft.com/office/drawing/2014/main" id="{F92CCA50-381D-27DD-B753-D55883062880}"/>
+              </a:ext>
+            </a:extLst>
+          </p:cNvPr>
+          <p:cNvSpPr>
+            <a:spLocks noGrp="1"/>
+          </p:cNvSpPr>
+          <p:nvPr>
+            <p:ph type="body" idx="1"/>
+          </p:nvPr>
+        </p:nvSpPr>
+        <p:spPr/>
+        <p:txBody>
+          <a:bodyPr/>
+          <a:lstStyle/>
+          <a:p>
+            <a:endParaRPr lang="it-IT" dirty="0"/>
+          </a:p>
+        </p:txBody>
+      </p:sp>
+      <p:sp>
+        <p:nvSpPr>
+          <p:cNvPr id="4" name="Slide Number Placeholder 3">
+            <a:extLst>
+              <a:ext uri="{FF2B5EF4-FFF2-40B4-BE49-F238E27FC236}">
+                <a16:creationId xmlns:a16="http://schemas.microsoft.com/office/drawing/2014/main" id="{C26B7AE8-C5AA-AF15-0ED7-73EB71C2191D}"/>
+              </a:ext>
+            </a:extLst>
+          </p:cNvPr>
+          <p:cNvSpPr>
+            <a:spLocks noGrp="1"/>
+          </p:cNvSpPr>
+          <p:nvPr>
+            <p:ph type="sldNum" sz="quarter" idx="5"/>
+          </p:nvPr>
+        </p:nvSpPr>
+        <p:spPr/>
+        <p:txBody>
+          <a:bodyPr/>
+          <a:lstStyle/>
+          <a:p>
+            <a:fld id="{28FD0ED1-140F-42E6-900F-7C6EEB8863C5}" type="slidenum">
+              <a:rPr lang="it-IT" smtClean="0"/>
+              <a:t>13</a:t>
+            </a:fld>
+            <a:endParaRPr lang="it-IT"/>
+          </a:p>
+        </p:txBody>
+      </p:sp>
+    </p:spTree>
+    <p:extLst>
+      <p:ext uri="{BB962C8B-B14F-4D97-AF65-F5344CB8AC3E}">
+        <p14:creationId xmlns:p14="http://schemas.microsoft.com/office/powerpoint/2010/main" val="723122464"/>
+      </p:ext>
+    </p:extLst>
+  </p:cSld>
+  <p:clrMapOvr>
+    <a:masterClrMapping/>
+  </p:clrMapOvr>
+</p:notes>
+</file>
+
+<file path=ppt/notesSlides/notesSlide11.xml><?xml version="1.0" encoding="utf-8"?>
+<p:notes xmlns:a="http://schemas.openxmlformats.org/drawingml/2006/main" xmlns:r="http://schemas.openxmlformats.org/officeDocument/2006/relationships" xmlns:p="http://schemas.openxmlformats.org/presentationml/2006/main">
+  <p:cSld>
+    <p:spTree>
+      <p:nvGrpSpPr>
+        <p:cNvPr id="1" name="">
+          <a:extLst>
+            <a:ext uri="{FF2B5EF4-FFF2-40B4-BE49-F238E27FC236}">
               <a16:creationId xmlns:a16="http://schemas.microsoft.com/office/drawing/2014/main" id="{4D428AF2-FB5B-9604-0543-B3D66639DEEC}"/>
             </a:ext>
           </a:extLst>
@@ -3980,7 +4092,7 @@
           <a:p>
             <a:fld id="{28FD0ED1-140F-42E6-900F-7C6EEB8863C5}" type="slidenum">
               <a:rPr lang="it-IT" smtClean="0"/>
-              <a:t>13</a:t>
+              <a:t>14</a:t>
             </a:fld>
             <a:endParaRPr lang="it-IT"/>
           </a:p>
@@ -3999,7 +4111,7 @@
 </p:notes>
 </file>
 
-<file path=ppt/notesSlides/notesSlide11.xml><?xml version="1.0" encoding="utf-8"?>
+<file path=ppt/notesSlides/notesSlide12.xml><?xml version="1.0" encoding="utf-8"?>
 <p:notes xmlns:a="http://schemas.openxmlformats.org/drawingml/2006/main" xmlns:r="http://schemas.openxmlformats.org/officeDocument/2006/relationships" xmlns:p="http://schemas.openxmlformats.org/presentationml/2006/main">
   <p:cSld>
     <p:spTree>
@@ -4088,7 +4200,7 @@
           <a:p>
             <a:fld id="{28FD0ED1-140F-42E6-900F-7C6EEB8863C5}" type="slidenum">
               <a:rPr lang="it-IT" smtClean="0"/>
-              <a:t>14</a:t>
+              <a:t>15</a:t>
             </a:fld>
             <a:endParaRPr lang="it-IT"/>
           </a:p>
@@ -4098,6 +4210,330 @@
     <p:extLst>
       <p:ext uri="{BB962C8B-B14F-4D97-AF65-F5344CB8AC3E}">
         <p14:creationId xmlns:p14="http://schemas.microsoft.com/office/powerpoint/2010/main" val="2651913331"/>
+      </p:ext>
+    </p:extLst>
+  </p:cSld>
+  <p:clrMapOvr>
+    <a:masterClrMapping/>
+  </p:clrMapOvr>
+</p:notes>
+</file>
+
+<file path=ppt/notesSlides/notesSlide13.xml><?xml version="1.0" encoding="utf-8"?>
+<p:notes xmlns:a="http://schemas.openxmlformats.org/drawingml/2006/main" xmlns:r="http://schemas.openxmlformats.org/officeDocument/2006/relationships" xmlns:p="http://schemas.openxmlformats.org/presentationml/2006/main">
+  <p:cSld>
+    <p:spTree>
+      <p:nvGrpSpPr>
+        <p:cNvPr id="1" name="">
+          <a:extLst>
+            <a:ext uri="{FF2B5EF4-FFF2-40B4-BE49-F238E27FC236}">
+              <a16:creationId xmlns:a16="http://schemas.microsoft.com/office/drawing/2014/main" id="{8AB86E34-0968-160C-5C30-1E89955B1444}"/>
+            </a:ext>
+          </a:extLst>
+        </p:cNvPr>
+        <p:cNvGrpSpPr/>
+        <p:nvPr/>
+      </p:nvGrpSpPr>
+      <p:grpSpPr>
+        <a:xfrm>
+          <a:off x="0" y="0"/>
+          <a:ext cx="0" cy="0"/>
+          <a:chOff x="0" y="0"/>
+          <a:chExt cx="0" cy="0"/>
+        </a:xfrm>
+      </p:grpSpPr>
+      <p:sp>
+        <p:nvSpPr>
+          <p:cNvPr id="2" name="Slide Image Placeholder 1">
+            <a:extLst>
+              <a:ext uri="{FF2B5EF4-FFF2-40B4-BE49-F238E27FC236}">
+                <a16:creationId xmlns:a16="http://schemas.microsoft.com/office/drawing/2014/main" id="{B6E5A9B2-3526-38E6-0882-8C333C50324D}"/>
+              </a:ext>
+            </a:extLst>
+          </p:cNvPr>
+          <p:cNvSpPr>
+            <a:spLocks noGrp="1" noRot="1" noChangeAspect="1"/>
+          </p:cNvSpPr>
+          <p:nvPr>
+            <p:ph type="sldImg"/>
+          </p:nvPr>
+        </p:nvSpPr>
+        <p:spPr/>
+      </p:sp>
+      <p:sp>
+        <p:nvSpPr>
+          <p:cNvPr id="3" name="Notes Placeholder 2">
+            <a:extLst>
+              <a:ext uri="{FF2B5EF4-FFF2-40B4-BE49-F238E27FC236}">
+                <a16:creationId xmlns:a16="http://schemas.microsoft.com/office/drawing/2014/main" id="{7D3FBA76-F09D-C422-BE05-3ACCFAAE6141}"/>
+              </a:ext>
+            </a:extLst>
+          </p:cNvPr>
+          <p:cNvSpPr>
+            <a:spLocks noGrp="1"/>
+          </p:cNvSpPr>
+          <p:nvPr>
+            <p:ph type="body" idx="1"/>
+          </p:nvPr>
+        </p:nvSpPr>
+        <p:spPr/>
+        <p:txBody>
+          <a:bodyPr/>
+          <a:lstStyle/>
+          <a:p>
+            <a:endParaRPr lang="it-IT" dirty="0"/>
+          </a:p>
+        </p:txBody>
+      </p:sp>
+      <p:sp>
+        <p:nvSpPr>
+          <p:cNvPr id="4" name="Slide Number Placeholder 3">
+            <a:extLst>
+              <a:ext uri="{FF2B5EF4-FFF2-40B4-BE49-F238E27FC236}">
+                <a16:creationId xmlns:a16="http://schemas.microsoft.com/office/drawing/2014/main" id="{21FC353B-F536-328A-AE35-9A9E181399AB}"/>
+              </a:ext>
+            </a:extLst>
+          </p:cNvPr>
+          <p:cNvSpPr>
+            <a:spLocks noGrp="1"/>
+          </p:cNvSpPr>
+          <p:nvPr>
+            <p:ph type="sldNum" sz="quarter" idx="5"/>
+          </p:nvPr>
+        </p:nvSpPr>
+        <p:spPr/>
+        <p:txBody>
+          <a:bodyPr/>
+          <a:lstStyle/>
+          <a:p>
+            <a:fld id="{28FD0ED1-140F-42E6-900F-7C6EEB8863C5}" type="slidenum">
+              <a:rPr lang="it-IT" smtClean="0"/>
+              <a:t>16</a:t>
+            </a:fld>
+            <a:endParaRPr lang="it-IT"/>
+          </a:p>
+        </p:txBody>
+      </p:sp>
+    </p:spTree>
+    <p:extLst>
+      <p:ext uri="{BB962C8B-B14F-4D97-AF65-F5344CB8AC3E}">
+        <p14:creationId xmlns:p14="http://schemas.microsoft.com/office/powerpoint/2010/main" val="2026064664"/>
+      </p:ext>
+    </p:extLst>
+  </p:cSld>
+  <p:clrMapOvr>
+    <a:masterClrMapping/>
+  </p:clrMapOvr>
+</p:notes>
+</file>
+
+<file path=ppt/notesSlides/notesSlide14.xml><?xml version="1.0" encoding="utf-8"?>
+<p:notes xmlns:a="http://schemas.openxmlformats.org/drawingml/2006/main" xmlns:r="http://schemas.openxmlformats.org/officeDocument/2006/relationships" xmlns:p="http://schemas.openxmlformats.org/presentationml/2006/main">
+  <p:cSld>
+    <p:spTree>
+      <p:nvGrpSpPr>
+        <p:cNvPr id="1" name="">
+          <a:extLst>
+            <a:ext uri="{FF2B5EF4-FFF2-40B4-BE49-F238E27FC236}">
+              <a16:creationId xmlns:a16="http://schemas.microsoft.com/office/drawing/2014/main" id="{519C5056-689D-DC8F-37C3-957E6C6FB97C}"/>
+            </a:ext>
+          </a:extLst>
+        </p:cNvPr>
+        <p:cNvGrpSpPr/>
+        <p:nvPr/>
+      </p:nvGrpSpPr>
+      <p:grpSpPr>
+        <a:xfrm>
+          <a:off x="0" y="0"/>
+          <a:ext cx="0" cy="0"/>
+          <a:chOff x="0" y="0"/>
+          <a:chExt cx="0" cy="0"/>
+        </a:xfrm>
+      </p:grpSpPr>
+      <p:sp>
+        <p:nvSpPr>
+          <p:cNvPr id="2" name="Slide Image Placeholder 1">
+            <a:extLst>
+              <a:ext uri="{FF2B5EF4-FFF2-40B4-BE49-F238E27FC236}">
+                <a16:creationId xmlns:a16="http://schemas.microsoft.com/office/drawing/2014/main" id="{A469F6C4-5157-D539-96AC-F9DB3BD13692}"/>
+              </a:ext>
+            </a:extLst>
+          </p:cNvPr>
+          <p:cNvSpPr>
+            <a:spLocks noGrp="1" noRot="1" noChangeAspect="1"/>
+          </p:cNvSpPr>
+          <p:nvPr>
+            <p:ph type="sldImg"/>
+          </p:nvPr>
+        </p:nvSpPr>
+        <p:spPr/>
+      </p:sp>
+      <p:sp>
+        <p:nvSpPr>
+          <p:cNvPr id="3" name="Notes Placeholder 2">
+            <a:extLst>
+              <a:ext uri="{FF2B5EF4-FFF2-40B4-BE49-F238E27FC236}">
+                <a16:creationId xmlns:a16="http://schemas.microsoft.com/office/drawing/2014/main" id="{8DEC8AD5-637A-9FDF-D72A-24D878FE6D58}"/>
+              </a:ext>
+            </a:extLst>
+          </p:cNvPr>
+          <p:cNvSpPr>
+            <a:spLocks noGrp="1"/>
+          </p:cNvSpPr>
+          <p:nvPr>
+            <p:ph type="body" idx="1"/>
+          </p:nvPr>
+        </p:nvSpPr>
+        <p:spPr/>
+        <p:txBody>
+          <a:bodyPr/>
+          <a:lstStyle/>
+          <a:p>
+            <a:endParaRPr lang="it-IT" dirty="0"/>
+          </a:p>
+        </p:txBody>
+      </p:sp>
+      <p:sp>
+        <p:nvSpPr>
+          <p:cNvPr id="4" name="Slide Number Placeholder 3">
+            <a:extLst>
+              <a:ext uri="{FF2B5EF4-FFF2-40B4-BE49-F238E27FC236}">
+                <a16:creationId xmlns:a16="http://schemas.microsoft.com/office/drawing/2014/main" id="{5ED2491D-1933-FB09-16D3-FD116A33CD71}"/>
+              </a:ext>
+            </a:extLst>
+          </p:cNvPr>
+          <p:cNvSpPr>
+            <a:spLocks noGrp="1"/>
+          </p:cNvSpPr>
+          <p:nvPr>
+            <p:ph type="sldNum" sz="quarter" idx="5"/>
+          </p:nvPr>
+        </p:nvSpPr>
+        <p:spPr/>
+        <p:txBody>
+          <a:bodyPr/>
+          <a:lstStyle/>
+          <a:p>
+            <a:fld id="{28FD0ED1-140F-42E6-900F-7C6EEB8863C5}" type="slidenum">
+              <a:rPr lang="it-IT" smtClean="0"/>
+              <a:t>17</a:t>
+            </a:fld>
+            <a:endParaRPr lang="it-IT"/>
+          </a:p>
+        </p:txBody>
+      </p:sp>
+    </p:spTree>
+    <p:extLst>
+      <p:ext uri="{BB962C8B-B14F-4D97-AF65-F5344CB8AC3E}">
+        <p14:creationId xmlns:p14="http://schemas.microsoft.com/office/powerpoint/2010/main" val="4139916943"/>
+      </p:ext>
+    </p:extLst>
+  </p:cSld>
+  <p:clrMapOvr>
+    <a:masterClrMapping/>
+  </p:clrMapOvr>
+</p:notes>
+</file>
+
+<file path=ppt/notesSlides/notesSlide15.xml><?xml version="1.0" encoding="utf-8"?>
+<p:notes xmlns:a="http://schemas.openxmlformats.org/drawingml/2006/main" xmlns:r="http://schemas.openxmlformats.org/officeDocument/2006/relationships" xmlns:p="http://schemas.openxmlformats.org/presentationml/2006/main">
+  <p:cSld>
+    <p:spTree>
+      <p:nvGrpSpPr>
+        <p:cNvPr id="1" name="">
+          <a:extLst>
+            <a:ext uri="{FF2B5EF4-FFF2-40B4-BE49-F238E27FC236}">
+              <a16:creationId xmlns:a16="http://schemas.microsoft.com/office/drawing/2014/main" id="{34B52024-7745-497C-1310-198E55B1B86A}"/>
+            </a:ext>
+          </a:extLst>
+        </p:cNvPr>
+        <p:cNvGrpSpPr/>
+        <p:nvPr/>
+      </p:nvGrpSpPr>
+      <p:grpSpPr>
+        <a:xfrm>
+          <a:off x="0" y="0"/>
+          <a:ext cx="0" cy="0"/>
+          <a:chOff x="0" y="0"/>
+          <a:chExt cx="0" cy="0"/>
+        </a:xfrm>
+      </p:grpSpPr>
+      <p:sp>
+        <p:nvSpPr>
+          <p:cNvPr id="2" name="Slide Image Placeholder 1">
+            <a:extLst>
+              <a:ext uri="{FF2B5EF4-FFF2-40B4-BE49-F238E27FC236}">
+                <a16:creationId xmlns:a16="http://schemas.microsoft.com/office/drawing/2014/main" id="{7BC99981-18B1-3F5B-E68B-09FFCCA1388D}"/>
+              </a:ext>
+            </a:extLst>
+          </p:cNvPr>
+          <p:cNvSpPr>
+            <a:spLocks noGrp="1" noRot="1" noChangeAspect="1"/>
+          </p:cNvSpPr>
+          <p:nvPr>
+            <p:ph type="sldImg"/>
+          </p:nvPr>
+        </p:nvSpPr>
+        <p:spPr/>
+      </p:sp>
+      <p:sp>
+        <p:nvSpPr>
+          <p:cNvPr id="3" name="Notes Placeholder 2">
+            <a:extLst>
+              <a:ext uri="{FF2B5EF4-FFF2-40B4-BE49-F238E27FC236}">
+                <a16:creationId xmlns:a16="http://schemas.microsoft.com/office/drawing/2014/main" id="{329FF9C5-5E1B-8924-6CC9-8916D9F03E74}"/>
+              </a:ext>
+            </a:extLst>
+          </p:cNvPr>
+          <p:cNvSpPr>
+            <a:spLocks noGrp="1"/>
+          </p:cNvSpPr>
+          <p:nvPr>
+            <p:ph type="body" idx="1"/>
+          </p:nvPr>
+        </p:nvSpPr>
+        <p:spPr/>
+        <p:txBody>
+          <a:bodyPr/>
+          <a:lstStyle/>
+          <a:p>
+            <a:endParaRPr lang="it-IT" dirty="0"/>
+          </a:p>
+        </p:txBody>
+      </p:sp>
+      <p:sp>
+        <p:nvSpPr>
+          <p:cNvPr id="4" name="Slide Number Placeholder 3">
+            <a:extLst>
+              <a:ext uri="{FF2B5EF4-FFF2-40B4-BE49-F238E27FC236}">
+                <a16:creationId xmlns:a16="http://schemas.microsoft.com/office/drawing/2014/main" id="{5495E167-FE4C-BF50-55F8-67B3CE24C5EF}"/>
+              </a:ext>
+            </a:extLst>
+          </p:cNvPr>
+          <p:cNvSpPr>
+            <a:spLocks noGrp="1"/>
+          </p:cNvSpPr>
+          <p:nvPr>
+            <p:ph type="sldNum" sz="quarter" idx="5"/>
+          </p:nvPr>
+        </p:nvSpPr>
+        <p:spPr/>
+        <p:txBody>
+          <a:bodyPr/>
+          <a:lstStyle/>
+          <a:p>
+            <a:fld id="{28FD0ED1-140F-42E6-900F-7C6EEB8863C5}" type="slidenum">
+              <a:rPr lang="it-IT" smtClean="0"/>
+              <a:t>18</a:t>
+            </a:fld>
+            <a:endParaRPr lang="it-IT"/>
+          </a:p>
+        </p:txBody>
+      </p:sp>
+    </p:spTree>
+    <p:extLst>
+      <p:ext uri="{BB962C8B-B14F-4D97-AF65-F5344CB8AC3E}">
+        <p14:creationId xmlns:p14="http://schemas.microsoft.com/office/powerpoint/2010/main" val="4276807400"/>
       </p:ext>
     </p:extLst>
   </p:cSld>
@@ -4415,6 +4851,114 @@
         <p:cNvPr id="1" name="">
           <a:extLst>
             <a:ext uri="{FF2B5EF4-FFF2-40B4-BE49-F238E27FC236}">
+              <a16:creationId xmlns:a16="http://schemas.microsoft.com/office/drawing/2014/main" id="{F289FC37-03B0-4085-3475-CD07FC15E2D5}"/>
+            </a:ext>
+          </a:extLst>
+        </p:cNvPr>
+        <p:cNvGrpSpPr/>
+        <p:nvPr/>
+      </p:nvGrpSpPr>
+      <p:grpSpPr>
+        <a:xfrm>
+          <a:off x="0" y="0"/>
+          <a:ext cx="0" cy="0"/>
+          <a:chOff x="0" y="0"/>
+          <a:chExt cx="0" cy="0"/>
+        </a:xfrm>
+      </p:grpSpPr>
+      <p:sp>
+        <p:nvSpPr>
+          <p:cNvPr id="2" name="Slide Image Placeholder 1">
+            <a:extLst>
+              <a:ext uri="{FF2B5EF4-FFF2-40B4-BE49-F238E27FC236}">
+                <a16:creationId xmlns:a16="http://schemas.microsoft.com/office/drawing/2014/main" id="{8D83BFC0-3358-3869-EA66-A115CF669278}"/>
+              </a:ext>
+            </a:extLst>
+          </p:cNvPr>
+          <p:cNvSpPr>
+            <a:spLocks noGrp="1" noRot="1" noChangeAspect="1"/>
+          </p:cNvSpPr>
+          <p:nvPr>
+            <p:ph type="sldImg"/>
+          </p:nvPr>
+        </p:nvSpPr>
+        <p:spPr/>
+      </p:sp>
+      <p:sp>
+        <p:nvSpPr>
+          <p:cNvPr id="3" name="Notes Placeholder 2">
+            <a:extLst>
+              <a:ext uri="{FF2B5EF4-FFF2-40B4-BE49-F238E27FC236}">
+                <a16:creationId xmlns:a16="http://schemas.microsoft.com/office/drawing/2014/main" id="{928318E0-8CDA-7F0B-B2C7-D1250588C044}"/>
+              </a:ext>
+            </a:extLst>
+          </p:cNvPr>
+          <p:cNvSpPr>
+            <a:spLocks noGrp="1"/>
+          </p:cNvSpPr>
+          <p:nvPr>
+            <p:ph type="body" idx="1"/>
+          </p:nvPr>
+        </p:nvSpPr>
+        <p:spPr/>
+        <p:txBody>
+          <a:bodyPr/>
+          <a:lstStyle/>
+          <a:p>
+            <a:endParaRPr lang="it-IT" dirty="0"/>
+          </a:p>
+        </p:txBody>
+      </p:sp>
+      <p:sp>
+        <p:nvSpPr>
+          <p:cNvPr id="4" name="Slide Number Placeholder 3">
+            <a:extLst>
+              <a:ext uri="{FF2B5EF4-FFF2-40B4-BE49-F238E27FC236}">
+                <a16:creationId xmlns:a16="http://schemas.microsoft.com/office/drawing/2014/main" id="{D0A7697F-9872-AC97-6F7B-6FED11E296F1}"/>
+              </a:ext>
+            </a:extLst>
+          </p:cNvPr>
+          <p:cNvSpPr>
+            <a:spLocks noGrp="1"/>
+          </p:cNvSpPr>
+          <p:nvPr>
+            <p:ph type="sldNum" sz="quarter" idx="5"/>
+          </p:nvPr>
+        </p:nvSpPr>
+        <p:spPr/>
+        <p:txBody>
+          <a:bodyPr/>
+          <a:lstStyle/>
+          <a:p>
+            <a:fld id="{28FD0ED1-140F-42E6-900F-7C6EEB8863C5}" type="slidenum">
+              <a:rPr lang="it-IT" smtClean="0"/>
+              <a:t>8</a:t>
+            </a:fld>
+            <a:endParaRPr lang="it-IT"/>
+          </a:p>
+        </p:txBody>
+      </p:sp>
+    </p:spTree>
+    <p:extLst>
+      <p:ext uri="{BB962C8B-B14F-4D97-AF65-F5344CB8AC3E}">
+        <p14:creationId xmlns:p14="http://schemas.microsoft.com/office/powerpoint/2010/main" val="3317115669"/>
+      </p:ext>
+    </p:extLst>
+  </p:cSld>
+  <p:clrMapOvr>
+    <a:masterClrMapping/>
+  </p:clrMapOvr>
+</p:notes>
+</file>
+
+<file path=ppt/notesSlides/notesSlide6.xml><?xml version="1.0" encoding="utf-8"?>
+<p:notes xmlns:a="http://schemas.openxmlformats.org/drawingml/2006/main" xmlns:r="http://schemas.openxmlformats.org/officeDocument/2006/relationships" xmlns:p="http://schemas.openxmlformats.org/presentationml/2006/main">
+  <p:cSld>
+    <p:spTree>
+      <p:nvGrpSpPr>
+        <p:cNvPr id="1" name="">
+          <a:extLst>
+            <a:ext uri="{FF2B5EF4-FFF2-40B4-BE49-F238E27FC236}">
               <a16:creationId xmlns:a16="http://schemas.microsoft.com/office/drawing/2014/main" id="{72D4F2E0-86DF-89B4-EC43-4A7749B227B8}"/>
             </a:ext>
           </a:extLst>
@@ -4496,7 +5040,7 @@
           <a:p>
             <a:fld id="{28FD0ED1-140F-42E6-900F-7C6EEB8863C5}" type="slidenum">
               <a:rPr lang="it-IT" smtClean="0"/>
-              <a:t>8</a:t>
+              <a:t>9</a:t>
             </a:fld>
             <a:endParaRPr lang="it-IT"/>
           </a:p>
@@ -4515,7 +5059,7 @@
 </p:notes>
 </file>
 
-<file path=ppt/notesSlides/notesSlide6.xml><?xml version="1.0" encoding="utf-8"?>
+<file path=ppt/notesSlides/notesSlide7.xml><?xml version="1.0" encoding="utf-8"?>
 <p:notes xmlns:a="http://schemas.openxmlformats.org/drawingml/2006/main" xmlns:r="http://schemas.openxmlformats.org/officeDocument/2006/relationships" xmlns:p="http://schemas.openxmlformats.org/presentationml/2006/main">
   <p:cSld>
     <p:spTree>
@@ -4604,7 +5148,7 @@
           <a:p>
             <a:fld id="{28FD0ED1-140F-42E6-900F-7C6EEB8863C5}" type="slidenum">
               <a:rPr lang="it-IT" smtClean="0"/>
-              <a:t>9</a:t>
+              <a:t>10</a:t>
             </a:fld>
             <a:endParaRPr lang="it-IT"/>
           </a:p>
@@ -4623,7 +5167,7 @@
 </p:notes>
 </file>
 
-<file path=ppt/notesSlides/notesSlide7.xml><?xml version="1.0" encoding="utf-8"?>
+<file path=ppt/notesSlides/notesSlide8.xml><?xml version="1.0" encoding="utf-8"?>
 <p:notes xmlns:a="http://schemas.openxmlformats.org/drawingml/2006/main" xmlns:r="http://schemas.openxmlformats.org/officeDocument/2006/relationships" xmlns:p="http://schemas.openxmlformats.org/presentationml/2006/main">
   <p:cSld>
     <p:spTree>
@@ -4712,7 +5256,7 @@
           <a:p>
             <a:fld id="{28FD0ED1-140F-42E6-900F-7C6EEB8863C5}" type="slidenum">
               <a:rPr lang="it-IT" smtClean="0"/>
-              <a:t>10</a:t>
+              <a:t>11</a:t>
             </a:fld>
             <a:endParaRPr lang="it-IT"/>
           </a:p>
@@ -4731,7 +5275,7 @@
 </p:notes>
 </file>
 
-<file path=ppt/notesSlides/notesSlide8.xml><?xml version="1.0" encoding="utf-8"?>
+<file path=ppt/notesSlides/notesSlide9.xml><?xml version="1.0" encoding="utf-8"?>
 <p:notes xmlns:a="http://schemas.openxmlformats.org/drawingml/2006/main" xmlns:r="http://schemas.openxmlformats.org/officeDocument/2006/relationships" xmlns:p="http://schemas.openxmlformats.org/presentationml/2006/main">
   <p:cSld>
     <p:spTree>
@@ -4820,7 +5364,7 @@
           <a:p>
             <a:fld id="{28FD0ED1-140F-42E6-900F-7C6EEB8863C5}" type="slidenum">
               <a:rPr lang="it-IT" smtClean="0"/>
-              <a:t>11</a:t>
+              <a:t>12</a:t>
             </a:fld>
             <a:endParaRPr lang="it-IT"/>
           </a:p>
@@ -4830,114 +5374,6 @@
     <p:extLst>
       <p:ext uri="{BB962C8B-B14F-4D97-AF65-F5344CB8AC3E}">
         <p14:creationId xmlns:p14="http://schemas.microsoft.com/office/powerpoint/2010/main" val="3097518546"/>
-      </p:ext>
-    </p:extLst>
-  </p:cSld>
-  <p:clrMapOvr>
-    <a:masterClrMapping/>
-  </p:clrMapOvr>
-</p:notes>
-</file>
-
-<file path=ppt/notesSlides/notesSlide9.xml><?xml version="1.0" encoding="utf-8"?>
-<p:notes xmlns:a="http://schemas.openxmlformats.org/drawingml/2006/main" xmlns:r="http://schemas.openxmlformats.org/officeDocument/2006/relationships" xmlns:p="http://schemas.openxmlformats.org/presentationml/2006/main">
-  <p:cSld>
-    <p:spTree>
-      <p:nvGrpSpPr>
-        <p:cNvPr id="1" name="">
-          <a:extLst>
-            <a:ext uri="{FF2B5EF4-FFF2-40B4-BE49-F238E27FC236}">
-              <a16:creationId xmlns:a16="http://schemas.microsoft.com/office/drawing/2014/main" id="{352F70F5-7339-C179-CCC1-BBCDAE86FF90}"/>
-            </a:ext>
-          </a:extLst>
-        </p:cNvPr>
-        <p:cNvGrpSpPr/>
-        <p:nvPr/>
-      </p:nvGrpSpPr>
-      <p:grpSpPr>
-        <a:xfrm>
-          <a:off x="0" y="0"/>
-          <a:ext cx="0" cy="0"/>
-          <a:chOff x="0" y="0"/>
-          <a:chExt cx="0" cy="0"/>
-        </a:xfrm>
-      </p:grpSpPr>
-      <p:sp>
-        <p:nvSpPr>
-          <p:cNvPr id="2" name="Slide Image Placeholder 1">
-            <a:extLst>
-              <a:ext uri="{FF2B5EF4-FFF2-40B4-BE49-F238E27FC236}">
-                <a16:creationId xmlns:a16="http://schemas.microsoft.com/office/drawing/2014/main" id="{EE5E23BF-B0D6-8858-3142-E7763B244A9B}"/>
-              </a:ext>
-            </a:extLst>
-          </p:cNvPr>
-          <p:cNvSpPr>
-            <a:spLocks noGrp="1" noRot="1" noChangeAspect="1"/>
-          </p:cNvSpPr>
-          <p:nvPr>
-            <p:ph type="sldImg"/>
-          </p:nvPr>
-        </p:nvSpPr>
-        <p:spPr/>
-      </p:sp>
-      <p:sp>
-        <p:nvSpPr>
-          <p:cNvPr id="3" name="Notes Placeholder 2">
-            <a:extLst>
-              <a:ext uri="{FF2B5EF4-FFF2-40B4-BE49-F238E27FC236}">
-                <a16:creationId xmlns:a16="http://schemas.microsoft.com/office/drawing/2014/main" id="{F92CCA50-381D-27DD-B753-D55883062880}"/>
-              </a:ext>
-            </a:extLst>
-          </p:cNvPr>
-          <p:cNvSpPr>
-            <a:spLocks noGrp="1"/>
-          </p:cNvSpPr>
-          <p:nvPr>
-            <p:ph type="body" idx="1"/>
-          </p:nvPr>
-        </p:nvSpPr>
-        <p:spPr/>
-        <p:txBody>
-          <a:bodyPr/>
-          <a:lstStyle/>
-          <a:p>
-            <a:endParaRPr lang="it-IT" dirty="0"/>
-          </a:p>
-        </p:txBody>
-      </p:sp>
-      <p:sp>
-        <p:nvSpPr>
-          <p:cNvPr id="4" name="Slide Number Placeholder 3">
-            <a:extLst>
-              <a:ext uri="{FF2B5EF4-FFF2-40B4-BE49-F238E27FC236}">
-                <a16:creationId xmlns:a16="http://schemas.microsoft.com/office/drawing/2014/main" id="{C26B7AE8-C5AA-AF15-0ED7-73EB71C2191D}"/>
-              </a:ext>
-            </a:extLst>
-          </p:cNvPr>
-          <p:cNvSpPr>
-            <a:spLocks noGrp="1"/>
-          </p:cNvSpPr>
-          <p:nvPr>
-            <p:ph type="sldNum" sz="quarter" idx="5"/>
-          </p:nvPr>
-        </p:nvSpPr>
-        <p:spPr/>
-        <p:txBody>
-          <a:bodyPr/>
-          <a:lstStyle/>
-          <a:p>
-            <a:fld id="{28FD0ED1-140F-42E6-900F-7C6EEB8863C5}" type="slidenum">
-              <a:rPr lang="it-IT" smtClean="0"/>
-              <a:t>12</a:t>
-            </a:fld>
-            <a:endParaRPr lang="it-IT"/>
-          </a:p>
-        </p:txBody>
-      </p:sp>
-    </p:spTree>
-    <p:extLst>
-      <p:ext uri="{BB962C8B-B14F-4D97-AF65-F5344CB8AC3E}">
-        <p14:creationId xmlns:p14="http://schemas.microsoft.com/office/powerpoint/2010/main" val="723122464"/>
       </p:ext>
     </p:extLst>
   </p:cSld>
@@ -5096,7 +5532,7 @@
           <a:p>
             <a:fld id="{1B0BBDAB-C853-4B20-8DA4-B532E281AD73}" type="datetimeFigureOut">
               <a:rPr lang="it-IT" smtClean="0"/>
-              <a:t>11/07/2025</a:t>
+              <a:t>13/07/2025</a:t>
             </a:fld>
             <a:endParaRPr lang="it-IT"/>
           </a:p>
@@ -5296,7 +5732,7 @@
           <a:p>
             <a:fld id="{1B0BBDAB-C853-4B20-8DA4-B532E281AD73}" type="datetimeFigureOut">
               <a:rPr lang="it-IT" smtClean="0"/>
-              <a:t>11/07/2025</a:t>
+              <a:t>13/07/2025</a:t>
             </a:fld>
             <a:endParaRPr lang="it-IT"/>
           </a:p>
@@ -5506,7 +5942,7 @@
           <a:p>
             <a:fld id="{1B0BBDAB-C853-4B20-8DA4-B532E281AD73}" type="datetimeFigureOut">
               <a:rPr lang="it-IT" smtClean="0"/>
-              <a:t>11/07/2025</a:t>
+              <a:t>13/07/2025</a:t>
             </a:fld>
             <a:endParaRPr lang="it-IT"/>
           </a:p>
@@ -5706,7 +6142,7 @@
           <a:p>
             <a:fld id="{1B0BBDAB-C853-4B20-8DA4-B532E281AD73}" type="datetimeFigureOut">
               <a:rPr lang="it-IT" smtClean="0"/>
-              <a:t>11/07/2025</a:t>
+              <a:t>13/07/2025</a:t>
             </a:fld>
             <a:endParaRPr lang="it-IT"/>
           </a:p>
@@ -5982,7 +6418,7 @@
           <a:p>
             <a:fld id="{1B0BBDAB-C853-4B20-8DA4-B532E281AD73}" type="datetimeFigureOut">
               <a:rPr lang="it-IT" smtClean="0"/>
-              <a:t>11/07/2025</a:t>
+              <a:t>13/07/2025</a:t>
             </a:fld>
             <a:endParaRPr lang="it-IT"/>
           </a:p>
@@ -6250,7 +6686,7 @@
           <a:p>
             <a:fld id="{1B0BBDAB-C853-4B20-8DA4-B532E281AD73}" type="datetimeFigureOut">
               <a:rPr lang="it-IT" smtClean="0"/>
-              <a:t>11/07/2025</a:t>
+              <a:t>13/07/2025</a:t>
             </a:fld>
             <a:endParaRPr lang="it-IT"/>
           </a:p>
@@ -6665,7 +7101,7 @@
           <a:p>
             <a:fld id="{1B0BBDAB-C853-4B20-8DA4-B532E281AD73}" type="datetimeFigureOut">
               <a:rPr lang="it-IT" smtClean="0"/>
-              <a:t>11/07/2025</a:t>
+              <a:t>13/07/2025</a:t>
             </a:fld>
             <a:endParaRPr lang="it-IT"/>
           </a:p>
@@ -6807,7 +7243,7 @@
           <a:p>
             <a:fld id="{1B0BBDAB-C853-4B20-8DA4-B532E281AD73}" type="datetimeFigureOut">
               <a:rPr lang="it-IT" smtClean="0"/>
-              <a:t>11/07/2025</a:t>
+              <a:t>13/07/2025</a:t>
             </a:fld>
             <a:endParaRPr lang="it-IT"/>
           </a:p>
@@ -6920,7 +7356,7 @@
           <a:p>
             <a:fld id="{1B0BBDAB-C853-4B20-8DA4-B532E281AD73}" type="datetimeFigureOut">
               <a:rPr lang="it-IT" smtClean="0"/>
-              <a:t>11/07/2025</a:t>
+              <a:t>13/07/2025</a:t>
             </a:fld>
             <a:endParaRPr lang="it-IT"/>
           </a:p>
@@ -7233,7 +7669,7 @@
           <a:p>
             <a:fld id="{1B0BBDAB-C853-4B20-8DA4-B532E281AD73}" type="datetimeFigureOut">
               <a:rPr lang="it-IT" smtClean="0"/>
-              <a:t>11/07/2025</a:t>
+              <a:t>13/07/2025</a:t>
             </a:fld>
             <a:endParaRPr lang="it-IT"/>
           </a:p>
@@ -7522,7 +7958,7 @@
           <a:p>
             <a:fld id="{1B0BBDAB-C853-4B20-8DA4-B532E281AD73}" type="datetimeFigureOut">
               <a:rPr lang="it-IT" smtClean="0"/>
-              <a:t>11/07/2025</a:t>
+              <a:t>13/07/2025</a:t>
             </a:fld>
             <a:endParaRPr lang="it-IT"/>
           </a:p>
@@ -7765,7 +8201,7 @@
           <a:p>
             <a:fld id="{1B0BBDAB-C853-4B20-8DA4-B532E281AD73}" type="datetimeFigureOut">
               <a:rPr lang="it-IT" smtClean="0"/>
-              <a:t>11/07/2025</a:t>
+              <a:t>13/07/2025</a:t>
             </a:fld>
             <a:endParaRPr lang="it-IT"/>
           </a:p>
@@ -8954,7 +9390,7 @@
         <p:cNvPr id="1" name="">
           <a:extLst>
             <a:ext uri="{FF2B5EF4-FFF2-40B4-BE49-F238E27FC236}">
-              <a16:creationId xmlns:a16="http://schemas.microsoft.com/office/drawing/2014/main" id="{18127105-B425-C9F7-B162-7952253A9233}"/>
+              <a16:creationId xmlns:a16="http://schemas.microsoft.com/office/drawing/2014/main" id="{20CEAE80-253A-831D-8009-669504F6733D}"/>
             </a:ext>
           </a:extLst>
         </p:cNvPr>
@@ -8971,7 +9407,7 @@
       </p:grpSpPr>
       <p:sp useBgFill="1">
         <p:nvSpPr>
-          <p:cNvPr id="3091" name="Rectangle 3090">
+          <p:cNvPr id="5126" name="Rectangle 5125">
             <a:extLst>
               <a:ext uri="{FF2B5EF4-FFF2-40B4-BE49-F238E27FC236}">
                 <a16:creationId xmlns:a16="http://schemas.microsoft.com/office/drawing/2014/main" id="{A8384FB5-9ADC-4DDC-881B-597D56F5B15D}"/>
@@ -9047,7 +9483,7 @@
       </p:sp>
       <p:sp>
         <p:nvSpPr>
-          <p:cNvPr id="3093" name="Rectangle 3092">
+          <p:cNvPr id="5128" name="Rectangle 5127">
             <a:extLst>
               <a:ext uri="{FF2B5EF4-FFF2-40B4-BE49-F238E27FC236}">
                 <a16:creationId xmlns:a16="http://schemas.microsoft.com/office/drawing/2014/main" id="{1199E1B1-A8C0-4FE8-A5A8-1CB41D69F857}"/>
@@ -9122,7 +9558,7 @@
       </p:sp>
       <p:sp>
         <p:nvSpPr>
-          <p:cNvPr id="3095" name="Rectangle 3094">
+          <p:cNvPr id="5130" name="Rectangle 5129">
             <a:extLst>
               <a:ext uri="{FF2B5EF4-FFF2-40B4-BE49-F238E27FC236}">
                 <a16:creationId xmlns:a16="http://schemas.microsoft.com/office/drawing/2014/main" id="{84A8DE83-DE75-4B41-9DB4-A7EC0B0DEC0B}"/>
@@ -9199,7 +9635,7 @@
       </p:sp>
       <p:sp>
         <p:nvSpPr>
-          <p:cNvPr id="3097" name="Rectangle 3096">
+          <p:cNvPr id="5132" name="Rectangle 5131">
             <a:extLst>
               <a:ext uri="{FF2B5EF4-FFF2-40B4-BE49-F238E27FC236}">
                 <a16:creationId xmlns:a16="http://schemas.microsoft.com/office/drawing/2014/main" id="{A7009A0A-BEF5-4EAC-AF15-E4F9F002E239}"/>
@@ -9277,6 +9713,527 @@
           <p:cNvPr id="2" name="Title 1">
             <a:extLst>
               <a:ext uri="{FF2B5EF4-FFF2-40B4-BE49-F238E27FC236}">
+                <a16:creationId xmlns:a16="http://schemas.microsoft.com/office/drawing/2014/main" id="{4BE7800B-138D-F755-9F56-391B5B0A6935}"/>
+              </a:ext>
+            </a:extLst>
+          </p:cNvPr>
+          <p:cNvSpPr>
+            <a:spLocks noGrp="1"/>
+          </p:cNvSpPr>
+          <p:nvPr>
+            <p:ph type="title"/>
+          </p:nvPr>
+        </p:nvSpPr>
+        <p:spPr>
+          <a:xfrm>
+            <a:off x="699713" y="248038"/>
+            <a:ext cx="7063721" cy="1159200"/>
+          </a:xfrm>
+        </p:spPr>
+        <p:txBody>
+          <a:bodyPr vert="horz" lIns="91440" tIns="45720" rIns="91440" bIns="45720" rtlCol="0" anchor="ctr">
+            <a:normAutofit fontScale="90000"/>
+          </a:bodyPr>
+          <a:lstStyle/>
+          <a:p>
+            <a:r>
+              <a:rPr lang="en-US" sz="4000" kern="1200" dirty="0">
+                <a:solidFill>
+                  <a:srgbClr val="FFFFFF"/>
+                </a:solidFill>
+                <a:latin typeface="+mj-lt"/>
+                <a:ea typeface="+mj-ea"/>
+                <a:cs typeface="+mj-cs"/>
+              </a:rPr>
+              <a:t>Trend </a:t>
+            </a:r>
+            <a:r>
+              <a:rPr lang="en-US" sz="4000" kern="1200" dirty="0" err="1">
+                <a:solidFill>
+                  <a:srgbClr val="FFFFFF"/>
+                </a:solidFill>
+                <a:latin typeface="+mj-lt"/>
+                <a:ea typeface="+mj-ea"/>
+                <a:cs typeface="+mj-cs"/>
+              </a:rPr>
+              <a:t>ritardo</a:t>
+            </a:r>
+            <a:r>
+              <a:rPr lang="en-US" sz="4000" kern="1200" dirty="0">
+                <a:solidFill>
+                  <a:srgbClr val="FFFFFF"/>
+                </a:solidFill>
+                <a:latin typeface="+mj-lt"/>
+                <a:ea typeface="+mj-ea"/>
+                <a:cs typeface="+mj-cs"/>
+              </a:rPr>
+              <a:t> </a:t>
+            </a:r>
+            <a:r>
+              <a:rPr lang="en-US" sz="4000" kern="1200" dirty="0" err="1">
+                <a:solidFill>
+                  <a:srgbClr val="FFFFFF"/>
+                </a:solidFill>
+                <a:latin typeface="+mj-lt"/>
+                <a:ea typeface="+mj-ea"/>
+                <a:cs typeface="+mj-cs"/>
+              </a:rPr>
+              <a:t>nel</a:t>
+            </a:r>
+            <a:r>
+              <a:rPr lang="en-US" sz="4000" kern="1200" dirty="0">
+                <a:solidFill>
+                  <a:srgbClr val="FFFFFF"/>
+                </a:solidFill>
+                <a:latin typeface="+mj-lt"/>
+                <a:ea typeface="+mj-ea"/>
+                <a:cs typeface="+mj-cs"/>
+              </a:rPr>
+              <a:t> </a:t>
+            </a:r>
+            <a:r>
+              <a:rPr lang="en-US" sz="4000" kern="1200" dirty="0" err="1">
+                <a:solidFill>
+                  <a:srgbClr val="FFFFFF"/>
+                </a:solidFill>
+                <a:latin typeface="+mj-lt"/>
+                <a:ea typeface="+mj-ea"/>
+                <a:cs typeface="+mj-cs"/>
+              </a:rPr>
+              <a:t>periodo</a:t>
+            </a:r>
+            <a:r>
+              <a:rPr lang="en-US" sz="4000" kern="1200" dirty="0">
+                <a:solidFill>
+                  <a:srgbClr val="FFFFFF"/>
+                </a:solidFill>
+                <a:latin typeface="+mj-lt"/>
+                <a:ea typeface="+mj-ea"/>
+                <a:cs typeface="+mj-cs"/>
+              </a:rPr>
+              <a:t> </a:t>
+            </a:r>
+            <a:r>
+              <a:rPr lang="en-US" sz="4000" kern="1200" dirty="0" err="1">
+                <a:solidFill>
+                  <a:srgbClr val="FFFFFF"/>
+                </a:solidFill>
+                <a:latin typeface="+mj-lt"/>
+                <a:ea typeface="+mj-ea"/>
+                <a:cs typeface="+mj-cs"/>
+              </a:rPr>
+              <a:t>selezionato</a:t>
+            </a:r>
+            <a:endParaRPr lang="en-US" sz="4000" kern="1200" dirty="0">
+              <a:solidFill>
+                <a:srgbClr val="FFFFFF"/>
+              </a:solidFill>
+              <a:latin typeface="+mj-lt"/>
+              <a:ea typeface="+mj-ea"/>
+              <a:cs typeface="+mj-cs"/>
+            </a:endParaRPr>
+          </a:p>
+        </p:txBody>
+      </p:sp>
+      <p:pic>
+        <p:nvPicPr>
+          <p:cNvPr id="1025" name="Picture 1">
+            <a:extLst>
+              <a:ext uri="{FF2B5EF4-FFF2-40B4-BE49-F238E27FC236}">
+                <a16:creationId xmlns:a16="http://schemas.microsoft.com/office/drawing/2014/main" id="{AA14BA26-708E-A5F0-66DC-44049BCBC5F4}"/>
+              </a:ext>
+            </a:extLst>
+          </p:cNvPr>
+          <p:cNvPicPr>
+            <a:picLocks noChangeAspect="1" noChangeArrowheads="1"/>
+          </p:cNvPicPr>
+          <p:nvPr/>
+        </p:nvPicPr>
+        <p:blipFill>
+          <a:blip r:embed="rId3">
+            <a:extLst>
+              <a:ext uri="{28A0092B-C50C-407E-A947-70E740481C1C}">
+                <a14:useLocalDpi xmlns:a14="http://schemas.microsoft.com/office/drawing/2010/main" val="0"/>
+              </a:ext>
+            </a:extLst>
+          </a:blip>
+          <a:srcRect/>
+          <a:stretch>
+            <a:fillRect/>
+          </a:stretch>
+        </p:blipFill>
+        <p:spPr bwMode="auto">
+          <a:xfrm>
+            <a:off x="739930" y="1574310"/>
+            <a:ext cx="10712140" cy="5283690"/>
+          </a:xfrm>
+          <a:prstGeom prst="rect">
+            <a:avLst/>
+          </a:prstGeom>
+          <a:noFill/>
+          <a:extLst>
+            <a:ext uri="{909E8E84-426E-40DD-AFC4-6F175D3DCCD1}">
+              <a14:hiddenFill xmlns:a14="http://schemas.microsoft.com/office/drawing/2010/main">
+                <a:solidFill>
+                  <a:srgbClr val="FFFFFF"/>
+                </a:solidFill>
+              </a14:hiddenFill>
+            </a:ext>
+          </a:extLst>
+        </p:spPr>
+      </p:pic>
+    </p:spTree>
+    <p:extLst>
+      <p:ext uri="{BB962C8B-B14F-4D97-AF65-F5344CB8AC3E}">
+        <p14:creationId xmlns:p14="http://schemas.microsoft.com/office/powerpoint/2010/main" val="1675110339"/>
+      </p:ext>
+    </p:extLst>
+  </p:cSld>
+  <p:clrMapOvr>
+    <a:masterClrMapping/>
+  </p:clrMapOvr>
+</p:sld>
+</file>
+
+<file path=ppt/slides/slide11.xml><?xml version="1.0" encoding="utf-8"?>
+<p:sld xmlns:a="http://schemas.openxmlformats.org/drawingml/2006/main" xmlns:r="http://schemas.openxmlformats.org/officeDocument/2006/relationships" xmlns:p="http://schemas.openxmlformats.org/presentationml/2006/main">
+  <p:cSld>
+    <p:bg>
+      <p:bgPr>
+        <a:solidFill>
+          <a:schemeClr val="bg1"/>
+        </a:solidFill>
+        <a:effectLst/>
+      </p:bgPr>
+    </p:bg>
+    <p:spTree>
+      <p:nvGrpSpPr>
+        <p:cNvPr id="1" name="">
+          <a:extLst>
+            <a:ext uri="{FF2B5EF4-FFF2-40B4-BE49-F238E27FC236}">
+              <a16:creationId xmlns:a16="http://schemas.microsoft.com/office/drawing/2014/main" id="{18127105-B425-C9F7-B162-7952253A9233}"/>
+            </a:ext>
+          </a:extLst>
+        </p:cNvPr>
+        <p:cNvGrpSpPr/>
+        <p:nvPr/>
+      </p:nvGrpSpPr>
+      <p:grpSpPr>
+        <a:xfrm>
+          <a:off x="0" y="0"/>
+          <a:ext cx="0" cy="0"/>
+          <a:chOff x="0" y="0"/>
+          <a:chExt cx="0" cy="0"/>
+        </a:xfrm>
+      </p:grpSpPr>
+      <p:sp useBgFill="1">
+        <p:nvSpPr>
+          <p:cNvPr id="3091" name="Rectangle 3090">
+            <a:extLst>
+              <a:ext uri="{FF2B5EF4-FFF2-40B4-BE49-F238E27FC236}">
+                <a16:creationId xmlns:a16="http://schemas.microsoft.com/office/drawing/2014/main" id="{A8384FB5-9ADC-4DDC-881B-597D56F5B15D}"/>
+              </a:ext>
+              <a:ext uri="{C183D7F6-B498-43B3-948B-1728B52AA6E4}">
+                <adec:decorative xmlns:adec="http://schemas.microsoft.com/office/drawing/2017/decorative" val="1"/>
+              </a:ext>
+            </a:extLst>
+          </p:cNvPr>
+          <p:cNvSpPr>
+            <a:spLocks noGrp="1" noRot="1" noChangeAspect="1" noMove="1" noResize="1" noEditPoints="1" noAdjustHandles="1" noChangeArrowheads="1" noChangeShapeType="1" noTextEdit="1"/>
+          </p:cNvSpPr>
+          <p:nvPr>
+            <p:extLst>
+              <p:ext uri="{386F3935-93C4-4BCD-93E2-E3B085C9AB24}">
+                <p16:designElem xmlns:p16="http://schemas.microsoft.com/office/powerpoint/2015/main" val="1"/>
+              </p:ext>
+            </p:extLst>
+          </p:nvPr>
+        </p:nvSpPr>
+        <p:spPr>
+          <a:xfrm>
+            <a:off x="0" y="0"/>
+            <a:ext cx="12192000" cy="6858000"/>
+          </a:xfrm>
+          <a:prstGeom prst="rect">
+            <a:avLst/>
+          </a:prstGeom>
+          <a:ln w="12700" cap="flat" cmpd="sng" algn="ctr">
+            <a:noFill/>
+            <a:prstDash val="solid"/>
+            <a:miter lim="800000"/>
+          </a:ln>
+          <a:effectLst/>
+          <a:extLst>
+            <a:ext uri="{91240B29-F687-4F45-9708-019B960494DF}">
+              <a14:hiddenLine xmlns:a14="http://schemas.microsoft.com/office/drawing/2010/main" w="12700" cap="flat" cmpd="sng" algn="ctr">
+                <a:solidFill>
+                  <a:schemeClr val="accent1">
+                    <a:shade val="50000"/>
+                  </a:schemeClr>
+                </a:solidFill>
+                <a:prstDash val="solid"/>
+                <a:miter lim="800000"/>
+              </a14:hiddenLine>
+            </a:ext>
+          </a:extLst>
+        </p:spPr>
+        <p:style>
+          <a:lnRef idx="2">
+            <a:schemeClr val="accent1">
+              <a:shade val="50000"/>
+            </a:schemeClr>
+          </a:lnRef>
+          <a:fillRef idx="1">
+            <a:schemeClr val="accent1"/>
+          </a:fillRef>
+          <a:effectRef idx="0">
+            <a:schemeClr val="accent1"/>
+          </a:effectRef>
+          <a:fontRef idx="minor">
+            <a:schemeClr val="lt1"/>
+          </a:fontRef>
+        </p:style>
+        <p:txBody>
+          <a:bodyPr rtlCol="0" anchor="ctr"/>
+          <a:lstStyle/>
+          <a:p>
+            <a:pPr algn="ctr"/>
+            <a:endParaRPr lang="en-US"/>
+          </a:p>
+        </p:txBody>
+      </p:sp>
+      <p:sp>
+        <p:nvSpPr>
+          <p:cNvPr id="3093" name="Rectangle 3092">
+            <a:extLst>
+              <a:ext uri="{FF2B5EF4-FFF2-40B4-BE49-F238E27FC236}">
+                <a16:creationId xmlns:a16="http://schemas.microsoft.com/office/drawing/2014/main" id="{1199E1B1-A8C0-4FE8-A5A8-1CB41D69F857}"/>
+              </a:ext>
+              <a:ext uri="{C183D7F6-B498-43B3-948B-1728B52AA6E4}">
+                <adec:decorative xmlns:adec="http://schemas.microsoft.com/office/drawing/2017/decorative" val="1"/>
+              </a:ext>
+            </a:extLst>
+          </p:cNvPr>
+          <p:cNvSpPr>
+            <a:spLocks noGrp="1" noRot="1" noChangeAspect="1" noMove="1" noResize="1" noEditPoints="1" noAdjustHandles="1" noChangeArrowheads="1" noChangeShapeType="1" noTextEdit="1"/>
+          </p:cNvSpPr>
+          <p:nvPr>
+            <p:extLst>
+              <p:ext uri="{386F3935-93C4-4BCD-93E2-E3B085C9AB24}">
+                <p16:designElem xmlns:p16="http://schemas.microsoft.com/office/powerpoint/2015/main" val="1"/>
+              </p:ext>
+            </p:extLst>
+          </p:nvPr>
+        </p:nvSpPr>
+        <p:spPr>
+          <a:xfrm rot="10800000" flipH="1">
+            <a:off x="2" y="0"/>
+            <a:ext cx="12191998" cy="1575955"/>
+          </a:xfrm>
+          <a:prstGeom prst="rect">
+            <a:avLst/>
+          </a:prstGeom>
+          <a:gradFill>
+            <a:gsLst>
+              <a:gs pos="0">
+                <a:srgbClr val="000000">
+                  <a:alpha val="96000"/>
+                </a:srgbClr>
+              </a:gs>
+              <a:gs pos="100000">
+                <a:schemeClr val="accent1">
+                  <a:lumMod val="75000"/>
+                </a:schemeClr>
+              </a:gs>
+            </a:gsLst>
+            <a:lin ang="6000000" scaled="0"/>
+          </a:gradFill>
+          <a:ln>
+            <a:noFill/>
+          </a:ln>
+        </p:spPr>
+        <p:style>
+          <a:lnRef idx="2">
+            <a:schemeClr val="accent1">
+              <a:shade val="50000"/>
+            </a:schemeClr>
+          </a:lnRef>
+          <a:fillRef idx="1">
+            <a:schemeClr val="accent1"/>
+          </a:fillRef>
+          <a:effectRef idx="0">
+            <a:schemeClr val="accent1"/>
+          </a:effectRef>
+          <a:fontRef idx="minor">
+            <a:schemeClr val="lt1"/>
+          </a:fontRef>
+        </p:style>
+        <p:txBody>
+          <a:bodyPr rtlCol="0" anchor="ctr"/>
+          <a:lstStyle/>
+          <a:p>
+            <a:pPr algn="ctr"/>
+            <a:endParaRPr lang="en-US"/>
+          </a:p>
+        </p:txBody>
+      </p:sp>
+      <p:sp>
+        <p:nvSpPr>
+          <p:cNvPr id="3095" name="Rectangle 3094">
+            <a:extLst>
+              <a:ext uri="{FF2B5EF4-FFF2-40B4-BE49-F238E27FC236}">
+                <a16:creationId xmlns:a16="http://schemas.microsoft.com/office/drawing/2014/main" id="{84A8DE83-DE75-4B41-9DB4-A7EC0B0DEC0B}"/>
+              </a:ext>
+              <a:ext uri="{C183D7F6-B498-43B3-948B-1728B52AA6E4}">
+                <adec:decorative xmlns:adec="http://schemas.microsoft.com/office/drawing/2017/decorative" val="1"/>
+              </a:ext>
+            </a:extLst>
+          </p:cNvPr>
+          <p:cNvSpPr>
+            <a:spLocks noGrp="1" noRot="1" noChangeAspect="1" noMove="1" noResize="1" noEditPoints="1" noAdjustHandles="1" noChangeArrowheads="1" noChangeShapeType="1" noTextEdit="1"/>
+          </p:cNvSpPr>
+          <p:nvPr>
+            <p:extLst>
+              <p:ext uri="{386F3935-93C4-4BCD-93E2-E3B085C9AB24}">
+                <p16:designElem xmlns:p16="http://schemas.microsoft.com/office/powerpoint/2015/main" val="1"/>
+              </p:ext>
+            </p:extLst>
+          </p:nvPr>
+        </p:nvSpPr>
+        <p:spPr>
+          <a:xfrm>
+            <a:off x="0" y="0"/>
+            <a:ext cx="8128856" cy="1575461"/>
+          </a:xfrm>
+          <a:prstGeom prst="rect">
+            <a:avLst/>
+          </a:prstGeom>
+          <a:gradFill>
+            <a:gsLst>
+              <a:gs pos="0">
+                <a:schemeClr val="accent1">
+                  <a:alpha val="41000"/>
+                </a:schemeClr>
+              </a:gs>
+              <a:gs pos="74000">
+                <a:schemeClr val="accent1">
+                  <a:lumMod val="60000"/>
+                  <a:lumOff val="40000"/>
+                  <a:alpha val="0"/>
+                </a:schemeClr>
+              </a:gs>
+            </a:gsLst>
+            <a:lin ang="8400000" scaled="0"/>
+          </a:gradFill>
+          <a:ln>
+            <a:noFill/>
+          </a:ln>
+        </p:spPr>
+        <p:style>
+          <a:lnRef idx="2">
+            <a:schemeClr val="accent1">
+              <a:shade val="50000"/>
+            </a:schemeClr>
+          </a:lnRef>
+          <a:fillRef idx="1">
+            <a:schemeClr val="accent1"/>
+          </a:fillRef>
+          <a:effectRef idx="0">
+            <a:schemeClr val="accent1"/>
+          </a:effectRef>
+          <a:fontRef idx="minor">
+            <a:schemeClr val="lt1"/>
+          </a:fontRef>
+        </p:style>
+        <p:txBody>
+          <a:bodyPr rtlCol="0" anchor="ctr"/>
+          <a:lstStyle/>
+          <a:p>
+            <a:pPr algn="ctr"/>
+            <a:endParaRPr lang="en-US"/>
+          </a:p>
+        </p:txBody>
+      </p:sp>
+      <p:sp>
+        <p:nvSpPr>
+          <p:cNvPr id="3097" name="Rectangle 3096">
+            <a:extLst>
+              <a:ext uri="{FF2B5EF4-FFF2-40B4-BE49-F238E27FC236}">
+                <a16:creationId xmlns:a16="http://schemas.microsoft.com/office/drawing/2014/main" id="{A7009A0A-BEF5-4EAC-AF15-E4F9F002E239}"/>
+              </a:ext>
+              <a:ext uri="{C183D7F6-B498-43B3-948B-1728B52AA6E4}">
+                <adec:decorative xmlns:adec="http://schemas.microsoft.com/office/drawing/2017/decorative" val="1"/>
+              </a:ext>
+            </a:extLst>
+          </p:cNvPr>
+          <p:cNvSpPr>
+            <a:spLocks noGrp="1" noRot="1" noChangeAspect="1" noMove="1" noResize="1" noEditPoints="1" noAdjustHandles="1" noChangeArrowheads="1" noChangeShapeType="1" noTextEdit="1"/>
+          </p:cNvSpPr>
+          <p:nvPr>
+            <p:extLst>
+              <p:ext uri="{386F3935-93C4-4BCD-93E2-E3B085C9AB24}">
+                <p16:designElem xmlns:p16="http://schemas.microsoft.com/office/powerpoint/2015/main" val="1"/>
+              </p:ext>
+            </p:extLst>
+          </p:nvPr>
+        </p:nvSpPr>
+        <p:spPr>
+          <a:xfrm flipH="1">
+            <a:off x="-3" y="-1"/>
+            <a:ext cx="12192002" cy="1574311"/>
+          </a:xfrm>
+          <a:prstGeom prst="rect">
+            <a:avLst/>
+          </a:prstGeom>
+          <a:gradFill>
+            <a:gsLst>
+              <a:gs pos="0">
+                <a:srgbClr val="000000">
+                  <a:alpha val="63000"/>
+                </a:srgbClr>
+              </a:gs>
+              <a:gs pos="78000">
+                <a:schemeClr val="accent1">
+                  <a:alpha val="15000"/>
+                </a:schemeClr>
+              </a:gs>
+            </a:gsLst>
+            <a:lin ang="15600000" scaled="0"/>
+          </a:gradFill>
+          <a:ln>
+            <a:noFill/>
+          </a:ln>
+        </p:spPr>
+        <p:style>
+          <a:lnRef idx="2">
+            <a:schemeClr val="accent1">
+              <a:shade val="50000"/>
+            </a:schemeClr>
+          </a:lnRef>
+          <a:fillRef idx="1">
+            <a:schemeClr val="accent1"/>
+          </a:fillRef>
+          <a:effectRef idx="0">
+            <a:schemeClr val="accent1"/>
+          </a:effectRef>
+          <a:fontRef idx="minor">
+            <a:schemeClr val="lt1"/>
+          </a:fontRef>
+        </p:style>
+        <p:txBody>
+          <a:bodyPr rtlCol="0" anchor="ctr"/>
+          <a:lstStyle/>
+          <a:p>
+            <a:pPr algn="ctr"/>
+            <a:endParaRPr lang="en-US"/>
+          </a:p>
+        </p:txBody>
+      </p:sp>
+      <p:sp>
+        <p:nvSpPr>
+          <p:cNvPr id="2" name="Title 1">
+            <a:extLst>
+              <a:ext uri="{FF2B5EF4-FFF2-40B4-BE49-F238E27FC236}">
                 <a16:creationId xmlns:a16="http://schemas.microsoft.com/office/drawing/2014/main" id="{84B48C48-A4F0-E6B7-4EC2-CD20398D9809}"/>
               </a:ext>
             </a:extLst>
@@ -9314,7 +10271,23 @@
                   <a:srgbClr val="FFFFFF"/>
                 </a:solidFill>
               </a:rPr>
-              <a:t> medio arrive per </a:t>
+              <a:t> medio </a:t>
+            </a:r>
+            <a:r>
+              <a:rPr lang="en-US" sz="4000" dirty="0" err="1">
+                <a:solidFill>
+                  <a:srgbClr val="FFFFFF"/>
+                </a:solidFill>
+              </a:rPr>
+              <a:t>arrivo</a:t>
+            </a:r>
+            <a:r>
+              <a:rPr lang="en-US" sz="4000" dirty="0">
+                <a:solidFill>
+                  <a:srgbClr val="FFFFFF"/>
+                </a:solidFill>
+              </a:rPr>
+              <a:t> per </a:t>
             </a:r>
             <a:r>
               <a:rPr lang="en-US" sz="4000" dirty="0" err="1">
@@ -9337,10 +10310,10 @@
       </p:sp>
       <p:pic>
         <p:nvPicPr>
-          <p:cNvPr id="6" name="Picture 1">
-            <a:extLst>
-              <a:ext uri="{FF2B5EF4-FFF2-40B4-BE49-F238E27FC236}">
-                <a16:creationId xmlns:a16="http://schemas.microsoft.com/office/drawing/2014/main" id="{313712DC-9663-E9A2-5FDC-A9A90EDCDB64}"/>
+          <p:cNvPr id="2049" name="Picture 1">
+            <a:extLst>
+              <a:ext uri="{FF2B5EF4-FFF2-40B4-BE49-F238E27FC236}">
+                <a16:creationId xmlns:a16="http://schemas.microsoft.com/office/drawing/2014/main" id="{1E290DFD-35EA-EE53-2EF9-EC5514FB9DCC}"/>
               </a:ext>
             </a:extLst>
           </p:cNvPr>
@@ -9366,8 +10339,8 @@
         </p:blipFill>
         <p:spPr bwMode="auto">
           <a:xfrm>
-            <a:off x="1640147" y="1573735"/>
-            <a:ext cx="8911701" cy="5283690"/>
+            <a:off x="1640149" y="1574310"/>
+            <a:ext cx="8911702" cy="5283690"/>
           </a:xfrm>
           <a:prstGeom prst="rect">
             <a:avLst/>
@@ -9397,7 +10370,7 @@
 </p:sld>
 </file>
 
-<file path=ppt/slides/slide11.xml><?xml version="1.0" encoding="utf-8"?>
+<file path=ppt/slides/slide12.xml><?xml version="1.0" encoding="utf-8"?>
 <p:sld xmlns:a="http://schemas.openxmlformats.org/drawingml/2006/main" xmlns:r="http://schemas.openxmlformats.org/officeDocument/2006/relationships" xmlns:p="http://schemas.openxmlformats.org/presentationml/2006/main">
   <p:cSld>
     <p:bg>
@@ -9812,10 +10785,10 @@
       </p:sp>
       <p:pic>
         <p:nvPicPr>
-          <p:cNvPr id="4" name="Picture 1">
-            <a:extLst>
-              <a:ext uri="{FF2B5EF4-FFF2-40B4-BE49-F238E27FC236}">
-                <a16:creationId xmlns:a16="http://schemas.microsoft.com/office/drawing/2014/main" id="{B6CA0318-FD8E-B11A-6BB9-FC99C185535A}"/>
+          <p:cNvPr id="3073" name="Picture 1">
+            <a:extLst>
+              <a:ext uri="{FF2B5EF4-FFF2-40B4-BE49-F238E27FC236}">
+                <a16:creationId xmlns:a16="http://schemas.microsoft.com/office/drawing/2014/main" id="{F1792EC7-7C0E-9A04-05AF-81C46A40DB45}"/>
               </a:ext>
             </a:extLst>
           </p:cNvPr>
@@ -9841,8 +10814,8 @@
         </p:blipFill>
         <p:spPr bwMode="auto">
           <a:xfrm>
-            <a:off x="1647633" y="1578076"/>
-            <a:ext cx="8896729" cy="5280172"/>
+            <a:off x="1293242" y="1574310"/>
+            <a:ext cx="8902655" cy="5283690"/>
           </a:xfrm>
           <a:prstGeom prst="rect">
             <a:avLst/>
@@ -9872,7 +10845,7 @@
 </p:sld>
 </file>
 
-<file path=ppt/slides/slide12.xml><?xml version="1.0" encoding="utf-8"?>
+<file path=ppt/slides/slide13.xml><?xml version="1.0" encoding="utf-8"?>
 <p:sld xmlns:a="http://schemas.openxmlformats.org/drawingml/2006/main" xmlns:r="http://schemas.openxmlformats.org/officeDocument/2006/relationships" xmlns:p="http://schemas.openxmlformats.org/presentationml/2006/main">
   <p:cSld>
     <p:bg>
@@ -10324,10 +11297,10 @@
       </p:sp>
       <p:pic>
         <p:nvPicPr>
-          <p:cNvPr id="3074" name="Picture 2">
-            <a:extLst>
-              <a:ext uri="{FF2B5EF4-FFF2-40B4-BE49-F238E27FC236}">
-                <a16:creationId xmlns:a16="http://schemas.microsoft.com/office/drawing/2014/main" id="{AC55CF64-4BA7-C4E7-0F57-21DDB34356D4}"/>
+          <p:cNvPr id="4097" name="Picture 1">
+            <a:extLst>
+              <a:ext uri="{FF2B5EF4-FFF2-40B4-BE49-F238E27FC236}">
+                <a16:creationId xmlns:a16="http://schemas.microsoft.com/office/drawing/2014/main" id="{8249D2D0-C58F-352E-5538-90119C25A4BF}"/>
               </a:ext>
             </a:extLst>
           </p:cNvPr>
@@ -10344,14 +11317,15 @@
               </a:ext>
             </a:extLst>
           </a:blip>
+          <a:srcRect/>
           <a:stretch>
             <a:fillRect/>
           </a:stretch>
         </p:blipFill>
         <p:spPr bwMode="auto">
           <a:xfrm>
-            <a:off x="1637190" y="1574310"/>
-            <a:ext cx="8917620" cy="5283690"/>
+            <a:off x="1638298" y="1569953"/>
+            <a:ext cx="8915400" cy="5291254"/>
           </a:xfrm>
           <a:prstGeom prst="rect">
             <a:avLst/>
@@ -10381,7 +11355,7 @@
 </p:sld>
 </file>
 
-<file path=ppt/slides/slide13.xml><?xml version="1.0" encoding="utf-8"?>
+<file path=ppt/slides/slide14.xml><?xml version="1.0" encoding="utf-8"?>
 <p:sld xmlns:a="http://schemas.openxmlformats.org/drawingml/2006/main" xmlns:r="http://schemas.openxmlformats.org/officeDocument/2006/relationships" xmlns:p="http://schemas.openxmlformats.org/presentationml/2006/main">
   <p:cSld>
     <p:bg>
@@ -10833,10 +11807,10 @@
       </p:sp>
       <p:pic>
         <p:nvPicPr>
-          <p:cNvPr id="4097" name="Picture 1">
-            <a:extLst>
-              <a:ext uri="{FF2B5EF4-FFF2-40B4-BE49-F238E27FC236}">
-                <a16:creationId xmlns:a16="http://schemas.microsoft.com/office/drawing/2014/main" id="{18589DAD-BA21-6385-0A38-6F28EB649007}"/>
+          <p:cNvPr id="2049" name="Picture 1">
+            <a:extLst>
+              <a:ext uri="{FF2B5EF4-FFF2-40B4-BE49-F238E27FC236}">
+                <a16:creationId xmlns:a16="http://schemas.microsoft.com/office/drawing/2014/main" id="{62FF908C-A40F-19E9-F7A8-42291E31C1CE}"/>
               </a:ext>
             </a:extLst>
           </p:cNvPr>
@@ -10853,14 +11827,15 @@
               </a:ext>
             </a:extLst>
           </a:blip>
+          <a:srcRect/>
           <a:stretch>
             <a:fillRect/>
           </a:stretch>
         </p:blipFill>
         <p:spPr bwMode="auto">
           <a:xfrm>
-            <a:off x="1637188" y="1573735"/>
-            <a:ext cx="8917620" cy="5283690"/>
+            <a:off x="1710690" y="1655276"/>
+            <a:ext cx="8770620" cy="5205327"/>
           </a:xfrm>
           <a:prstGeom prst="rect">
             <a:avLst/>
@@ -10890,7 +11865,7 @@
 </p:sld>
 </file>
 
-<file path=ppt/slides/slide14.xml><?xml version="1.0" encoding="utf-8"?>
+<file path=ppt/slides/slide15.xml><?xml version="1.0" encoding="utf-8"?>
 <p:sld xmlns:a="http://schemas.openxmlformats.org/drawingml/2006/main" xmlns:r="http://schemas.openxmlformats.org/officeDocument/2006/relationships" xmlns:p="http://schemas.openxmlformats.org/presentationml/2006/main">
   <p:cSld>
     <p:bg>
@@ -11338,29 +12313,7 @@
                 <a:ea typeface="+mj-ea"/>
                 <a:cs typeface="+mj-cs"/>
               </a:rPr>
-              <a:t> medio (&gt; 100 </a:t>
-            </a:r>
-            <a:r>
-              <a:rPr lang="en-US" sz="4000" kern="1200" dirty="0" err="1">
-                <a:solidFill>
-                  <a:srgbClr val="FFFFFF"/>
-                </a:solidFill>
-                <a:latin typeface="+mj-lt"/>
-                <a:ea typeface="+mj-ea"/>
-                <a:cs typeface="+mj-cs"/>
-              </a:rPr>
-              <a:t>viaggi</a:t>
-            </a:r>
-            <a:r>
-              <a:rPr lang="en-US" sz="4000" kern="1200" dirty="0">
-                <a:solidFill>
-                  <a:srgbClr val="FFFFFF"/>
-                </a:solidFill>
-                <a:latin typeface="+mj-lt"/>
-                <a:ea typeface="+mj-ea"/>
-                <a:cs typeface="+mj-cs"/>
-              </a:rPr>
-              <a:t>)</a:t>
+              <a:t> medio*</a:t>
             </a:r>
           </a:p>
         </p:txBody>
@@ -11400,12 +12353,47 @@
           </a:p>
         </p:txBody>
       </p:sp>
+      <p:sp>
+        <p:nvSpPr>
+          <p:cNvPr id="3" name="TextBox 2">
+            <a:extLst>
+              <a:ext uri="{FF2B5EF4-FFF2-40B4-BE49-F238E27FC236}">
+                <a16:creationId xmlns:a16="http://schemas.microsoft.com/office/drawing/2014/main" id="{28438FDE-F676-7AE9-0653-39A0EB69430F}"/>
+              </a:ext>
+            </a:extLst>
+          </p:cNvPr>
+          <p:cNvSpPr txBox="1"/>
+          <p:nvPr/>
+        </p:nvSpPr>
+        <p:spPr>
+          <a:xfrm>
+            <a:off x="468630" y="6332825"/>
+            <a:ext cx="5429250" cy="369332"/>
+          </a:xfrm>
+          <a:prstGeom prst="rect">
+            <a:avLst/>
+          </a:prstGeom>
+          <a:noFill/>
+        </p:spPr>
+        <p:txBody>
+          <a:bodyPr wrap="square" rtlCol="0">
+            <a:spAutoFit/>
+          </a:bodyPr>
+          <a:lstStyle/>
+          <a:p>
+            <a:r>
+              <a:rPr lang="it-IT" dirty="0"/>
+              <a:t>*Tratte percorse almeno 10 volte</a:t>
+            </a:r>
+          </a:p>
+        </p:txBody>
+      </p:sp>
       <p:pic>
         <p:nvPicPr>
-          <p:cNvPr id="7169" name="Picture 1">
-            <a:extLst>
-              <a:ext uri="{FF2B5EF4-FFF2-40B4-BE49-F238E27FC236}">
-                <a16:creationId xmlns:a16="http://schemas.microsoft.com/office/drawing/2014/main" id="{E96C4110-6195-69DC-DBFC-70B73C3089BF}"/>
+          <p:cNvPr id="3073" name="Picture 1">
+            <a:extLst>
+              <a:ext uri="{FF2B5EF4-FFF2-40B4-BE49-F238E27FC236}">
+                <a16:creationId xmlns:a16="http://schemas.microsoft.com/office/drawing/2014/main" id="{F82812F6-06D7-DB7C-CB1C-064D1708931C}"/>
               </a:ext>
             </a:extLst>
           </p:cNvPr>
@@ -11429,8 +12417,8 @@
         </p:blipFill>
         <p:spPr bwMode="auto">
           <a:xfrm>
-            <a:off x="914398" y="1574310"/>
-            <a:ext cx="10363200" cy="5186040"/>
+            <a:off x="1232294" y="1655276"/>
+            <a:ext cx="9727407" cy="4777802"/>
           </a:xfrm>
           <a:prstGeom prst="rect">
             <a:avLst/>
@@ -11451,6 +12439,2046 @@
     <p:extLst>
       <p:ext uri="{BB962C8B-B14F-4D97-AF65-F5344CB8AC3E}">
         <p14:creationId xmlns:p14="http://schemas.microsoft.com/office/powerpoint/2010/main" val="3297935824"/>
+      </p:ext>
+    </p:extLst>
+  </p:cSld>
+  <p:clrMapOvr>
+    <a:masterClrMapping/>
+  </p:clrMapOvr>
+</p:sld>
+</file>
+
+<file path=ppt/slides/slide16.xml><?xml version="1.0" encoding="utf-8"?>
+<p:sld xmlns:a="http://schemas.openxmlformats.org/drawingml/2006/main" xmlns:r="http://schemas.openxmlformats.org/officeDocument/2006/relationships" xmlns:p="http://schemas.openxmlformats.org/presentationml/2006/main">
+  <p:cSld>
+    <p:bg>
+      <p:bgPr>
+        <a:solidFill>
+          <a:schemeClr val="bg1"/>
+        </a:solidFill>
+        <a:effectLst/>
+      </p:bgPr>
+    </p:bg>
+    <p:spTree>
+      <p:nvGrpSpPr>
+        <p:cNvPr id="1" name="">
+          <a:extLst>
+            <a:ext uri="{FF2B5EF4-FFF2-40B4-BE49-F238E27FC236}">
+              <a16:creationId xmlns:a16="http://schemas.microsoft.com/office/drawing/2014/main" id="{69D6CC0D-3581-CA6C-014B-82EE557E0739}"/>
+            </a:ext>
+          </a:extLst>
+        </p:cNvPr>
+        <p:cNvGrpSpPr/>
+        <p:nvPr/>
+      </p:nvGrpSpPr>
+      <p:grpSpPr>
+        <a:xfrm>
+          <a:off x="0" y="0"/>
+          <a:ext cx="0" cy="0"/>
+          <a:chOff x="0" y="0"/>
+          <a:chExt cx="0" cy="0"/>
+        </a:xfrm>
+      </p:grpSpPr>
+      <p:sp useBgFill="1">
+        <p:nvSpPr>
+          <p:cNvPr id="4102" name="Rectangle 4101">
+            <a:extLst>
+              <a:ext uri="{FF2B5EF4-FFF2-40B4-BE49-F238E27FC236}">
+                <a16:creationId xmlns:a16="http://schemas.microsoft.com/office/drawing/2014/main" id="{8DD1AE47-8E2F-DECF-A6DD-89FB2AFF0715}"/>
+              </a:ext>
+              <a:ext uri="{C183D7F6-B498-43B3-948B-1728B52AA6E4}">
+                <adec:decorative xmlns:adec="http://schemas.microsoft.com/office/drawing/2017/decorative" val="1"/>
+              </a:ext>
+            </a:extLst>
+          </p:cNvPr>
+          <p:cNvSpPr>
+            <a:spLocks noGrp="1" noRot="1" noChangeAspect="1" noMove="1" noResize="1" noEditPoints="1" noAdjustHandles="1" noChangeArrowheads="1" noChangeShapeType="1" noTextEdit="1"/>
+          </p:cNvSpPr>
+          <p:nvPr>
+            <p:extLst>
+              <p:ext uri="{386F3935-93C4-4BCD-93E2-E3B085C9AB24}">
+                <p16:designElem xmlns:p16="http://schemas.microsoft.com/office/powerpoint/2015/main" val="1"/>
+              </p:ext>
+            </p:extLst>
+          </p:nvPr>
+        </p:nvSpPr>
+        <p:spPr>
+          <a:xfrm>
+            <a:off x="0" y="0"/>
+            <a:ext cx="12192000" cy="6858000"/>
+          </a:xfrm>
+          <a:prstGeom prst="rect">
+            <a:avLst/>
+          </a:prstGeom>
+          <a:ln w="12700" cap="flat" cmpd="sng" algn="ctr">
+            <a:noFill/>
+            <a:prstDash val="solid"/>
+            <a:miter lim="800000"/>
+          </a:ln>
+          <a:effectLst/>
+          <a:extLst>
+            <a:ext uri="{91240B29-F687-4F45-9708-019B960494DF}">
+              <a14:hiddenLine xmlns:a14="http://schemas.microsoft.com/office/drawing/2010/main" w="12700" cap="flat" cmpd="sng" algn="ctr">
+                <a:solidFill>
+                  <a:schemeClr val="accent1">
+                    <a:shade val="50000"/>
+                  </a:schemeClr>
+                </a:solidFill>
+                <a:prstDash val="solid"/>
+                <a:miter lim="800000"/>
+              </a14:hiddenLine>
+            </a:ext>
+          </a:extLst>
+        </p:spPr>
+        <p:style>
+          <a:lnRef idx="2">
+            <a:schemeClr val="accent1">
+              <a:shade val="50000"/>
+            </a:schemeClr>
+          </a:lnRef>
+          <a:fillRef idx="1">
+            <a:schemeClr val="accent1"/>
+          </a:fillRef>
+          <a:effectRef idx="0">
+            <a:schemeClr val="accent1"/>
+          </a:effectRef>
+          <a:fontRef idx="minor">
+            <a:schemeClr val="lt1"/>
+          </a:fontRef>
+        </p:style>
+        <p:txBody>
+          <a:bodyPr rtlCol="0" anchor="ctr"/>
+          <a:lstStyle/>
+          <a:p>
+            <a:pPr algn="ctr"/>
+            <a:endParaRPr lang="en-US"/>
+          </a:p>
+        </p:txBody>
+      </p:sp>
+      <p:sp>
+        <p:nvSpPr>
+          <p:cNvPr id="4104" name="Rectangle 4103">
+            <a:extLst>
+              <a:ext uri="{FF2B5EF4-FFF2-40B4-BE49-F238E27FC236}">
+                <a16:creationId xmlns:a16="http://schemas.microsoft.com/office/drawing/2014/main" id="{E2CE64D3-B863-39E0-EE41-A23394F576EE}"/>
+              </a:ext>
+              <a:ext uri="{C183D7F6-B498-43B3-948B-1728B52AA6E4}">
+                <adec:decorative xmlns:adec="http://schemas.microsoft.com/office/drawing/2017/decorative" val="1"/>
+              </a:ext>
+            </a:extLst>
+          </p:cNvPr>
+          <p:cNvSpPr>
+            <a:spLocks noGrp="1" noRot="1" noChangeAspect="1" noMove="1" noResize="1" noEditPoints="1" noAdjustHandles="1" noChangeArrowheads="1" noChangeShapeType="1" noTextEdit="1"/>
+          </p:cNvSpPr>
+          <p:nvPr>
+            <p:extLst>
+              <p:ext uri="{386F3935-93C4-4BCD-93E2-E3B085C9AB24}">
+                <p16:designElem xmlns:p16="http://schemas.microsoft.com/office/powerpoint/2015/main" val="1"/>
+              </p:ext>
+            </p:extLst>
+          </p:nvPr>
+        </p:nvSpPr>
+        <p:spPr>
+          <a:xfrm rot="10800000" flipH="1">
+            <a:off x="2" y="0"/>
+            <a:ext cx="12191998" cy="1575955"/>
+          </a:xfrm>
+          <a:prstGeom prst="rect">
+            <a:avLst/>
+          </a:prstGeom>
+          <a:gradFill>
+            <a:gsLst>
+              <a:gs pos="0">
+                <a:srgbClr val="000000">
+                  <a:alpha val="96000"/>
+                </a:srgbClr>
+              </a:gs>
+              <a:gs pos="100000">
+                <a:schemeClr val="accent1">
+                  <a:lumMod val="75000"/>
+                </a:schemeClr>
+              </a:gs>
+            </a:gsLst>
+            <a:lin ang="6000000" scaled="0"/>
+          </a:gradFill>
+          <a:ln>
+            <a:noFill/>
+          </a:ln>
+        </p:spPr>
+        <p:style>
+          <a:lnRef idx="2">
+            <a:schemeClr val="accent1">
+              <a:shade val="50000"/>
+            </a:schemeClr>
+          </a:lnRef>
+          <a:fillRef idx="1">
+            <a:schemeClr val="accent1"/>
+          </a:fillRef>
+          <a:effectRef idx="0">
+            <a:schemeClr val="accent1"/>
+          </a:effectRef>
+          <a:fontRef idx="minor">
+            <a:schemeClr val="lt1"/>
+          </a:fontRef>
+        </p:style>
+        <p:txBody>
+          <a:bodyPr rtlCol="0" anchor="ctr"/>
+          <a:lstStyle/>
+          <a:p>
+            <a:pPr algn="ctr"/>
+            <a:endParaRPr lang="en-US"/>
+          </a:p>
+        </p:txBody>
+      </p:sp>
+      <p:sp>
+        <p:nvSpPr>
+          <p:cNvPr id="4106" name="Rectangle 4105">
+            <a:extLst>
+              <a:ext uri="{FF2B5EF4-FFF2-40B4-BE49-F238E27FC236}">
+                <a16:creationId xmlns:a16="http://schemas.microsoft.com/office/drawing/2014/main" id="{DF96FEF3-BBB6-9969-79E8-D765C158BFCB}"/>
+              </a:ext>
+              <a:ext uri="{C183D7F6-B498-43B3-948B-1728B52AA6E4}">
+                <adec:decorative xmlns:adec="http://schemas.microsoft.com/office/drawing/2017/decorative" val="1"/>
+              </a:ext>
+            </a:extLst>
+          </p:cNvPr>
+          <p:cNvSpPr>
+            <a:spLocks noGrp="1" noRot="1" noChangeAspect="1" noMove="1" noResize="1" noEditPoints="1" noAdjustHandles="1" noChangeArrowheads="1" noChangeShapeType="1" noTextEdit="1"/>
+          </p:cNvSpPr>
+          <p:nvPr>
+            <p:extLst>
+              <p:ext uri="{386F3935-93C4-4BCD-93E2-E3B085C9AB24}">
+                <p16:designElem xmlns:p16="http://schemas.microsoft.com/office/powerpoint/2015/main" val="1"/>
+              </p:ext>
+            </p:extLst>
+          </p:nvPr>
+        </p:nvSpPr>
+        <p:spPr>
+          <a:xfrm>
+            <a:off x="0" y="0"/>
+            <a:ext cx="8128856" cy="1575461"/>
+          </a:xfrm>
+          <a:prstGeom prst="rect">
+            <a:avLst/>
+          </a:prstGeom>
+          <a:gradFill>
+            <a:gsLst>
+              <a:gs pos="0">
+                <a:schemeClr val="accent1">
+                  <a:alpha val="41000"/>
+                </a:schemeClr>
+              </a:gs>
+              <a:gs pos="74000">
+                <a:schemeClr val="accent1">
+                  <a:lumMod val="60000"/>
+                  <a:lumOff val="40000"/>
+                  <a:alpha val="0"/>
+                </a:schemeClr>
+              </a:gs>
+            </a:gsLst>
+            <a:lin ang="8400000" scaled="0"/>
+          </a:gradFill>
+          <a:ln>
+            <a:noFill/>
+          </a:ln>
+        </p:spPr>
+        <p:style>
+          <a:lnRef idx="2">
+            <a:schemeClr val="accent1">
+              <a:shade val="50000"/>
+            </a:schemeClr>
+          </a:lnRef>
+          <a:fillRef idx="1">
+            <a:schemeClr val="accent1"/>
+          </a:fillRef>
+          <a:effectRef idx="0">
+            <a:schemeClr val="accent1"/>
+          </a:effectRef>
+          <a:fontRef idx="minor">
+            <a:schemeClr val="lt1"/>
+          </a:fontRef>
+        </p:style>
+        <p:txBody>
+          <a:bodyPr rtlCol="0" anchor="ctr"/>
+          <a:lstStyle/>
+          <a:p>
+            <a:pPr algn="ctr"/>
+            <a:endParaRPr lang="en-US"/>
+          </a:p>
+        </p:txBody>
+      </p:sp>
+      <p:sp>
+        <p:nvSpPr>
+          <p:cNvPr id="4108" name="Rectangle 4107">
+            <a:extLst>
+              <a:ext uri="{FF2B5EF4-FFF2-40B4-BE49-F238E27FC236}">
+                <a16:creationId xmlns:a16="http://schemas.microsoft.com/office/drawing/2014/main" id="{E9021AB1-CB0C-2134-A5EB-7BE02716829F}"/>
+              </a:ext>
+              <a:ext uri="{C183D7F6-B498-43B3-948B-1728B52AA6E4}">
+                <adec:decorative xmlns:adec="http://schemas.microsoft.com/office/drawing/2017/decorative" val="1"/>
+              </a:ext>
+            </a:extLst>
+          </p:cNvPr>
+          <p:cNvSpPr>
+            <a:spLocks noGrp="1" noRot="1" noChangeAspect="1" noMove="1" noResize="1" noEditPoints="1" noAdjustHandles="1" noChangeArrowheads="1" noChangeShapeType="1" noTextEdit="1"/>
+          </p:cNvSpPr>
+          <p:nvPr>
+            <p:extLst>
+              <p:ext uri="{386F3935-93C4-4BCD-93E2-E3B085C9AB24}">
+                <p16:designElem xmlns:p16="http://schemas.microsoft.com/office/powerpoint/2015/main" val="1"/>
+              </p:ext>
+            </p:extLst>
+          </p:nvPr>
+        </p:nvSpPr>
+        <p:spPr>
+          <a:xfrm flipH="1">
+            <a:off x="-3" y="-1"/>
+            <a:ext cx="12192002" cy="1574311"/>
+          </a:xfrm>
+          <a:prstGeom prst="rect">
+            <a:avLst/>
+          </a:prstGeom>
+          <a:gradFill>
+            <a:gsLst>
+              <a:gs pos="0">
+                <a:srgbClr val="000000">
+                  <a:alpha val="63000"/>
+                </a:srgbClr>
+              </a:gs>
+              <a:gs pos="78000">
+                <a:schemeClr val="accent1">
+                  <a:alpha val="15000"/>
+                </a:schemeClr>
+              </a:gs>
+            </a:gsLst>
+            <a:lin ang="15600000" scaled="0"/>
+          </a:gradFill>
+          <a:ln>
+            <a:noFill/>
+          </a:ln>
+        </p:spPr>
+        <p:style>
+          <a:lnRef idx="2">
+            <a:schemeClr val="accent1">
+              <a:shade val="50000"/>
+            </a:schemeClr>
+          </a:lnRef>
+          <a:fillRef idx="1">
+            <a:schemeClr val="accent1"/>
+          </a:fillRef>
+          <a:effectRef idx="0">
+            <a:schemeClr val="accent1"/>
+          </a:effectRef>
+          <a:fontRef idx="minor">
+            <a:schemeClr val="lt1"/>
+          </a:fontRef>
+        </p:style>
+        <p:txBody>
+          <a:bodyPr rtlCol="0" anchor="ctr"/>
+          <a:lstStyle/>
+          <a:p>
+            <a:pPr algn="ctr"/>
+            <a:endParaRPr lang="en-US"/>
+          </a:p>
+        </p:txBody>
+      </p:sp>
+      <p:sp>
+        <p:nvSpPr>
+          <p:cNvPr id="2" name="Title 1">
+            <a:extLst>
+              <a:ext uri="{FF2B5EF4-FFF2-40B4-BE49-F238E27FC236}">
+                <a16:creationId xmlns:a16="http://schemas.microsoft.com/office/drawing/2014/main" id="{EA944AA1-5E29-D256-E1CD-F75DE202F70F}"/>
+              </a:ext>
+            </a:extLst>
+          </p:cNvPr>
+          <p:cNvSpPr>
+            <a:spLocks noGrp="1"/>
+          </p:cNvSpPr>
+          <p:nvPr>
+            <p:ph type="title"/>
+          </p:nvPr>
+        </p:nvSpPr>
+        <p:spPr>
+          <a:xfrm>
+            <a:off x="699713" y="248038"/>
+            <a:ext cx="7063721" cy="1159200"/>
+          </a:xfrm>
+        </p:spPr>
+        <p:txBody>
+          <a:bodyPr vert="horz" lIns="91440" tIns="45720" rIns="91440" bIns="45720" rtlCol="0" anchor="ctr">
+            <a:normAutofit fontScale="90000"/>
+          </a:bodyPr>
+          <a:lstStyle/>
+          <a:p>
+            <a:r>
+              <a:rPr lang="en-US" sz="4000" kern="1200" dirty="0" err="1">
+                <a:solidFill>
+                  <a:srgbClr val="FFFFFF"/>
+                </a:solidFill>
+                <a:latin typeface="+mj-lt"/>
+                <a:ea typeface="+mj-ea"/>
+                <a:cs typeface="+mj-cs"/>
+              </a:rPr>
+              <a:t>Correlazione</a:t>
+            </a:r>
+            <a:r>
+              <a:rPr lang="en-US" sz="4000" kern="1200" dirty="0">
+                <a:solidFill>
+                  <a:srgbClr val="FFFFFF"/>
+                </a:solidFill>
+                <a:latin typeface="+mj-lt"/>
+                <a:ea typeface="+mj-ea"/>
+                <a:cs typeface="+mj-cs"/>
+              </a:rPr>
+              <a:t> </a:t>
+            </a:r>
+            <a:r>
+              <a:rPr lang="en-US" sz="4000" kern="1200" dirty="0" err="1">
+                <a:solidFill>
+                  <a:srgbClr val="FFFFFF"/>
+                </a:solidFill>
+                <a:latin typeface="+mj-lt"/>
+                <a:ea typeface="+mj-ea"/>
+                <a:cs typeface="+mj-cs"/>
+              </a:rPr>
+              <a:t>ritardo</a:t>
+            </a:r>
+            <a:r>
+              <a:rPr lang="en-US" sz="4000" dirty="0" err="1">
+                <a:solidFill>
+                  <a:srgbClr val="FFFFFF"/>
+                </a:solidFill>
+              </a:rPr>
+              <a:t>-</a:t>
+            </a:r>
+            <a:r>
+              <a:rPr lang="en-US" sz="4000" kern="1200" dirty="0" err="1">
+                <a:solidFill>
+                  <a:srgbClr val="FFFFFF"/>
+                </a:solidFill>
+                <a:latin typeface="+mj-lt"/>
+                <a:ea typeface="+mj-ea"/>
+                <a:cs typeface="+mj-cs"/>
+              </a:rPr>
+              <a:t>distanza</a:t>
+            </a:r>
+            <a:r>
+              <a:rPr lang="en-US" sz="4000" kern="1200" dirty="0">
+                <a:solidFill>
+                  <a:srgbClr val="FFFFFF"/>
+                </a:solidFill>
+                <a:latin typeface="+mj-lt"/>
+                <a:ea typeface="+mj-ea"/>
+                <a:cs typeface="+mj-cs"/>
+              </a:rPr>
+              <a:t> </a:t>
+            </a:r>
+            <a:r>
+              <a:rPr lang="en-US" sz="4000" kern="1200" dirty="0" err="1">
+                <a:solidFill>
+                  <a:srgbClr val="FFFFFF"/>
+                </a:solidFill>
+                <a:latin typeface="+mj-lt"/>
+                <a:ea typeface="+mj-ea"/>
+                <a:cs typeface="+mj-cs"/>
+              </a:rPr>
+              <a:t>tratta</a:t>
+            </a:r>
+            <a:endParaRPr lang="en-US" sz="4000" kern="1200" dirty="0">
+              <a:solidFill>
+                <a:srgbClr val="FFFFFF"/>
+              </a:solidFill>
+              <a:latin typeface="+mj-lt"/>
+              <a:ea typeface="+mj-ea"/>
+              <a:cs typeface="+mj-cs"/>
+            </a:endParaRPr>
+          </a:p>
+        </p:txBody>
+      </p:sp>
+      <p:sp>
+        <p:nvSpPr>
+          <p:cNvPr id="4" name="TextBox 3">
+            <a:extLst>
+              <a:ext uri="{FF2B5EF4-FFF2-40B4-BE49-F238E27FC236}">
+                <a16:creationId xmlns:a16="http://schemas.microsoft.com/office/drawing/2014/main" id="{DBE8D90E-F108-CFD4-35B4-A9CCA2DC52D1}"/>
+              </a:ext>
+            </a:extLst>
+          </p:cNvPr>
+          <p:cNvSpPr txBox="1"/>
+          <p:nvPr/>
+        </p:nvSpPr>
+        <p:spPr>
+          <a:xfrm>
+            <a:off x="-581025" y="7525435"/>
+            <a:ext cx="6096000" cy="646331"/>
+          </a:xfrm>
+          <a:prstGeom prst="rect">
+            <a:avLst/>
+          </a:prstGeom>
+          <a:noFill/>
+        </p:spPr>
+        <p:txBody>
+          <a:bodyPr wrap="square">
+            <a:spAutoFit/>
+          </a:bodyPr>
+          <a:lstStyle/>
+          <a:p>
+            <a:r>
+              <a:rPr lang="it-IT" dirty="0"/>
+              <a:t>https://github.com/AndreaSpolaor/analisitrasportoferroviario.git/</a:t>
+            </a:r>
+          </a:p>
+        </p:txBody>
+      </p:sp>
+      <p:graphicFrame>
+        <p:nvGraphicFramePr>
+          <p:cNvPr id="3" name="Table 2">
+            <a:extLst>
+              <a:ext uri="{FF2B5EF4-FFF2-40B4-BE49-F238E27FC236}">
+                <a16:creationId xmlns:a16="http://schemas.microsoft.com/office/drawing/2014/main" id="{6F30778C-0576-2302-298C-11EE69B40C4A}"/>
+              </a:ext>
+            </a:extLst>
+          </p:cNvPr>
+          <p:cNvGraphicFramePr>
+            <a:graphicFrameLocks noGrp="1"/>
+          </p:cNvGraphicFramePr>
+          <p:nvPr>
+            <p:extLst>
+              <p:ext uri="{D42A27DB-BD31-4B8C-83A1-F6EECF244321}">
+                <p14:modId xmlns:p14="http://schemas.microsoft.com/office/powerpoint/2010/main" val="2865293009"/>
+              </p:ext>
+            </p:extLst>
+          </p:nvPr>
+        </p:nvGraphicFramePr>
+        <p:xfrm>
+          <a:off x="8630520" y="2078159"/>
+          <a:ext cx="3139220" cy="1647809"/>
+        </p:xfrm>
+        <a:graphic>
+          <a:graphicData uri="http://schemas.openxmlformats.org/drawingml/2006/table">
+            <a:tbl>
+              <a:tblPr firstRow="1" bandRow="1">
+                <a:tableStyleId>{5C22544A-7EE6-4342-B048-85BDC9FD1C3A}</a:tableStyleId>
+              </a:tblPr>
+              <a:tblGrid>
+                <a:gridCol w="1569610">
+                  <a:extLst>
+                    <a:ext uri="{9D8B030D-6E8A-4147-A177-3AD203B41FA5}">
+                      <a16:colId xmlns:a16="http://schemas.microsoft.com/office/drawing/2014/main" val="748639732"/>
+                    </a:ext>
+                  </a:extLst>
+                </a:gridCol>
+                <a:gridCol w="1569610">
+                  <a:extLst>
+                    <a:ext uri="{9D8B030D-6E8A-4147-A177-3AD203B41FA5}">
+                      <a16:colId xmlns:a16="http://schemas.microsoft.com/office/drawing/2014/main" val="959931716"/>
+                    </a:ext>
+                  </a:extLst>
+                </a:gridCol>
+              </a:tblGrid>
+              <a:tr h="550529">
+                <a:tc>
+                  <a:txBody>
+                    <a:bodyPr/>
+                    <a:lstStyle/>
+                    <a:p>
+                      <a:r>
+                        <a:rPr lang="it-IT" dirty="0"/>
+                        <a:t>Coefficiente</a:t>
+                      </a:r>
+                    </a:p>
+                  </a:txBody>
+                  <a:tcPr/>
+                </a:tc>
+                <a:tc>
+                  <a:txBody>
+                    <a:bodyPr/>
+                    <a:lstStyle/>
+                    <a:p>
+                      <a:r>
+                        <a:rPr lang="it-IT" dirty="0"/>
+                        <a:t>Valore</a:t>
+                      </a:r>
+                    </a:p>
+                  </a:txBody>
+                  <a:tcPr/>
+                </a:tc>
+                <a:extLst>
+                  <a:ext uri="{0D108BD9-81ED-4DB2-BD59-A6C34878D82A}">
+                    <a16:rowId xmlns:a16="http://schemas.microsoft.com/office/drawing/2014/main" val="858997889"/>
+                  </a:ext>
+                </a:extLst>
+              </a:tr>
+              <a:tr h="347694">
+                <a:tc>
+                  <a:txBody>
+                    <a:bodyPr/>
+                    <a:lstStyle/>
+                    <a:p>
+                      <a:r>
+                        <a:rPr lang="it-IT" dirty="0"/>
+                        <a:t>Pearson</a:t>
+                      </a:r>
+                    </a:p>
+                  </a:txBody>
+                  <a:tcPr/>
+                </a:tc>
+                <a:tc>
+                  <a:txBody>
+                    <a:bodyPr/>
+                    <a:lstStyle/>
+                    <a:p>
+                      <a:r>
+                        <a:rPr lang="it-IT" dirty="0"/>
+                        <a:t>0.193</a:t>
+                      </a:r>
+                    </a:p>
+                  </a:txBody>
+                  <a:tcPr/>
+                </a:tc>
+                <a:extLst>
+                  <a:ext uri="{0D108BD9-81ED-4DB2-BD59-A6C34878D82A}">
+                    <a16:rowId xmlns:a16="http://schemas.microsoft.com/office/drawing/2014/main" val="2922309372"/>
+                  </a:ext>
+                </a:extLst>
+              </a:tr>
+              <a:tr h="338867">
+                <a:tc>
+                  <a:txBody>
+                    <a:bodyPr/>
+                    <a:lstStyle/>
+                    <a:p>
+                      <a:r>
+                        <a:rPr lang="it-IT" dirty="0"/>
+                        <a:t>Spearman</a:t>
+                      </a:r>
+                    </a:p>
+                  </a:txBody>
+                  <a:tcPr/>
+                </a:tc>
+                <a:tc>
+                  <a:txBody>
+                    <a:bodyPr/>
+                    <a:lstStyle/>
+                    <a:p>
+                      <a:r>
+                        <a:rPr lang="it-IT" dirty="0"/>
+                        <a:t>0.191</a:t>
+                      </a:r>
+                    </a:p>
+                  </a:txBody>
+                  <a:tcPr/>
+                </a:tc>
+                <a:extLst>
+                  <a:ext uri="{0D108BD9-81ED-4DB2-BD59-A6C34878D82A}">
+                    <a16:rowId xmlns:a16="http://schemas.microsoft.com/office/drawing/2014/main" val="313493762"/>
+                  </a:ext>
+                </a:extLst>
+              </a:tr>
+              <a:tr h="338867">
+                <a:tc>
+                  <a:txBody>
+                    <a:bodyPr/>
+                    <a:lstStyle/>
+                    <a:p>
+                      <a:r>
+                        <a:rPr lang="it-IT" dirty="0"/>
+                        <a:t>Kendall</a:t>
+                      </a:r>
+                    </a:p>
+                  </a:txBody>
+                  <a:tcPr/>
+                </a:tc>
+                <a:tc>
+                  <a:txBody>
+                    <a:bodyPr/>
+                    <a:lstStyle/>
+                    <a:p>
+                      <a:r>
+                        <a:rPr lang="it-IT" dirty="0"/>
+                        <a:t>0.129</a:t>
+                      </a:r>
+                    </a:p>
+                  </a:txBody>
+                  <a:tcPr/>
+                </a:tc>
+                <a:extLst>
+                  <a:ext uri="{0D108BD9-81ED-4DB2-BD59-A6C34878D82A}">
+                    <a16:rowId xmlns:a16="http://schemas.microsoft.com/office/drawing/2014/main" val="1215098534"/>
+                  </a:ext>
+                </a:extLst>
+              </a:tr>
+            </a:tbl>
+          </a:graphicData>
+        </a:graphic>
+      </p:graphicFrame>
+      <p:pic>
+        <p:nvPicPr>
+          <p:cNvPr id="4097" name="Picture 1">
+            <a:extLst>
+              <a:ext uri="{FF2B5EF4-FFF2-40B4-BE49-F238E27FC236}">
+                <a16:creationId xmlns:a16="http://schemas.microsoft.com/office/drawing/2014/main" id="{43FF1F81-0D43-F726-6767-B5D5640677B9}"/>
+              </a:ext>
+            </a:extLst>
+          </p:cNvPr>
+          <p:cNvPicPr>
+            <a:picLocks noChangeAspect="1" noChangeArrowheads="1"/>
+          </p:cNvPicPr>
+          <p:nvPr/>
+        </p:nvPicPr>
+        <p:blipFill>
+          <a:blip r:embed="rId3">
+            <a:extLst>
+              <a:ext uri="{28A0092B-C50C-407E-A947-70E740481C1C}">
+                <a14:useLocalDpi xmlns:a14="http://schemas.microsoft.com/office/drawing/2010/main" val="0"/>
+              </a:ext>
+            </a:extLst>
+          </a:blip>
+          <a:srcRect/>
+          <a:stretch>
+            <a:fillRect/>
+          </a:stretch>
+        </p:blipFill>
+        <p:spPr bwMode="auto">
+          <a:xfrm>
+            <a:off x="199777" y="1587814"/>
+            <a:ext cx="7929079" cy="5238215"/>
+          </a:xfrm>
+          <a:prstGeom prst="rect">
+            <a:avLst/>
+          </a:prstGeom>
+          <a:noFill/>
+          <a:extLst>
+            <a:ext uri="{909E8E84-426E-40DD-AFC4-6F175D3DCCD1}">
+              <a14:hiddenFill xmlns:a14="http://schemas.microsoft.com/office/drawing/2010/main">
+                <a:solidFill>
+                  <a:srgbClr val="FFFFFF"/>
+                </a:solidFill>
+              </a14:hiddenFill>
+            </a:ext>
+          </a:extLst>
+        </p:spPr>
+      </p:pic>
+    </p:spTree>
+    <p:extLst>
+      <p:ext uri="{BB962C8B-B14F-4D97-AF65-F5344CB8AC3E}">
+        <p14:creationId xmlns:p14="http://schemas.microsoft.com/office/powerpoint/2010/main" val="3777678660"/>
+      </p:ext>
+    </p:extLst>
+  </p:cSld>
+  <p:clrMapOvr>
+    <a:masterClrMapping/>
+  </p:clrMapOvr>
+</p:sld>
+</file>
+
+<file path=ppt/slides/slide17.xml><?xml version="1.0" encoding="utf-8"?>
+<p:sld xmlns:a="http://schemas.openxmlformats.org/drawingml/2006/main" xmlns:r="http://schemas.openxmlformats.org/officeDocument/2006/relationships" xmlns:p="http://schemas.openxmlformats.org/presentationml/2006/main">
+  <p:cSld>
+    <p:bg>
+      <p:bgPr>
+        <a:solidFill>
+          <a:schemeClr val="bg1"/>
+        </a:solidFill>
+        <a:effectLst/>
+      </p:bgPr>
+    </p:bg>
+    <p:spTree>
+      <p:nvGrpSpPr>
+        <p:cNvPr id="1" name="">
+          <a:extLst>
+            <a:ext uri="{FF2B5EF4-FFF2-40B4-BE49-F238E27FC236}">
+              <a16:creationId xmlns:a16="http://schemas.microsoft.com/office/drawing/2014/main" id="{3A13532C-F6B0-E2C1-6347-0A6E806A5A45}"/>
+            </a:ext>
+          </a:extLst>
+        </p:cNvPr>
+        <p:cNvGrpSpPr/>
+        <p:nvPr/>
+      </p:nvGrpSpPr>
+      <p:grpSpPr>
+        <a:xfrm>
+          <a:off x="0" y="0"/>
+          <a:ext cx="0" cy="0"/>
+          <a:chOff x="0" y="0"/>
+          <a:chExt cx="0" cy="0"/>
+        </a:xfrm>
+      </p:grpSpPr>
+      <p:sp useBgFill="1">
+        <p:nvSpPr>
+          <p:cNvPr id="4102" name="Rectangle 4101">
+            <a:extLst>
+              <a:ext uri="{FF2B5EF4-FFF2-40B4-BE49-F238E27FC236}">
+                <a16:creationId xmlns:a16="http://schemas.microsoft.com/office/drawing/2014/main" id="{C360632A-806B-37EF-6E10-5340D74D7DCF}"/>
+              </a:ext>
+              <a:ext uri="{C183D7F6-B498-43B3-948B-1728B52AA6E4}">
+                <adec:decorative xmlns:adec="http://schemas.microsoft.com/office/drawing/2017/decorative" val="1"/>
+              </a:ext>
+            </a:extLst>
+          </p:cNvPr>
+          <p:cNvSpPr>
+            <a:spLocks noGrp="1" noRot="1" noChangeAspect="1" noMove="1" noResize="1" noEditPoints="1" noAdjustHandles="1" noChangeArrowheads="1" noChangeShapeType="1" noTextEdit="1"/>
+          </p:cNvSpPr>
+          <p:nvPr>
+            <p:extLst>
+              <p:ext uri="{386F3935-93C4-4BCD-93E2-E3B085C9AB24}">
+                <p16:designElem xmlns:p16="http://schemas.microsoft.com/office/powerpoint/2015/main" val="1"/>
+              </p:ext>
+            </p:extLst>
+          </p:nvPr>
+        </p:nvSpPr>
+        <p:spPr>
+          <a:xfrm>
+            <a:off x="0" y="0"/>
+            <a:ext cx="12192000" cy="6858000"/>
+          </a:xfrm>
+          <a:prstGeom prst="rect">
+            <a:avLst/>
+          </a:prstGeom>
+          <a:ln w="12700" cap="flat" cmpd="sng" algn="ctr">
+            <a:noFill/>
+            <a:prstDash val="solid"/>
+            <a:miter lim="800000"/>
+          </a:ln>
+          <a:effectLst/>
+          <a:extLst>
+            <a:ext uri="{91240B29-F687-4F45-9708-019B960494DF}">
+              <a14:hiddenLine xmlns:a14="http://schemas.microsoft.com/office/drawing/2010/main" w="12700" cap="flat" cmpd="sng" algn="ctr">
+                <a:solidFill>
+                  <a:schemeClr val="accent1">
+                    <a:shade val="50000"/>
+                  </a:schemeClr>
+                </a:solidFill>
+                <a:prstDash val="solid"/>
+                <a:miter lim="800000"/>
+              </a14:hiddenLine>
+            </a:ext>
+          </a:extLst>
+        </p:spPr>
+        <p:style>
+          <a:lnRef idx="2">
+            <a:schemeClr val="accent1">
+              <a:shade val="50000"/>
+            </a:schemeClr>
+          </a:lnRef>
+          <a:fillRef idx="1">
+            <a:schemeClr val="accent1"/>
+          </a:fillRef>
+          <a:effectRef idx="0">
+            <a:schemeClr val="accent1"/>
+          </a:effectRef>
+          <a:fontRef idx="minor">
+            <a:schemeClr val="lt1"/>
+          </a:fontRef>
+        </p:style>
+        <p:txBody>
+          <a:bodyPr rtlCol="0" anchor="ctr"/>
+          <a:lstStyle/>
+          <a:p>
+            <a:pPr algn="ctr"/>
+            <a:endParaRPr lang="en-US"/>
+          </a:p>
+        </p:txBody>
+      </p:sp>
+      <p:sp>
+        <p:nvSpPr>
+          <p:cNvPr id="4104" name="Rectangle 4103">
+            <a:extLst>
+              <a:ext uri="{FF2B5EF4-FFF2-40B4-BE49-F238E27FC236}">
+                <a16:creationId xmlns:a16="http://schemas.microsoft.com/office/drawing/2014/main" id="{E801D13C-D42D-0D9A-8A41-00A5AC0F0C6C}"/>
+              </a:ext>
+              <a:ext uri="{C183D7F6-B498-43B3-948B-1728B52AA6E4}">
+                <adec:decorative xmlns:adec="http://schemas.microsoft.com/office/drawing/2017/decorative" val="1"/>
+              </a:ext>
+            </a:extLst>
+          </p:cNvPr>
+          <p:cNvSpPr>
+            <a:spLocks noGrp="1" noRot="1" noChangeAspect="1" noMove="1" noResize="1" noEditPoints="1" noAdjustHandles="1" noChangeArrowheads="1" noChangeShapeType="1" noTextEdit="1"/>
+          </p:cNvSpPr>
+          <p:nvPr>
+            <p:extLst>
+              <p:ext uri="{386F3935-93C4-4BCD-93E2-E3B085C9AB24}">
+                <p16:designElem xmlns:p16="http://schemas.microsoft.com/office/powerpoint/2015/main" val="1"/>
+              </p:ext>
+            </p:extLst>
+          </p:nvPr>
+        </p:nvSpPr>
+        <p:spPr>
+          <a:xfrm rot="10800000" flipH="1">
+            <a:off x="2" y="0"/>
+            <a:ext cx="12191998" cy="1575955"/>
+          </a:xfrm>
+          <a:prstGeom prst="rect">
+            <a:avLst/>
+          </a:prstGeom>
+          <a:gradFill>
+            <a:gsLst>
+              <a:gs pos="0">
+                <a:srgbClr val="000000">
+                  <a:alpha val="96000"/>
+                </a:srgbClr>
+              </a:gs>
+              <a:gs pos="100000">
+                <a:schemeClr val="accent1">
+                  <a:lumMod val="75000"/>
+                </a:schemeClr>
+              </a:gs>
+            </a:gsLst>
+            <a:lin ang="6000000" scaled="0"/>
+          </a:gradFill>
+          <a:ln>
+            <a:noFill/>
+          </a:ln>
+        </p:spPr>
+        <p:style>
+          <a:lnRef idx="2">
+            <a:schemeClr val="accent1">
+              <a:shade val="50000"/>
+            </a:schemeClr>
+          </a:lnRef>
+          <a:fillRef idx="1">
+            <a:schemeClr val="accent1"/>
+          </a:fillRef>
+          <a:effectRef idx="0">
+            <a:schemeClr val="accent1"/>
+          </a:effectRef>
+          <a:fontRef idx="minor">
+            <a:schemeClr val="lt1"/>
+          </a:fontRef>
+        </p:style>
+        <p:txBody>
+          <a:bodyPr rtlCol="0" anchor="ctr"/>
+          <a:lstStyle/>
+          <a:p>
+            <a:pPr algn="ctr"/>
+            <a:endParaRPr lang="en-US"/>
+          </a:p>
+        </p:txBody>
+      </p:sp>
+      <p:sp>
+        <p:nvSpPr>
+          <p:cNvPr id="4106" name="Rectangle 4105">
+            <a:extLst>
+              <a:ext uri="{FF2B5EF4-FFF2-40B4-BE49-F238E27FC236}">
+                <a16:creationId xmlns:a16="http://schemas.microsoft.com/office/drawing/2014/main" id="{9333B8F2-D687-4E14-15B4-21BEC59A84E7}"/>
+              </a:ext>
+              <a:ext uri="{C183D7F6-B498-43B3-948B-1728B52AA6E4}">
+                <adec:decorative xmlns:adec="http://schemas.microsoft.com/office/drawing/2017/decorative" val="1"/>
+              </a:ext>
+            </a:extLst>
+          </p:cNvPr>
+          <p:cNvSpPr>
+            <a:spLocks noGrp="1" noRot="1" noChangeAspect="1" noMove="1" noResize="1" noEditPoints="1" noAdjustHandles="1" noChangeArrowheads="1" noChangeShapeType="1" noTextEdit="1"/>
+          </p:cNvSpPr>
+          <p:nvPr>
+            <p:extLst>
+              <p:ext uri="{386F3935-93C4-4BCD-93E2-E3B085C9AB24}">
+                <p16:designElem xmlns:p16="http://schemas.microsoft.com/office/powerpoint/2015/main" val="1"/>
+              </p:ext>
+            </p:extLst>
+          </p:nvPr>
+        </p:nvSpPr>
+        <p:spPr>
+          <a:xfrm>
+            <a:off x="0" y="0"/>
+            <a:ext cx="8128856" cy="1575461"/>
+          </a:xfrm>
+          <a:prstGeom prst="rect">
+            <a:avLst/>
+          </a:prstGeom>
+          <a:gradFill>
+            <a:gsLst>
+              <a:gs pos="0">
+                <a:schemeClr val="accent1">
+                  <a:alpha val="41000"/>
+                </a:schemeClr>
+              </a:gs>
+              <a:gs pos="74000">
+                <a:schemeClr val="accent1">
+                  <a:lumMod val="60000"/>
+                  <a:lumOff val="40000"/>
+                  <a:alpha val="0"/>
+                </a:schemeClr>
+              </a:gs>
+            </a:gsLst>
+            <a:lin ang="8400000" scaled="0"/>
+          </a:gradFill>
+          <a:ln>
+            <a:noFill/>
+          </a:ln>
+        </p:spPr>
+        <p:style>
+          <a:lnRef idx="2">
+            <a:schemeClr val="accent1">
+              <a:shade val="50000"/>
+            </a:schemeClr>
+          </a:lnRef>
+          <a:fillRef idx="1">
+            <a:schemeClr val="accent1"/>
+          </a:fillRef>
+          <a:effectRef idx="0">
+            <a:schemeClr val="accent1"/>
+          </a:effectRef>
+          <a:fontRef idx="minor">
+            <a:schemeClr val="lt1"/>
+          </a:fontRef>
+        </p:style>
+        <p:txBody>
+          <a:bodyPr rtlCol="0" anchor="ctr"/>
+          <a:lstStyle/>
+          <a:p>
+            <a:pPr algn="ctr"/>
+            <a:endParaRPr lang="en-US"/>
+          </a:p>
+        </p:txBody>
+      </p:sp>
+      <p:sp>
+        <p:nvSpPr>
+          <p:cNvPr id="4108" name="Rectangle 4107">
+            <a:extLst>
+              <a:ext uri="{FF2B5EF4-FFF2-40B4-BE49-F238E27FC236}">
+                <a16:creationId xmlns:a16="http://schemas.microsoft.com/office/drawing/2014/main" id="{E0463A6C-07D6-BA5F-ED78-B2C12534213C}"/>
+              </a:ext>
+              <a:ext uri="{C183D7F6-B498-43B3-948B-1728B52AA6E4}">
+                <adec:decorative xmlns:adec="http://schemas.microsoft.com/office/drawing/2017/decorative" val="1"/>
+              </a:ext>
+            </a:extLst>
+          </p:cNvPr>
+          <p:cNvSpPr>
+            <a:spLocks noGrp="1" noRot="1" noChangeAspect="1" noMove="1" noResize="1" noEditPoints="1" noAdjustHandles="1" noChangeArrowheads="1" noChangeShapeType="1" noTextEdit="1"/>
+          </p:cNvSpPr>
+          <p:nvPr>
+            <p:extLst>
+              <p:ext uri="{386F3935-93C4-4BCD-93E2-E3B085C9AB24}">
+                <p16:designElem xmlns:p16="http://schemas.microsoft.com/office/powerpoint/2015/main" val="1"/>
+              </p:ext>
+            </p:extLst>
+          </p:nvPr>
+        </p:nvSpPr>
+        <p:spPr>
+          <a:xfrm flipH="1">
+            <a:off x="-3" y="-1"/>
+            <a:ext cx="12192002" cy="1574311"/>
+          </a:xfrm>
+          <a:prstGeom prst="rect">
+            <a:avLst/>
+          </a:prstGeom>
+          <a:gradFill>
+            <a:gsLst>
+              <a:gs pos="0">
+                <a:srgbClr val="000000">
+                  <a:alpha val="63000"/>
+                </a:srgbClr>
+              </a:gs>
+              <a:gs pos="78000">
+                <a:schemeClr val="accent1">
+                  <a:alpha val="15000"/>
+                </a:schemeClr>
+              </a:gs>
+            </a:gsLst>
+            <a:lin ang="15600000" scaled="0"/>
+          </a:gradFill>
+          <a:ln>
+            <a:noFill/>
+          </a:ln>
+        </p:spPr>
+        <p:style>
+          <a:lnRef idx="2">
+            <a:schemeClr val="accent1">
+              <a:shade val="50000"/>
+            </a:schemeClr>
+          </a:lnRef>
+          <a:fillRef idx="1">
+            <a:schemeClr val="accent1"/>
+          </a:fillRef>
+          <a:effectRef idx="0">
+            <a:schemeClr val="accent1"/>
+          </a:effectRef>
+          <a:fontRef idx="minor">
+            <a:schemeClr val="lt1"/>
+          </a:fontRef>
+        </p:style>
+        <p:txBody>
+          <a:bodyPr rtlCol="0" anchor="ctr"/>
+          <a:lstStyle/>
+          <a:p>
+            <a:pPr algn="ctr"/>
+            <a:endParaRPr lang="en-US"/>
+          </a:p>
+        </p:txBody>
+      </p:sp>
+      <p:sp>
+        <p:nvSpPr>
+          <p:cNvPr id="2" name="Title 1">
+            <a:extLst>
+              <a:ext uri="{FF2B5EF4-FFF2-40B4-BE49-F238E27FC236}">
+                <a16:creationId xmlns:a16="http://schemas.microsoft.com/office/drawing/2014/main" id="{8830D922-9AD0-5B71-2CAF-DAFE3FBC4F2F}"/>
+              </a:ext>
+            </a:extLst>
+          </p:cNvPr>
+          <p:cNvSpPr>
+            <a:spLocks noGrp="1"/>
+          </p:cNvSpPr>
+          <p:nvPr>
+            <p:ph type="title"/>
+          </p:nvPr>
+        </p:nvSpPr>
+        <p:spPr>
+          <a:xfrm>
+            <a:off x="699713" y="248038"/>
+            <a:ext cx="7063721" cy="1159200"/>
+          </a:xfrm>
+        </p:spPr>
+        <p:txBody>
+          <a:bodyPr vert="horz" lIns="91440" tIns="45720" rIns="91440" bIns="45720" rtlCol="0" anchor="ctr">
+            <a:normAutofit fontScale="90000"/>
+          </a:bodyPr>
+          <a:lstStyle/>
+          <a:p>
+            <a:r>
+              <a:rPr lang="en-US" sz="4000" kern="1200" dirty="0" err="1">
+                <a:solidFill>
+                  <a:srgbClr val="FFFFFF"/>
+                </a:solidFill>
+                <a:latin typeface="+mj-lt"/>
+                <a:ea typeface="+mj-ea"/>
+                <a:cs typeface="+mj-cs"/>
+              </a:rPr>
+              <a:t>Ritardo</a:t>
+            </a:r>
+            <a:r>
+              <a:rPr lang="en-US" sz="4000" kern="1200" dirty="0">
+                <a:solidFill>
+                  <a:srgbClr val="FFFFFF"/>
+                </a:solidFill>
+                <a:latin typeface="+mj-lt"/>
+                <a:ea typeface="+mj-ea"/>
+                <a:cs typeface="+mj-cs"/>
+              </a:rPr>
+              <a:t> medio </a:t>
+            </a:r>
+            <a:r>
+              <a:rPr lang="en-US" sz="4000" kern="1200" dirty="0" err="1">
+                <a:solidFill>
+                  <a:srgbClr val="FFFFFF"/>
+                </a:solidFill>
+                <a:latin typeface="+mj-lt"/>
+                <a:ea typeface="+mj-ea"/>
+                <a:cs typeface="+mj-cs"/>
+              </a:rPr>
+              <a:t>arrivo</a:t>
+            </a:r>
+            <a:r>
+              <a:rPr lang="en-US" sz="4000" kern="1200" dirty="0">
+                <a:solidFill>
+                  <a:srgbClr val="FFFFFF"/>
+                </a:solidFill>
+                <a:latin typeface="+mj-lt"/>
+                <a:ea typeface="+mj-ea"/>
+                <a:cs typeface="+mj-cs"/>
+              </a:rPr>
+              <a:t> vs </a:t>
+            </a:r>
+            <a:r>
+              <a:rPr lang="en-US" sz="4000" kern="1200" dirty="0" err="1">
+                <a:solidFill>
+                  <a:srgbClr val="FFFFFF"/>
+                </a:solidFill>
+                <a:latin typeface="+mj-lt"/>
+                <a:ea typeface="+mj-ea"/>
+                <a:cs typeface="+mj-cs"/>
+              </a:rPr>
+              <a:t>partenza</a:t>
+            </a:r>
+            <a:r>
+              <a:rPr lang="en-US" sz="4000" kern="1200" dirty="0">
+                <a:solidFill>
+                  <a:srgbClr val="FFFFFF"/>
+                </a:solidFill>
+                <a:latin typeface="+mj-lt"/>
+                <a:ea typeface="+mj-ea"/>
+                <a:cs typeface="+mj-cs"/>
+              </a:rPr>
+              <a:t> con clustering </a:t>
+            </a:r>
+            <a:r>
+              <a:rPr lang="en-US" sz="4000" kern="1200" dirty="0" err="1">
+                <a:solidFill>
+                  <a:srgbClr val="FFFFFF"/>
+                </a:solidFill>
+                <a:latin typeface="+mj-lt"/>
+                <a:ea typeface="+mj-ea"/>
+                <a:cs typeface="+mj-cs"/>
+              </a:rPr>
+              <a:t>Kmeans</a:t>
+            </a:r>
+            <a:r>
+              <a:rPr lang="en-US" sz="4000" kern="1200" dirty="0">
+                <a:solidFill>
+                  <a:srgbClr val="FFFFFF"/>
+                </a:solidFill>
+                <a:latin typeface="+mj-lt"/>
+                <a:ea typeface="+mj-ea"/>
+                <a:cs typeface="+mj-cs"/>
+              </a:rPr>
+              <a:t> (3 cluster)</a:t>
+            </a:r>
+          </a:p>
+        </p:txBody>
+      </p:sp>
+      <p:sp>
+        <p:nvSpPr>
+          <p:cNvPr id="4" name="TextBox 3">
+            <a:extLst>
+              <a:ext uri="{FF2B5EF4-FFF2-40B4-BE49-F238E27FC236}">
+                <a16:creationId xmlns:a16="http://schemas.microsoft.com/office/drawing/2014/main" id="{D2517ADF-C8E3-CD9D-B6C8-F64A6BB5178A}"/>
+              </a:ext>
+            </a:extLst>
+          </p:cNvPr>
+          <p:cNvSpPr txBox="1"/>
+          <p:nvPr/>
+        </p:nvSpPr>
+        <p:spPr>
+          <a:xfrm>
+            <a:off x="-581025" y="7525435"/>
+            <a:ext cx="6096000" cy="646331"/>
+          </a:xfrm>
+          <a:prstGeom prst="rect">
+            <a:avLst/>
+          </a:prstGeom>
+          <a:noFill/>
+        </p:spPr>
+        <p:txBody>
+          <a:bodyPr wrap="square">
+            <a:spAutoFit/>
+          </a:bodyPr>
+          <a:lstStyle/>
+          <a:p>
+            <a:r>
+              <a:rPr lang="it-IT" dirty="0"/>
+              <a:t>https://github.com/AndreaSpolaor/analisitrasportoferroviario.git/</a:t>
+            </a:r>
+          </a:p>
+        </p:txBody>
+      </p:sp>
+      <p:pic>
+        <p:nvPicPr>
+          <p:cNvPr id="2051" name="Picture 3">
+            <a:extLst>
+              <a:ext uri="{FF2B5EF4-FFF2-40B4-BE49-F238E27FC236}">
+                <a16:creationId xmlns:a16="http://schemas.microsoft.com/office/drawing/2014/main" id="{EDD41596-59E3-A499-9B6C-5423880D4632}"/>
+              </a:ext>
+            </a:extLst>
+          </p:cNvPr>
+          <p:cNvPicPr>
+            <a:picLocks noChangeAspect="1" noChangeArrowheads="1"/>
+          </p:cNvPicPr>
+          <p:nvPr/>
+        </p:nvPicPr>
+        <p:blipFill>
+          <a:blip r:embed="rId3">
+            <a:extLst>
+              <a:ext uri="{28A0092B-C50C-407E-A947-70E740481C1C}">
+                <a14:useLocalDpi xmlns:a14="http://schemas.microsoft.com/office/drawing/2010/main" val="0"/>
+              </a:ext>
+            </a:extLst>
+          </a:blip>
+          <a:srcRect/>
+          <a:stretch>
+            <a:fillRect/>
+          </a:stretch>
+        </p:blipFill>
+        <p:spPr bwMode="auto">
+          <a:xfrm>
+            <a:off x="2228850" y="1574310"/>
+            <a:ext cx="6572250" cy="5236426"/>
+          </a:xfrm>
+          <a:prstGeom prst="rect">
+            <a:avLst/>
+          </a:prstGeom>
+          <a:noFill/>
+          <a:extLst>
+            <a:ext uri="{909E8E84-426E-40DD-AFC4-6F175D3DCCD1}">
+              <a14:hiddenFill xmlns:a14="http://schemas.microsoft.com/office/drawing/2010/main">
+                <a:solidFill>
+                  <a:srgbClr val="FFFFFF"/>
+                </a:solidFill>
+              </a14:hiddenFill>
+            </a:ext>
+          </a:extLst>
+        </p:spPr>
+      </p:pic>
+    </p:spTree>
+    <p:extLst>
+      <p:ext uri="{BB962C8B-B14F-4D97-AF65-F5344CB8AC3E}">
+        <p14:creationId xmlns:p14="http://schemas.microsoft.com/office/powerpoint/2010/main" val="1560546173"/>
+      </p:ext>
+    </p:extLst>
+  </p:cSld>
+  <p:clrMapOvr>
+    <a:masterClrMapping/>
+  </p:clrMapOvr>
+</p:sld>
+</file>
+
+<file path=ppt/slides/slide18.xml><?xml version="1.0" encoding="utf-8"?>
+<p:sld xmlns:a="http://schemas.openxmlformats.org/drawingml/2006/main" xmlns:r="http://schemas.openxmlformats.org/officeDocument/2006/relationships" xmlns:p="http://schemas.openxmlformats.org/presentationml/2006/main">
+  <p:cSld>
+    <p:bg>
+      <p:bgPr>
+        <a:solidFill>
+          <a:schemeClr val="bg1"/>
+        </a:solidFill>
+        <a:effectLst/>
+      </p:bgPr>
+    </p:bg>
+    <p:spTree>
+      <p:nvGrpSpPr>
+        <p:cNvPr id="1" name="">
+          <a:extLst>
+            <a:ext uri="{FF2B5EF4-FFF2-40B4-BE49-F238E27FC236}">
+              <a16:creationId xmlns:a16="http://schemas.microsoft.com/office/drawing/2014/main" id="{D853B918-C064-77E9-3584-4BD848948BE6}"/>
+            </a:ext>
+          </a:extLst>
+        </p:cNvPr>
+        <p:cNvGrpSpPr/>
+        <p:nvPr/>
+      </p:nvGrpSpPr>
+      <p:grpSpPr>
+        <a:xfrm>
+          <a:off x="0" y="0"/>
+          <a:ext cx="0" cy="0"/>
+          <a:chOff x="0" y="0"/>
+          <a:chExt cx="0" cy="0"/>
+        </a:xfrm>
+      </p:grpSpPr>
+      <p:sp useBgFill="1">
+        <p:nvSpPr>
+          <p:cNvPr id="3078" name="Rectangle 3077">
+            <a:extLst>
+              <a:ext uri="{FF2B5EF4-FFF2-40B4-BE49-F238E27FC236}">
+                <a16:creationId xmlns:a16="http://schemas.microsoft.com/office/drawing/2014/main" id="{EE160710-CDEF-CAE7-1D84-920F3F43B9BB}"/>
+              </a:ext>
+              <a:ext uri="{C183D7F6-B498-43B3-948B-1728B52AA6E4}">
+                <adec:decorative xmlns:adec="http://schemas.microsoft.com/office/drawing/2017/decorative" val="1"/>
+              </a:ext>
+            </a:extLst>
+          </p:cNvPr>
+          <p:cNvSpPr>
+            <a:spLocks noGrp="1" noRot="1" noChangeAspect="1" noMove="1" noResize="1" noEditPoints="1" noAdjustHandles="1" noChangeArrowheads="1" noChangeShapeType="1" noTextEdit="1"/>
+          </p:cNvSpPr>
+          <p:nvPr>
+            <p:extLst>
+              <p:ext uri="{386F3935-93C4-4BCD-93E2-E3B085C9AB24}">
+                <p16:designElem xmlns:p16="http://schemas.microsoft.com/office/powerpoint/2015/main" val="1"/>
+              </p:ext>
+            </p:extLst>
+          </p:nvPr>
+        </p:nvSpPr>
+        <p:spPr>
+          <a:xfrm>
+            <a:off x="0" y="0"/>
+            <a:ext cx="12192000" cy="6858000"/>
+          </a:xfrm>
+          <a:prstGeom prst="rect">
+            <a:avLst/>
+          </a:prstGeom>
+          <a:ln w="12700" cap="flat" cmpd="sng" algn="ctr">
+            <a:noFill/>
+            <a:prstDash val="solid"/>
+            <a:miter lim="800000"/>
+          </a:ln>
+          <a:effectLst/>
+          <a:extLst>
+            <a:ext uri="{91240B29-F687-4F45-9708-019B960494DF}">
+              <a14:hiddenLine xmlns:a14="http://schemas.microsoft.com/office/drawing/2010/main" w="12700" cap="flat" cmpd="sng" algn="ctr">
+                <a:solidFill>
+                  <a:schemeClr val="accent1">
+                    <a:shade val="50000"/>
+                  </a:schemeClr>
+                </a:solidFill>
+                <a:prstDash val="solid"/>
+                <a:miter lim="800000"/>
+              </a14:hiddenLine>
+            </a:ext>
+          </a:extLst>
+        </p:spPr>
+        <p:style>
+          <a:lnRef idx="2">
+            <a:schemeClr val="accent1">
+              <a:shade val="50000"/>
+            </a:schemeClr>
+          </a:lnRef>
+          <a:fillRef idx="1">
+            <a:schemeClr val="accent1"/>
+          </a:fillRef>
+          <a:effectRef idx="0">
+            <a:schemeClr val="accent1"/>
+          </a:effectRef>
+          <a:fontRef idx="minor">
+            <a:schemeClr val="lt1"/>
+          </a:fontRef>
+        </p:style>
+        <p:txBody>
+          <a:bodyPr rtlCol="0" anchor="ctr"/>
+          <a:lstStyle/>
+          <a:p>
+            <a:pPr algn="ctr"/>
+            <a:endParaRPr lang="en-US"/>
+          </a:p>
+        </p:txBody>
+      </p:sp>
+      <p:sp>
+        <p:nvSpPr>
+          <p:cNvPr id="3080" name="Rectangle 3079">
+            <a:extLst>
+              <a:ext uri="{FF2B5EF4-FFF2-40B4-BE49-F238E27FC236}">
+                <a16:creationId xmlns:a16="http://schemas.microsoft.com/office/drawing/2014/main" id="{E8F1A767-3F82-B0C6-A18A-138B84A2A36B}"/>
+              </a:ext>
+              <a:ext uri="{C183D7F6-B498-43B3-948B-1728B52AA6E4}">
+                <adec:decorative xmlns:adec="http://schemas.microsoft.com/office/drawing/2017/decorative" val="1"/>
+              </a:ext>
+            </a:extLst>
+          </p:cNvPr>
+          <p:cNvSpPr>
+            <a:spLocks noGrp="1" noRot="1" noChangeAspect="1" noMove="1" noResize="1" noEditPoints="1" noAdjustHandles="1" noChangeArrowheads="1" noChangeShapeType="1" noTextEdit="1"/>
+          </p:cNvSpPr>
+          <p:nvPr>
+            <p:extLst>
+              <p:ext uri="{386F3935-93C4-4BCD-93E2-E3B085C9AB24}">
+                <p16:designElem xmlns:p16="http://schemas.microsoft.com/office/powerpoint/2015/main" val="1"/>
+              </p:ext>
+            </p:extLst>
+          </p:nvPr>
+        </p:nvSpPr>
+        <p:spPr>
+          <a:xfrm rot="5400000" flipH="1">
+            <a:off x="-1417539" y="1417538"/>
+            <a:ext cx="6875818" cy="4040744"/>
+          </a:xfrm>
+          <a:prstGeom prst="rect">
+            <a:avLst/>
+          </a:prstGeom>
+          <a:gradFill>
+            <a:gsLst>
+              <a:gs pos="0">
+                <a:srgbClr val="000000"/>
+              </a:gs>
+              <a:gs pos="100000">
+                <a:schemeClr val="accent1">
+                  <a:lumMod val="75000"/>
+                </a:schemeClr>
+              </a:gs>
+            </a:gsLst>
+            <a:lin ang="18600000" scaled="0"/>
+          </a:gradFill>
+          <a:ln>
+            <a:noFill/>
+          </a:ln>
+        </p:spPr>
+        <p:style>
+          <a:lnRef idx="2">
+            <a:schemeClr val="accent1">
+              <a:shade val="50000"/>
+            </a:schemeClr>
+          </a:lnRef>
+          <a:fillRef idx="1">
+            <a:schemeClr val="accent1"/>
+          </a:fillRef>
+          <a:effectRef idx="0">
+            <a:schemeClr val="accent1"/>
+          </a:effectRef>
+          <a:fontRef idx="minor">
+            <a:schemeClr val="lt1"/>
+          </a:fontRef>
+        </p:style>
+        <p:txBody>
+          <a:bodyPr rtlCol="0" anchor="ctr"/>
+          <a:lstStyle/>
+          <a:p>
+            <a:pPr algn="ctr"/>
+            <a:endParaRPr lang="en-US" dirty="0"/>
+          </a:p>
+        </p:txBody>
+      </p:sp>
+      <p:sp>
+        <p:nvSpPr>
+          <p:cNvPr id="3082" name="Rectangle 3081">
+            <a:extLst>
+              <a:ext uri="{FF2B5EF4-FFF2-40B4-BE49-F238E27FC236}">
+                <a16:creationId xmlns:a16="http://schemas.microsoft.com/office/drawing/2014/main" id="{813AC92D-41CA-DD35-8515-5716B86A0700}"/>
+              </a:ext>
+              <a:ext uri="{C183D7F6-B498-43B3-948B-1728B52AA6E4}">
+                <adec:decorative xmlns:adec="http://schemas.microsoft.com/office/drawing/2017/decorative" val="1"/>
+              </a:ext>
+            </a:extLst>
+          </p:cNvPr>
+          <p:cNvSpPr>
+            <a:spLocks noGrp="1" noRot="1" noChangeAspect="1" noMove="1" noResize="1" noEditPoints="1" noAdjustHandles="1" noChangeArrowheads="1" noChangeShapeType="1" noTextEdit="1"/>
+          </p:cNvSpPr>
+          <p:nvPr>
+            <p:extLst>
+              <p:ext uri="{386F3935-93C4-4BCD-93E2-E3B085C9AB24}">
+                <p16:designElem xmlns:p16="http://schemas.microsoft.com/office/powerpoint/2015/main" val="1"/>
+              </p:ext>
+            </p:extLst>
+          </p:nvPr>
+        </p:nvSpPr>
+        <p:spPr>
+          <a:xfrm rot="16200000">
+            <a:off x="-158495" y="2660473"/>
+            <a:ext cx="4355594" cy="4038603"/>
+          </a:xfrm>
+          <a:prstGeom prst="rect">
+            <a:avLst/>
+          </a:prstGeom>
+          <a:gradFill>
+            <a:gsLst>
+              <a:gs pos="0">
+                <a:schemeClr val="accent1">
+                  <a:alpha val="50000"/>
+                </a:schemeClr>
+              </a:gs>
+              <a:gs pos="100000">
+                <a:schemeClr val="accent1">
+                  <a:lumMod val="50000"/>
+                  <a:alpha val="0"/>
+                </a:schemeClr>
+              </a:gs>
+            </a:gsLst>
+            <a:lin ang="11400000" scaled="0"/>
+          </a:gradFill>
+          <a:ln>
+            <a:noFill/>
+          </a:ln>
+        </p:spPr>
+        <p:style>
+          <a:lnRef idx="2">
+            <a:schemeClr val="accent1">
+              <a:shade val="50000"/>
+            </a:schemeClr>
+          </a:lnRef>
+          <a:fillRef idx="1">
+            <a:schemeClr val="accent1"/>
+          </a:fillRef>
+          <a:effectRef idx="0">
+            <a:schemeClr val="accent1"/>
+          </a:effectRef>
+          <a:fontRef idx="minor">
+            <a:schemeClr val="lt1"/>
+          </a:fontRef>
+        </p:style>
+        <p:txBody>
+          <a:bodyPr rtlCol="0" anchor="ctr"/>
+          <a:lstStyle/>
+          <a:p>
+            <a:pPr algn="ctr"/>
+            <a:endParaRPr lang="en-US"/>
+          </a:p>
+        </p:txBody>
+      </p:sp>
+      <p:sp>
+        <p:nvSpPr>
+          <p:cNvPr id="3084" name="Rectangle 3083">
+            <a:extLst>
+              <a:ext uri="{FF2B5EF4-FFF2-40B4-BE49-F238E27FC236}">
+                <a16:creationId xmlns:a16="http://schemas.microsoft.com/office/drawing/2014/main" id="{613E16AA-54CA-0020-A29D-6183B8EB7FF3}"/>
+              </a:ext>
+              <a:ext uri="{C183D7F6-B498-43B3-948B-1728B52AA6E4}">
+                <adec:decorative xmlns:adec="http://schemas.microsoft.com/office/drawing/2017/decorative" val="1"/>
+              </a:ext>
+            </a:extLst>
+          </p:cNvPr>
+          <p:cNvSpPr>
+            <a:spLocks noGrp="1" noRot="1" noChangeAspect="1" noMove="1" noResize="1" noEditPoints="1" noAdjustHandles="1" noChangeArrowheads="1" noChangeShapeType="1" noTextEdit="1"/>
+          </p:cNvSpPr>
+          <p:nvPr>
+            <p:extLst>
+              <p:ext uri="{386F3935-93C4-4BCD-93E2-E3B085C9AB24}">
+                <p16:designElem xmlns:p16="http://schemas.microsoft.com/office/powerpoint/2015/main" val="1"/>
+              </p:ext>
+            </p:extLst>
+          </p:nvPr>
+        </p:nvSpPr>
+        <p:spPr>
+          <a:xfrm rot="16200000" flipH="1">
+            <a:off x="-1180882" y="1638085"/>
+            <a:ext cx="6857572" cy="3581401"/>
+          </a:xfrm>
+          <a:prstGeom prst="rect">
+            <a:avLst/>
+          </a:prstGeom>
+          <a:gradFill>
+            <a:gsLst>
+              <a:gs pos="0">
+                <a:srgbClr val="000000">
+                  <a:alpha val="59000"/>
+                </a:srgbClr>
+              </a:gs>
+              <a:gs pos="69000">
+                <a:schemeClr val="accent1">
+                  <a:alpha val="0"/>
+                </a:schemeClr>
+              </a:gs>
+            </a:gsLst>
+            <a:lin ang="13200000" scaled="0"/>
+          </a:gradFill>
+          <a:ln>
+            <a:noFill/>
+          </a:ln>
+        </p:spPr>
+        <p:style>
+          <a:lnRef idx="2">
+            <a:schemeClr val="accent1">
+              <a:shade val="50000"/>
+            </a:schemeClr>
+          </a:lnRef>
+          <a:fillRef idx="1">
+            <a:schemeClr val="accent1"/>
+          </a:fillRef>
+          <a:effectRef idx="0">
+            <a:schemeClr val="accent1"/>
+          </a:effectRef>
+          <a:fontRef idx="minor">
+            <a:schemeClr val="lt1"/>
+          </a:fontRef>
+        </p:style>
+        <p:txBody>
+          <a:bodyPr rtlCol="0" anchor="ctr"/>
+          <a:lstStyle/>
+          <a:p>
+            <a:pPr algn="ctr"/>
+            <a:endParaRPr lang="en-US" dirty="0"/>
+          </a:p>
+        </p:txBody>
+      </p:sp>
+      <p:sp>
+        <p:nvSpPr>
+          <p:cNvPr id="3086" name="Freeform: Shape 3085">
+            <a:extLst>
+              <a:ext uri="{FF2B5EF4-FFF2-40B4-BE49-F238E27FC236}">
+                <a16:creationId xmlns:a16="http://schemas.microsoft.com/office/drawing/2014/main" id="{DE813813-28E2-79AE-21E4-065F9E12FDB7}"/>
+              </a:ext>
+              <a:ext uri="{C183D7F6-B498-43B3-948B-1728B52AA6E4}">
+                <adec:decorative xmlns:adec="http://schemas.microsoft.com/office/drawing/2017/decorative" val="1"/>
+              </a:ext>
+            </a:extLst>
+          </p:cNvPr>
+          <p:cNvSpPr>
+            <a:spLocks noGrp="1" noRot="1" noChangeAspect="1" noMove="1" noResize="1" noEditPoints="1" noAdjustHandles="1" noChangeArrowheads="1" noChangeShapeType="1" noTextEdit="1"/>
+          </p:cNvSpPr>
+          <p:nvPr>
+            <p:extLst>
+              <p:ext uri="{386F3935-93C4-4BCD-93E2-E3B085C9AB24}">
+                <p16:designElem xmlns:p16="http://schemas.microsoft.com/office/powerpoint/2015/main" val="1"/>
+              </p:ext>
+            </p:extLst>
+          </p:nvPr>
+        </p:nvSpPr>
+        <p:spPr>
+          <a:xfrm rot="6097846">
+            <a:off x="-747355" y="1201312"/>
+            <a:ext cx="4808302" cy="4088666"/>
+          </a:xfrm>
+          <a:custGeom>
+            <a:avLst/>
+            <a:gdLst>
+              <a:gd name="connsiteX0" fmla="*/ 48844 w 4808302"/>
+              <a:gd name="connsiteY0" fmla="*/ 2888671 h 4088666"/>
+              <a:gd name="connsiteX1" fmla="*/ 0 w 4808302"/>
+              <a:gd name="connsiteY1" fmla="*/ 2404151 h 4088666"/>
+              <a:gd name="connsiteX2" fmla="*/ 2404151 w 4808302"/>
+              <a:gd name="connsiteY2" fmla="*/ 0 h 4088666"/>
+              <a:gd name="connsiteX3" fmla="*/ 4808302 w 4808302"/>
+              <a:gd name="connsiteY3" fmla="*/ 2404151 h 4088666"/>
+              <a:gd name="connsiteX4" fmla="*/ 4700216 w 4808302"/>
+              <a:gd name="connsiteY4" fmla="*/ 3119072 h 4088666"/>
+              <a:gd name="connsiteX5" fmla="*/ 4643143 w 4808302"/>
+              <a:gd name="connsiteY5" fmla="*/ 3275009 h 4088666"/>
+              <a:gd name="connsiteX6" fmla="*/ 690093 w 4808302"/>
+              <a:gd name="connsiteY6" fmla="*/ 4088666 h 4088666"/>
+              <a:gd name="connsiteX7" fmla="*/ 548991 w 4808302"/>
+              <a:gd name="connsiteY7" fmla="*/ 3933414 h 4088666"/>
+              <a:gd name="connsiteX8" fmla="*/ 48844 w 4808302"/>
+              <a:gd name="connsiteY8" fmla="*/ 2888671 h 4088666"/>
+            </a:gdLst>
+            <a:ahLst/>
+            <a:cxnLst>
+              <a:cxn ang="0">
+                <a:pos x="connsiteX0" y="connsiteY0"/>
+              </a:cxn>
+              <a:cxn ang="0">
+                <a:pos x="connsiteX1" y="connsiteY1"/>
+              </a:cxn>
+              <a:cxn ang="0">
+                <a:pos x="connsiteX2" y="connsiteY2"/>
+              </a:cxn>
+              <a:cxn ang="0">
+                <a:pos x="connsiteX3" y="connsiteY3"/>
+              </a:cxn>
+              <a:cxn ang="0">
+                <a:pos x="connsiteX4" y="connsiteY4"/>
+              </a:cxn>
+              <a:cxn ang="0">
+                <a:pos x="connsiteX5" y="connsiteY5"/>
+              </a:cxn>
+              <a:cxn ang="0">
+                <a:pos x="connsiteX6" y="connsiteY6"/>
+              </a:cxn>
+              <a:cxn ang="0">
+                <a:pos x="connsiteX7" y="connsiteY7"/>
+              </a:cxn>
+              <a:cxn ang="0">
+                <a:pos x="connsiteX8" y="connsiteY8"/>
+              </a:cxn>
+            </a:cxnLst>
+            <a:rect l="l" t="t" r="r" b="b"/>
+            <a:pathLst>
+              <a:path w="4808302" h="4088666">
+                <a:moveTo>
+                  <a:pt x="48844" y="2888671"/>
+                </a:moveTo>
+                <a:cubicBezTo>
+                  <a:pt x="16818" y="2732167"/>
+                  <a:pt x="0" y="2570123"/>
+                  <a:pt x="0" y="2404151"/>
+                </a:cubicBezTo>
+                <a:cubicBezTo>
+                  <a:pt x="0" y="1076375"/>
+                  <a:pt x="1076375" y="0"/>
+                  <a:pt x="2404151" y="0"/>
+                </a:cubicBezTo>
+                <a:cubicBezTo>
+                  <a:pt x="3731927" y="0"/>
+                  <a:pt x="4808302" y="1076375"/>
+                  <a:pt x="4808302" y="2404151"/>
+                </a:cubicBezTo>
+                <a:cubicBezTo>
+                  <a:pt x="4808302" y="2653109"/>
+                  <a:pt x="4770461" y="2893229"/>
+                  <a:pt x="4700216" y="3119072"/>
+                </a:cubicBezTo>
+                <a:lnTo>
+                  <a:pt x="4643143" y="3275009"/>
+                </a:lnTo>
+                <a:lnTo>
+                  <a:pt x="690093" y="4088666"/>
+                </a:lnTo>
+                <a:lnTo>
+                  <a:pt x="548991" y="3933414"/>
+                </a:lnTo>
+                <a:cubicBezTo>
+                  <a:pt x="304015" y="3636572"/>
+                  <a:pt x="128908" y="3279932"/>
+                  <a:pt x="48844" y="2888671"/>
+                </a:cubicBezTo>
+                <a:close/>
+              </a:path>
+            </a:pathLst>
+          </a:custGeom>
+          <a:gradFill>
+            <a:gsLst>
+              <a:gs pos="39000">
+                <a:schemeClr val="accent1">
+                  <a:lumMod val="60000"/>
+                  <a:lumOff val="40000"/>
+                  <a:alpha val="0"/>
+                </a:schemeClr>
+              </a:gs>
+              <a:gs pos="100000">
+                <a:schemeClr val="accent1">
+                  <a:lumMod val="75000"/>
+                  <a:alpha val="26000"/>
+                </a:schemeClr>
+              </a:gs>
+            </a:gsLst>
+            <a:lin ang="18600000" scaled="0"/>
+          </a:gradFill>
+          <a:ln>
+            <a:noFill/>
+          </a:ln>
+        </p:spPr>
+        <p:style>
+          <a:lnRef idx="2">
+            <a:schemeClr val="accent1">
+              <a:shade val="50000"/>
+            </a:schemeClr>
+          </a:lnRef>
+          <a:fillRef idx="1">
+            <a:schemeClr val="accent1"/>
+          </a:fillRef>
+          <a:effectRef idx="0">
+            <a:schemeClr val="accent1"/>
+          </a:effectRef>
+          <a:fontRef idx="minor">
+            <a:schemeClr val="lt1"/>
+          </a:fontRef>
+        </p:style>
+        <p:txBody>
+          <a:bodyPr wrap="square" rtlCol="0" anchor="ctr">
+            <a:noAutofit/>
+          </a:bodyPr>
+          <a:lstStyle/>
+          <a:p>
+            <a:pPr algn="ctr"/>
+            <a:endParaRPr lang="en-US" dirty="0"/>
+          </a:p>
+        </p:txBody>
+      </p:sp>
+      <p:sp>
+        <p:nvSpPr>
+          <p:cNvPr id="2" name="Title 1">
+            <a:extLst>
+              <a:ext uri="{FF2B5EF4-FFF2-40B4-BE49-F238E27FC236}">
+                <a16:creationId xmlns:a16="http://schemas.microsoft.com/office/drawing/2014/main" id="{7DC89DCD-A7F2-41B6-BD7A-460143089BAE}"/>
+              </a:ext>
+            </a:extLst>
+          </p:cNvPr>
+          <p:cNvSpPr>
+            <a:spLocks noGrp="1"/>
+          </p:cNvSpPr>
+          <p:nvPr>
+            <p:ph type="title"/>
+          </p:nvPr>
+        </p:nvSpPr>
+        <p:spPr>
+          <a:xfrm>
+            <a:off x="660041" y="2767106"/>
+            <a:ext cx="2880828" cy="3071906"/>
+          </a:xfrm>
+        </p:spPr>
+        <p:txBody>
+          <a:bodyPr vert="horz" lIns="91440" tIns="45720" rIns="91440" bIns="45720" rtlCol="0" anchor="t">
+            <a:normAutofit fontScale="90000"/>
+          </a:bodyPr>
+          <a:lstStyle/>
+          <a:p>
+            <a:r>
+              <a:rPr lang="en-US" sz="3700" kern="1200" dirty="0" err="1">
+                <a:solidFill>
+                  <a:srgbClr val="FFFFFF"/>
+                </a:solidFill>
+                <a:latin typeface="+mj-lt"/>
+                <a:ea typeface="+mj-ea"/>
+                <a:cs typeface="+mj-cs"/>
+              </a:rPr>
+              <a:t>Distribuzione</a:t>
+            </a:r>
+            <a:r>
+              <a:rPr lang="en-US" sz="3700" kern="1200" dirty="0">
+                <a:solidFill>
+                  <a:srgbClr val="FFFFFF"/>
+                </a:solidFill>
+                <a:latin typeface="+mj-lt"/>
+                <a:ea typeface="+mj-ea"/>
+                <a:cs typeface="+mj-cs"/>
+              </a:rPr>
+              <a:t> </a:t>
+            </a:r>
+            <a:r>
+              <a:rPr lang="en-US" sz="3700" kern="1200" dirty="0" err="1">
+                <a:solidFill>
+                  <a:srgbClr val="FFFFFF"/>
+                </a:solidFill>
+                <a:latin typeface="+mj-lt"/>
+                <a:ea typeface="+mj-ea"/>
+                <a:cs typeface="+mj-cs"/>
+              </a:rPr>
+              <a:t>delle</a:t>
+            </a:r>
+            <a:r>
+              <a:rPr lang="en-US" sz="3700" kern="1200" dirty="0">
+                <a:solidFill>
+                  <a:srgbClr val="FFFFFF"/>
+                </a:solidFill>
+                <a:latin typeface="+mj-lt"/>
+                <a:ea typeface="+mj-ea"/>
+                <a:cs typeface="+mj-cs"/>
+              </a:rPr>
+              <a:t> </a:t>
+            </a:r>
+            <a:r>
+              <a:rPr lang="en-US" sz="3700" kern="1200" dirty="0" err="1">
+                <a:solidFill>
+                  <a:srgbClr val="FFFFFF"/>
+                </a:solidFill>
+                <a:latin typeface="+mj-lt"/>
+                <a:ea typeface="+mj-ea"/>
+                <a:cs typeface="+mj-cs"/>
+              </a:rPr>
+              <a:t>stazioni</a:t>
+            </a:r>
+            <a:r>
+              <a:rPr lang="en-US" sz="3700" kern="1200" dirty="0">
+                <a:solidFill>
+                  <a:srgbClr val="FFFFFF"/>
+                </a:solidFill>
+                <a:latin typeface="+mj-lt"/>
+                <a:ea typeface="+mj-ea"/>
+                <a:cs typeface="+mj-cs"/>
+              </a:rPr>
+              <a:t> con </a:t>
+            </a:r>
+            <a:r>
+              <a:rPr lang="en-US" sz="3700" kern="1200" dirty="0" err="1">
+                <a:solidFill>
+                  <a:srgbClr val="FFFFFF"/>
+                </a:solidFill>
+                <a:latin typeface="+mj-lt"/>
+                <a:ea typeface="+mj-ea"/>
+                <a:cs typeface="+mj-cs"/>
+              </a:rPr>
+              <a:t>stato</a:t>
+            </a:r>
+            <a:r>
+              <a:rPr lang="en-US" sz="3700" kern="1200" dirty="0">
+                <a:solidFill>
+                  <a:srgbClr val="FFFFFF"/>
+                </a:solidFill>
+                <a:latin typeface="+mj-lt"/>
+                <a:ea typeface="+mj-ea"/>
+                <a:cs typeface="+mj-cs"/>
+              </a:rPr>
+              <a:t> “</a:t>
+            </a:r>
+            <a:r>
+              <a:rPr lang="en-US" sz="3700" kern="1200" dirty="0" err="1">
+                <a:solidFill>
+                  <a:srgbClr val="FFFFFF"/>
+                </a:solidFill>
+                <a:latin typeface="+mj-lt"/>
+                <a:ea typeface="+mj-ea"/>
+                <a:cs typeface="+mj-cs"/>
+              </a:rPr>
+              <a:t>Intermedio</a:t>
+            </a:r>
+            <a:r>
+              <a:rPr lang="en-US" sz="3700" kern="1200" dirty="0">
+                <a:solidFill>
+                  <a:srgbClr val="FFFFFF"/>
+                </a:solidFill>
+                <a:latin typeface="+mj-lt"/>
+                <a:ea typeface="+mj-ea"/>
+                <a:cs typeface="+mj-cs"/>
+              </a:rPr>
+              <a:t>” e “</a:t>
+            </a:r>
+            <a:r>
+              <a:rPr lang="en-US" sz="3700" kern="1200" dirty="0" err="1">
+                <a:solidFill>
+                  <a:srgbClr val="FFFFFF"/>
+                </a:solidFill>
+                <a:latin typeface="+mj-lt"/>
+                <a:ea typeface="+mj-ea"/>
+                <a:cs typeface="+mj-cs"/>
+              </a:rPr>
+              <a:t>Critico</a:t>
+            </a:r>
+            <a:r>
+              <a:rPr lang="en-US" sz="3700" kern="1200" dirty="0">
+                <a:solidFill>
+                  <a:srgbClr val="FFFFFF"/>
+                </a:solidFill>
+                <a:latin typeface="+mj-lt"/>
+                <a:ea typeface="+mj-ea"/>
+                <a:cs typeface="+mj-cs"/>
+              </a:rPr>
+              <a:t> </a:t>
+            </a:r>
+            <a:r>
+              <a:rPr lang="en-US" sz="3700" kern="1200" dirty="0" err="1">
+                <a:solidFill>
+                  <a:srgbClr val="FFFFFF"/>
+                </a:solidFill>
+                <a:latin typeface="+mj-lt"/>
+                <a:ea typeface="+mj-ea"/>
+                <a:cs typeface="+mj-cs"/>
+              </a:rPr>
+              <a:t>nella</a:t>
+            </a:r>
+            <a:r>
+              <a:rPr lang="en-US" sz="3700" kern="1200" dirty="0">
+                <a:solidFill>
+                  <a:srgbClr val="FFFFFF"/>
+                </a:solidFill>
+                <a:latin typeface="+mj-lt"/>
+                <a:ea typeface="+mj-ea"/>
+                <a:cs typeface="+mj-cs"/>
+              </a:rPr>
+              <a:t> </a:t>
+            </a:r>
+            <a:r>
+              <a:rPr lang="en-US" sz="3700" kern="1200" dirty="0" err="1">
+                <a:solidFill>
+                  <a:srgbClr val="FFFFFF"/>
+                </a:solidFill>
+                <a:latin typeface="+mj-lt"/>
+                <a:ea typeface="+mj-ea"/>
+                <a:cs typeface="+mj-cs"/>
+              </a:rPr>
+              <a:t>mappa</a:t>
+            </a:r>
+            <a:endParaRPr lang="en-US" sz="3700" kern="1200" dirty="0">
+              <a:solidFill>
+                <a:srgbClr val="FFFFFF"/>
+              </a:solidFill>
+              <a:latin typeface="+mj-lt"/>
+              <a:ea typeface="+mj-ea"/>
+              <a:cs typeface="+mj-cs"/>
+            </a:endParaRPr>
+          </a:p>
+        </p:txBody>
+      </p:sp>
+      <p:pic>
+        <p:nvPicPr>
+          <p:cNvPr id="1026" name="Picture 2">
+            <a:extLst>
+              <a:ext uri="{FF2B5EF4-FFF2-40B4-BE49-F238E27FC236}">
+                <a16:creationId xmlns:a16="http://schemas.microsoft.com/office/drawing/2014/main" id="{4EB88F01-A92B-0417-8AC6-4DBE8559B3CF}"/>
+              </a:ext>
+            </a:extLst>
+          </p:cNvPr>
+          <p:cNvPicPr>
+            <a:picLocks noChangeAspect="1" noChangeArrowheads="1"/>
+          </p:cNvPicPr>
+          <p:nvPr/>
+        </p:nvPicPr>
+        <p:blipFill>
+          <a:blip r:embed="rId3">
+            <a:extLst>
+              <a:ext uri="{28A0092B-C50C-407E-A947-70E740481C1C}">
+                <a14:useLocalDpi xmlns:a14="http://schemas.microsoft.com/office/drawing/2010/main" val="0"/>
+              </a:ext>
+            </a:extLst>
+          </a:blip>
+          <a:srcRect/>
+          <a:stretch>
+            <a:fillRect/>
+          </a:stretch>
+        </p:blipFill>
+        <p:spPr bwMode="auto">
+          <a:xfrm>
+            <a:off x="4495807" y="-428"/>
+            <a:ext cx="7109530" cy="6815938"/>
+          </a:xfrm>
+          <a:prstGeom prst="rect">
+            <a:avLst/>
+          </a:prstGeom>
+          <a:noFill/>
+          <a:extLst>
+            <a:ext uri="{909E8E84-426E-40DD-AFC4-6F175D3DCCD1}">
+              <a14:hiddenFill xmlns:a14="http://schemas.microsoft.com/office/drawing/2010/main">
+                <a:solidFill>
+                  <a:srgbClr val="FFFFFF"/>
+                </a:solidFill>
+              </a14:hiddenFill>
+            </a:ext>
+          </a:extLst>
+        </p:spPr>
+      </p:pic>
+    </p:spTree>
+    <p:extLst>
+      <p:ext uri="{BB962C8B-B14F-4D97-AF65-F5344CB8AC3E}">
+        <p14:creationId xmlns:p14="http://schemas.microsoft.com/office/powerpoint/2010/main" val="1481604329"/>
       </p:ext>
     </p:extLst>
   </p:cSld>
@@ -14467,6 +17495,686 @@
                   <a:srgbClr val="FFFFFF"/>
                 </a:solidFill>
               </a:rPr>
+              <a:t>Quantità</a:t>
+            </a:r>
+            <a:r>
+              <a:rPr lang="en-US" sz="2800" dirty="0">
+                <a:solidFill>
+                  <a:srgbClr val="FFFFFF"/>
+                </a:solidFill>
+              </a:rPr>
+              <a:t> </a:t>
+            </a:r>
+            <a:r>
+              <a:rPr lang="en-US" sz="2800" dirty="0" err="1">
+                <a:solidFill>
+                  <a:srgbClr val="FFFFFF"/>
+                </a:solidFill>
+              </a:rPr>
+              <a:t>dati</a:t>
+            </a:r>
+            <a:r>
+              <a:rPr lang="en-US" sz="2800" dirty="0">
+                <a:solidFill>
+                  <a:srgbClr val="FFFFFF"/>
+                </a:solidFill>
+              </a:rPr>
+              <a:t> in </a:t>
+            </a:r>
+            <a:r>
+              <a:rPr lang="en-US" sz="2800" dirty="0" err="1">
+                <a:solidFill>
+                  <a:srgbClr val="FFFFFF"/>
+                </a:solidFill>
+              </a:rPr>
+              <a:t>esame</a:t>
+            </a:r>
+            <a:endParaRPr lang="en-US" sz="2800" dirty="0">
+              <a:solidFill>
+                <a:srgbClr val="FFFFFF"/>
+              </a:solidFill>
+            </a:endParaRPr>
+          </a:p>
+        </p:txBody>
+      </p:sp>
+      <p:graphicFrame>
+        <p:nvGraphicFramePr>
+          <p:cNvPr id="3" name="Table 2">
+            <a:extLst>
+              <a:ext uri="{FF2B5EF4-FFF2-40B4-BE49-F238E27FC236}">
+                <a16:creationId xmlns:a16="http://schemas.microsoft.com/office/drawing/2014/main" id="{7C3274A7-2420-AAAF-CB47-6EC755393311}"/>
+              </a:ext>
+            </a:extLst>
+          </p:cNvPr>
+          <p:cNvGraphicFramePr>
+            <a:graphicFrameLocks noGrp="1"/>
+          </p:cNvGraphicFramePr>
+          <p:nvPr>
+            <p:extLst>
+              <p:ext uri="{D42A27DB-BD31-4B8C-83A1-F6EECF244321}">
+                <p14:modId xmlns:p14="http://schemas.microsoft.com/office/powerpoint/2010/main" val="4197374669"/>
+              </p:ext>
+            </p:extLst>
+          </p:nvPr>
+        </p:nvGraphicFramePr>
+        <p:xfrm>
+          <a:off x="1913145" y="2733863"/>
+          <a:ext cx="8128000" cy="1483360"/>
+        </p:xfrm>
+        <a:graphic>
+          <a:graphicData uri="http://schemas.openxmlformats.org/drawingml/2006/table">
+            <a:tbl>
+              <a:tblPr firstRow="1" bandRow="1">
+                <a:tableStyleId>{5C22544A-7EE6-4342-B048-85BDC9FD1C3A}</a:tableStyleId>
+              </a:tblPr>
+              <a:tblGrid>
+                <a:gridCol w="4064000">
+                  <a:extLst>
+                    <a:ext uri="{9D8B030D-6E8A-4147-A177-3AD203B41FA5}">
+                      <a16:colId xmlns:a16="http://schemas.microsoft.com/office/drawing/2014/main" val="2454627554"/>
+                    </a:ext>
+                  </a:extLst>
+                </a:gridCol>
+                <a:gridCol w="4064000">
+                  <a:extLst>
+                    <a:ext uri="{9D8B030D-6E8A-4147-A177-3AD203B41FA5}">
+                      <a16:colId xmlns:a16="http://schemas.microsoft.com/office/drawing/2014/main" val="3866779932"/>
+                    </a:ext>
+                  </a:extLst>
+                </a:gridCol>
+              </a:tblGrid>
+              <a:tr h="370840">
+                <a:tc>
+                  <a:txBody>
+                    <a:bodyPr/>
+                    <a:lstStyle/>
+                    <a:p>
+                      <a:r>
+                        <a:rPr lang="it-IT" dirty="0"/>
+                        <a:t>Entità</a:t>
+                      </a:r>
+                    </a:p>
+                  </a:txBody>
+                  <a:tcPr/>
+                </a:tc>
+                <a:tc>
+                  <a:txBody>
+                    <a:bodyPr/>
+                    <a:lstStyle/>
+                    <a:p>
+                      <a:r>
+                        <a:rPr lang="it-IT" dirty="0"/>
+                        <a:t>Numero righe</a:t>
+                      </a:r>
+                    </a:p>
+                  </a:txBody>
+                  <a:tcPr/>
+                </a:tc>
+                <a:extLst>
+                  <a:ext uri="{0D108BD9-81ED-4DB2-BD59-A6C34878D82A}">
+                    <a16:rowId xmlns:a16="http://schemas.microsoft.com/office/drawing/2014/main" val="3606857857"/>
+                  </a:ext>
+                </a:extLst>
+              </a:tr>
+              <a:tr h="370840">
+                <a:tc>
+                  <a:txBody>
+                    <a:bodyPr/>
+                    <a:lstStyle/>
+                    <a:p>
+                      <a:r>
+                        <a:rPr lang="it-IT" dirty="0"/>
+                        <a:t>Stazioni ferroviarie</a:t>
+                      </a:r>
+                    </a:p>
+                  </a:txBody>
+                  <a:tcPr/>
+                </a:tc>
+                <a:tc>
+                  <a:txBody>
+                    <a:bodyPr/>
+                    <a:lstStyle/>
+                    <a:p>
+                      <a:r>
+                        <a:rPr lang="it-IT" dirty="0"/>
+                        <a:t>2.581</a:t>
+                      </a:r>
+                    </a:p>
+                  </a:txBody>
+                  <a:tcPr/>
+                </a:tc>
+                <a:extLst>
+                  <a:ext uri="{0D108BD9-81ED-4DB2-BD59-A6C34878D82A}">
+                    <a16:rowId xmlns:a16="http://schemas.microsoft.com/office/drawing/2014/main" val="884179211"/>
+                  </a:ext>
+                </a:extLst>
+              </a:tr>
+              <a:tr h="370840">
+                <a:tc>
+                  <a:txBody>
+                    <a:bodyPr/>
+                    <a:lstStyle/>
+                    <a:p>
+                      <a:r>
+                        <a:rPr lang="it-IT" dirty="0"/>
+                        <a:t>Tratte</a:t>
+                      </a:r>
+                    </a:p>
+                  </a:txBody>
+                  <a:tcPr/>
+                </a:tc>
+                <a:tc>
+                  <a:txBody>
+                    <a:bodyPr/>
+                    <a:lstStyle/>
+                    <a:p>
+                      <a:r>
+                        <a:rPr lang="it-IT" dirty="0"/>
+                        <a:t>18.668</a:t>
+                      </a:r>
+                    </a:p>
+                  </a:txBody>
+                  <a:tcPr/>
+                </a:tc>
+                <a:extLst>
+                  <a:ext uri="{0D108BD9-81ED-4DB2-BD59-A6C34878D82A}">
+                    <a16:rowId xmlns:a16="http://schemas.microsoft.com/office/drawing/2014/main" val="2918957019"/>
+                  </a:ext>
+                </a:extLst>
+              </a:tr>
+              <a:tr h="370840">
+                <a:tc>
+                  <a:txBody>
+                    <a:bodyPr/>
+                    <a:lstStyle/>
+                    <a:p>
+                      <a:r>
+                        <a:rPr lang="it-IT" dirty="0"/>
+                        <a:t>Fermate</a:t>
+                      </a:r>
+                    </a:p>
+                  </a:txBody>
+                  <a:tcPr/>
+                </a:tc>
+                <a:tc>
+                  <a:txBody>
+                    <a:bodyPr/>
+                    <a:lstStyle/>
+                    <a:p>
+                      <a:r>
+                        <a:rPr lang="it-IT" dirty="0"/>
+                        <a:t>33.707.901</a:t>
+                      </a:r>
+                    </a:p>
+                  </a:txBody>
+                  <a:tcPr/>
+                </a:tc>
+                <a:extLst>
+                  <a:ext uri="{0D108BD9-81ED-4DB2-BD59-A6C34878D82A}">
+                    <a16:rowId xmlns:a16="http://schemas.microsoft.com/office/drawing/2014/main" val="3978304813"/>
+                  </a:ext>
+                </a:extLst>
+              </a:tr>
+            </a:tbl>
+          </a:graphicData>
+        </a:graphic>
+      </p:graphicFrame>
+    </p:spTree>
+    <p:extLst>
+      <p:ext uri="{BB962C8B-B14F-4D97-AF65-F5344CB8AC3E}">
+        <p14:creationId xmlns:p14="http://schemas.microsoft.com/office/powerpoint/2010/main" val="2827150333"/>
+      </p:ext>
+    </p:extLst>
+  </p:cSld>
+  <p:clrMapOvr>
+    <a:masterClrMapping/>
+  </p:clrMapOvr>
+</p:sld>
+</file>
+
+<file path=ppt/slides/slide8.xml><?xml version="1.0" encoding="utf-8"?>
+<p:sld xmlns:a="http://schemas.openxmlformats.org/drawingml/2006/main" xmlns:r="http://schemas.openxmlformats.org/officeDocument/2006/relationships" xmlns:p="http://schemas.openxmlformats.org/presentationml/2006/main">
+  <p:cSld>
+    <p:bg>
+      <p:bgPr>
+        <a:solidFill>
+          <a:schemeClr val="bg1"/>
+        </a:solidFill>
+        <a:effectLst/>
+      </p:bgPr>
+    </p:bg>
+    <p:spTree>
+      <p:nvGrpSpPr>
+        <p:cNvPr id="1" name="">
+          <a:extLst>
+            <a:ext uri="{FF2B5EF4-FFF2-40B4-BE49-F238E27FC236}">
+              <a16:creationId xmlns:a16="http://schemas.microsoft.com/office/drawing/2014/main" id="{87FB97E0-C1FF-A018-ED8A-0848A8E6544E}"/>
+            </a:ext>
+          </a:extLst>
+        </p:cNvPr>
+        <p:cNvGrpSpPr/>
+        <p:nvPr/>
+      </p:nvGrpSpPr>
+      <p:grpSpPr>
+        <a:xfrm>
+          <a:off x="0" y="0"/>
+          <a:ext cx="0" cy="0"/>
+          <a:chOff x="0" y="0"/>
+          <a:chExt cx="0" cy="0"/>
+        </a:xfrm>
+      </p:grpSpPr>
+      <p:sp useBgFill="1">
+        <p:nvSpPr>
+          <p:cNvPr id="4119" name="Rectangle 4118">
+            <a:extLst>
+              <a:ext uri="{FF2B5EF4-FFF2-40B4-BE49-F238E27FC236}">
+                <a16:creationId xmlns:a16="http://schemas.microsoft.com/office/drawing/2014/main" id="{9B4A8564-EE2D-38D4-0B11-A900061A16BC}"/>
+              </a:ext>
+              <a:ext uri="{C183D7F6-B498-43B3-948B-1728B52AA6E4}">
+                <adec:decorative xmlns:adec="http://schemas.microsoft.com/office/drawing/2017/decorative" val="1"/>
+              </a:ext>
+            </a:extLst>
+          </p:cNvPr>
+          <p:cNvSpPr>
+            <a:spLocks noGrp="1" noRot="1" noChangeAspect="1" noMove="1" noResize="1" noEditPoints="1" noAdjustHandles="1" noChangeArrowheads="1" noChangeShapeType="1" noTextEdit="1"/>
+          </p:cNvSpPr>
+          <p:nvPr>
+            <p:extLst>
+              <p:ext uri="{386F3935-93C4-4BCD-93E2-E3B085C9AB24}">
+                <p16:designElem xmlns:p16="http://schemas.microsoft.com/office/powerpoint/2015/main" val="1"/>
+              </p:ext>
+            </p:extLst>
+          </p:nvPr>
+        </p:nvSpPr>
+        <p:spPr>
+          <a:xfrm>
+            <a:off x="0" y="0"/>
+            <a:ext cx="12192000" cy="6858000"/>
+          </a:xfrm>
+          <a:prstGeom prst="rect">
+            <a:avLst/>
+          </a:prstGeom>
+          <a:ln w="12700" cap="flat" cmpd="sng" algn="ctr">
+            <a:noFill/>
+            <a:prstDash val="solid"/>
+            <a:miter lim="800000"/>
+          </a:ln>
+          <a:effectLst/>
+          <a:extLst>
+            <a:ext uri="{91240B29-F687-4F45-9708-019B960494DF}">
+              <a14:hiddenLine xmlns:a14="http://schemas.microsoft.com/office/drawing/2010/main" w="12700" cap="flat" cmpd="sng" algn="ctr">
+                <a:solidFill>
+                  <a:schemeClr val="accent1">
+                    <a:shade val="50000"/>
+                  </a:schemeClr>
+                </a:solidFill>
+                <a:prstDash val="solid"/>
+                <a:miter lim="800000"/>
+              </a14:hiddenLine>
+            </a:ext>
+          </a:extLst>
+        </p:spPr>
+        <p:style>
+          <a:lnRef idx="2">
+            <a:schemeClr val="accent1">
+              <a:shade val="50000"/>
+            </a:schemeClr>
+          </a:lnRef>
+          <a:fillRef idx="1">
+            <a:schemeClr val="accent1"/>
+          </a:fillRef>
+          <a:effectRef idx="0">
+            <a:schemeClr val="accent1"/>
+          </a:effectRef>
+          <a:fontRef idx="minor">
+            <a:schemeClr val="lt1"/>
+          </a:fontRef>
+        </p:style>
+        <p:txBody>
+          <a:bodyPr rtlCol="0" anchor="ctr"/>
+          <a:lstStyle/>
+          <a:p>
+            <a:pPr algn="ctr"/>
+            <a:endParaRPr lang="en-US" sz="2000"/>
+          </a:p>
+        </p:txBody>
+      </p:sp>
+      <p:sp>
+        <p:nvSpPr>
+          <p:cNvPr id="4121" name="Rectangle 4120">
+            <a:extLst>
+              <a:ext uri="{FF2B5EF4-FFF2-40B4-BE49-F238E27FC236}">
+                <a16:creationId xmlns:a16="http://schemas.microsoft.com/office/drawing/2014/main" id="{04784864-F3F9-3182-5416-AF44AD581697}"/>
+              </a:ext>
+              <a:ext uri="{C183D7F6-B498-43B3-948B-1728B52AA6E4}">
+                <adec:decorative xmlns:adec="http://schemas.microsoft.com/office/drawing/2017/decorative" val="1"/>
+              </a:ext>
+            </a:extLst>
+          </p:cNvPr>
+          <p:cNvSpPr>
+            <a:spLocks noGrp="1" noRot="1" noChangeAspect="1" noMove="1" noResize="1" noEditPoints="1" noAdjustHandles="1" noChangeArrowheads="1" noChangeShapeType="1" noTextEdit="1"/>
+          </p:cNvSpPr>
+          <p:nvPr>
+            <p:extLst>
+              <p:ext uri="{386F3935-93C4-4BCD-93E2-E3B085C9AB24}">
+                <p16:designElem xmlns:p16="http://schemas.microsoft.com/office/powerpoint/2015/main" val="1"/>
+              </p:ext>
+            </p:extLst>
+          </p:nvPr>
+        </p:nvSpPr>
+        <p:spPr>
+          <a:xfrm flipH="1">
+            <a:off x="2" y="492"/>
+            <a:ext cx="12191998" cy="1575955"/>
+          </a:xfrm>
+          <a:prstGeom prst="rect">
+            <a:avLst/>
+          </a:prstGeom>
+          <a:gradFill>
+            <a:gsLst>
+              <a:gs pos="0">
+                <a:schemeClr val="accent1">
+                  <a:lumMod val="50000"/>
+                </a:schemeClr>
+              </a:gs>
+              <a:gs pos="100000">
+                <a:schemeClr val="accent1">
+                  <a:lumMod val="75000"/>
+                </a:schemeClr>
+              </a:gs>
+            </a:gsLst>
+            <a:lin ang="8400000" scaled="0"/>
+          </a:gradFill>
+          <a:ln>
+            <a:noFill/>
+          </a:ln>
+        </p:spPr>
+        <p:style>
+          <a:lnRef idx="2">
+            <a:schemeClr val="accent1">
+              <a:shade val="50000"/>
+            </a:schemeClr>
+          </a:lnRef>
+          <a:fillRef idx="1">
+            <a:schemeClr val="accent1"/>
+          </a:fillRef>
+          <a:effectRef idx="0">
+            <a:schemeClr val="accent1"/>
+          </a:effectRef>
+          <a:fontRef idx="minor">
+            <a:schemeClr val="lt1"/>
+          </a:fontRef>
+        </p:style>
+        <p:txBody>
+          <a:bodyPr rtlCol="0" anchor="ctr"/>
+          <a:lstStyle/>
+          <a:p>
+            <a:pPr algn="ctr"/>
+            <a:endParaRPr lang="en-US"/>
+          </a:p>
+        </p:txBody>
+      </p:sp>
+      <p:sp>
+        <p:nvSpPr>
+          <p:cNvPr id="4123" name="Rectangle 4122">
+            <a:extLst>
+              <a:ext uri="{FF2B5EF4-FFF2-40B4-BE49-F238E27FC236}">
+                <a16:creationId xmlns:a16="http://schemas.microsoft.com/office/drawing/2014/main" id="{39430EEC-8CF9-B383-D2C3-79DDA0729F90}"/>
+              </a:ext>
+              <a:ext uri="{C183D7F6-B498-43B3-948B-1728B52AA6E4}">
+                <adec:decorative xmlns:adec="http://schemas.microsoft.com/office/drawing/2017/decorative" val="1"/>
+              </a:ext>
+            </a:extLst>
+          </p:cNvPr>
+          <p:cNvSpPr>
+            <a:spLocks noGrp="1" noRot="1" noChangeAspect="1" noMove="1" noResize="1" noEditPoints="1" noAdjustHandles="1" noChangeArrowheads="1" noChangeShapeType="1" noTextEdit="1"/>
+          </p:cNvSpPr>
+          <p:nvPr>
+            <p:extLst>
+              <p:ext uri="{386F3935-93C4-4BCD-93E2-E3B085C9AB24}">
+                <p16:designElem xmlns:p16="http://schemas.microsoft.com/office/powerpoint/2015/main" val="1"/>
+              </p:ext>
+            </p:extLst>
+          </p:nvPr>
+        </p:nvSpPr>
+        <p:spPr>
+          <a:xfrm rot="10800000" flipH="1">
+            <a:off x="8128857" y="35"/>
+            <a:ext cx="4063143" cy="1576412"/>
+          </a:xfrm>
+          <a:prstGeom prst="rect">
+            <a:avLst/>
+          </a:prstGeom>
+          <a:gradFill>
+            <a:gsLst>
+              <a:gs pos="19000">
+                <a:schemeClr val="accent1">
+                  <a:lumMod val="50000"/>
+                  <a:alpha val="68000"/>
+                </a:schemeClr>
+              </a:gs>
+              <a:gs pos="100000">
+                <a:schemeClr val="accent1">
+                  <a:alpha val="79000"/>
+                </a:schemeClr>
+              </a:gs>
+            </a:gsLst>
+            <a:lin ang="19200000" scaled="0"/>
+          </a:gradFill>
+          <a:ln>
+            <a:noFill/>
+          </a:ln>
+        </p:spPr>
+        <p:style>
+          <a:lnRef idx="2">
+            <a:schemeClr val="accent1">
+              <a:shade val="50000"/>
+            </a:schemeClr>
+          </a:lnRef>
+          <a:fillRef idx="1">
+            <a:schemeClr val="accent1"/>
+          </a:fillRef>
+          <a:effectRef idx="0">
+            <a:schemeClr val="accent1"/>
+          </a:effectRef>
+          <a:fontRef idx="minor">
+            <a:schemeClr val="lt1"/>
+          </a:fontRef>
+        </p:style>
+        <p:txBody>
+          <a:bodyPr rtlCol="0" anchor="ctr"/>
+          <a:lstStyle/>
+          <a:p>
+            <a:pPr algn="ctr"/>
+            <a:endParaRPr lang="en-US"/>
+          </a:p>
+        </p:txBody>
+      </p:sp>
+      <p:sp>
+        <p:nvSpPr>
+          <p:cNvPr id="4125" name="Rectangle 4124">
+            <a:extLst>
+              <a:ext uri="{FF2B5EF4-FFF2-40B4-BE49-F238E27FC236}">
+                <a16:creationId xmlns:a16="http://schemas.microsoft.com/office/drawing/2014/main" id="{71253D9E-5C3F-2481-A630-083EFBC7893E}"/>
+              </a:ext>
+              <a:ext uri="{C183D7F6-B498-43B3-948B-1728B52AA6E4}">
+                <adec:decorative xmlns:adec="http://schemas.microsoft.com/office/drawing/2017/decorative" val="1"/>
+              </a:ext>
+            </a:extLst>
+          </p:cNvPr>
+          <p:cNvSpPr>
+            <a:spLocks noGrp="1" noRot="1" noChangeAspect="1" noMove="1" noResize="1" noEditPoints="1" noAdjustHandles="1" noChangeArrowheads="1" noChangeShapeType="1" noTextEdit="1"/>
+          </p:cNvSpPr>
+          <p:nvPr>
+            <p:extLst>
+              <p:ext uri="{386F3935-93C4-4BCD-93E2-E3B085C9AB24}">
+                <p16:designElem xmlns:p16="http://schemas.microsoft.com/office/powerpoint/2015/main" val="1"/>
+              </p:ext>
+            </p:extLst>
+          </p:nvPr>
+        </p:nvSpPr>
+        <p:spPr>
+          <a:xfrm rot="5400000">
+            <a:off x="5307778" y="-5307777"/>
+            <a:ext cx="1576446" cy="12192001"/>
+          </a:xfrm>
+          <a:prstGeom prst="rect">
+            <a:avLst/>
+          </a:prstGeom>
+          <a:gradFill>
+            <a:gsLst>
+              <a:gs pos="16000">
+                <a:srgbClr val="000000">
+                  <a:alpha val="0"/>
+                </a:srgbClr>
+              </a:gs>
+              <a:gs pos="99000">
+                <a:srgbClr val="000000">
+                  <a:alpha val="87000"/>
+                </a:srgbClr>
+              </a:gs>
+            </a:gsLst>
+            <a:lin ang="11400000" scaled="0"/>
+          </a:gradFill>
+          <a:ln>
+            <a:noFill/>
+          </a:ln>
+        </p:spPr>
+        <p:style>
+          <a:lnRef idx="2">
+            <a:schemeClr val="accent1">
+              <a:shade val="50000"/>
+            </a:schemeClr>
+          </a:lnRef>
+          <a:fillRef idx="1">
+            <a:schemeClr val="accent1"/>
+          </a:fillRef>
+          <a:effectRef idx="0">
+            <a:schemeClr val="accent1"/>
+          </a:effectRef>
+          <a:fontRef idx="minor">
+            <a:schemeClr val="lt1"/>
+          </a:fontRef>
+        </p:style>
+        <p:txBody>
+          <a:bodyPr rtlCol="0" anchor="ctr"/>
+          <a:lstStyle/>
+          <a:p>
+            <a:pPr algn="ctr"/>
+            <a:endParaRPr lang="en-US" dirty="0"/>
+          </a:p>
+        </p:txBody>
+      </p:sp>
+      <p:sp>
+        <p:nvSpPr>
+          <p:cNvPr id="4127" name="Rectangle 4126">
+            <a:extLst>
+              <a:ext uri="{FF2B5EF4-FFF2-40B4-BE49-F238E27FC236}">
+                <a16:creationId xmlns:a16="http://schemas.microsoft.com/office/drawing/2014/main" id="{FCF67580-6694-E14B-D229-A1EB78F61AF1}"/>
+              </a:ext>
+              <a:ext uri="{C183D7F6-B498-43B3-948B-1728B52AA6E4}">
+                <adec:decorative xmlns:adec="http://schemas.microsoft.com/office/drawing/2017/decorative" val="1"/>
+              </a:ext>
+            </a:extLst>
+          </p:cNvPr>
+          <p:cNvSpPr>
+            <a:spLocks noGrp="1" noRot="1" noChangeAspect="1" noMove="1" noResize="1" noEditPoints="1" noAdjustHandles="1" noChangeArrowheads="1" noChangeShapeType="1" noTextEdit="1"/>
+          </p:cNvSpPr>
+          <p:nvPr>
+            <p:extLst>
+              <p:ext uri="{386F3935-93C4-4BCD-93E2-E3B085C9AB24}">
+                <p16:designElem xmlns:p16="http://schemas.microsoft.com/office/powerpoint/2015/main" val="1"/>
+              </p:ext>
+            </p:extLst>
+          </p:nvPr>
+        </p:nvSpPr>
+        <p:spPr>
+          <a:xfrm>
+            <a:off x="3825434" y="986"/>
+            <a:ext cx="4303422" cy="1575461"/>
+          </a:xfrm>
+          <a:prstGeom prst="rect">
+            <a:avLst/>
+          </a:prstGeom>
+          <a:gradFill>
+            <a:gsLst>
+              <a:gs pos="0">
+                <a:schemeClr val="accent1">
+                  <a:alpha val="17000"/>
+                </a:schemeClr>
+              </a:gs>
+              <a:gs pos="74000">
+                <a:schemeClr val="accent1">
+                  <a:lumMod val="50000"/>
+                  <a:alpha val="0"/>
+                </a:schemeClr>
+              </a:gs>
+            </a:gsLst>
+            <a:lin ang="14400000" scaled="0"/>
+          </a:gradFill>
+          <a:ln>
+            <a:noFill/>
+          </a:ln>
+        </p:spPr>
+        <p:style>
+          <a:lnRef idx="2">
+            <a:schemeClr val="accent1">
+              <a:shade val="50000"/>
+            </a:schemeClr>
+          </a:lnRef>
+          <a:fillRef idx="1">
+            <a:schemeClr val="accent1"/>
+          </a:fillRef>
+          <a:effectRef idx="0">
+            <a:schemeClr val="accent1"/>
+          </a:effectRef>
+          <a:fontRef idx="minor">
+            <a:schemeClr val="lt1"/>
+          </a:fontRef>
+        </p:style>
+        <p:txBody>
+          <a:bodyPr rtlCol="0" anchor="ctr"/>
+          <a:lstStyle/>
+          <a:p>
+            <a:pPr algn="ctr"/>
+            <a:endParaRPr lang="en-US"/>
+          </a:p>
+        </p:txBody>
+      </p:sp>
+      <p:sp>
+        <p:nvSpPr>
+          <p:cNvPr id="2" name="Title 1">
+            <a:extLst>
+              <a:ext uri="{FF2B5EF4-FFF2-40B4-BE49-F238E27FC236}">
+                <a16:creationId xmlns:a16="http://schemas.microsoft.com/office/drawing/2014/main" id="{BF37347A-A989-C800-9A76-8CC7E0F14C33}"/>
+              </a:ext>
+            </a:extLst>
+          </p:cNvPr>
+          <p:cNvSpPr>
+            <a:spLocks noGrp="1"/>
+          </p:cNvSpPr>
+          <p:nvPr>
+            <p:ph type="title"/>
+          </p:nvPr>
+        </p:nvSpPr>
+        <p:spPr>
+          <a:xfrm>
+            <a:off x="699714" y="353160"/>
+            <a:ext cx="7091300" cy="898581"/>
+          </a:xfrm>
+        </p:spPr>
+        <p:txBody>
+          <a:bodyPr vert="horz" lIns="91440" tIns="45720" rIns="91440" bIns="45720" rtlCol="0" anchor="ctr">
+            <a:normAutofit/>
+          </a:bodyPr>
+          <a:lstStyle/>
+          <a:p>
+            <a:r>
+              <a:rPr lang="en-US" sz="2800" dirty="0" err="1">
+                <a:solidFill>
+                  <a:srgbClr val="FFFFFF"/>
+                </a:solidFill>
+              </a:rPr>
               <a:t>Qualità</a:t>
             </a:r>
             <a:r>
@@ -14562,7 +18270,7 @@
           <p:cNvPr id="5" name="Content Placeholder 4">
             <a:extLst>
               <a:ext uri="{FF2B5EF4-FFF2-40B4-BE49-F238E27FC236}">
-                <a16:creationId xmlns:a16="http://schemas.microsoft.com/office/drawing/2014/main" id="{F98EC336-6AC8-9FF3-B639-24E24A21753A}"/>
+                <a16:creationId xmlns:a16="http://schemas.microsoft.com/office/drawing/2014/main" id="{0076EBD7-C042-D69D-D468-922065F206A3}"/>
               </a:ext>
             </a:extLst>
           </p:cNvPr>
@@ -14579,64 +18287,18 @@
         </p:blipFill>
         <p:spPr>
           <a:xfrm>
-            <a:off x="563068" y="2218405"/>
-            <a:ext cx="5076364" cy="3997637"/>
+            <a:off x="2879954" y="1678909"/>
+            <a:ext cx="6432092" cy="5065273"/>
           </a:xfrm>
           <a:prstGeom prst="rect">
             <a:avLst/>
           </a:prstGeom>
         </p:spPr>
       </p:pic>
-      <p:pic>
-        <p:nvPicPr>
-          <p:cNvPr id="4097" name="Picture 1">
-            <a:extLst>
-              <a:ext uri="{FF2B5EF4-FFF2-40B4-BE49-F238E27FC236}">
-                <a16:creationId xmlns:a16="http://schemas.microsoft.com/office/drawing/2014/main" id="{0D134A6F-BC64-A914-A144-767FD9315FDA}"/>
-              </a:ext>
-            </a:extLst>
-          </p:cNvPr>
-          <p:cNvPicPr>
-            <a:picLocks noChangeAspect="1" noChangeArrowheads="1"/>
-          </p:cNvPicPr>
-          <p:nvPr/>
-        </p:nvPicPr>
-        <p:blipFill>
-          <a:blip r:embed="rId4">
-            <a:extLst>
-              <a:ext uri="{28A0092B-C50C-407E-A947-70E740481C1C}">
-                <a14:useLocalDpi xmlns:a14="http://schemas.microsoft.com/office/drawing/2010/main" val="0"/>
-              </a:ext>
-            </a:extLst>
-          </a:blip>
-          <a:stretch>
-            <a:fillRect/>
-          </a:stretch>
-        </p:blipFill>
-        <p:spPr bwMode="auto">
-          <a:xfrm>
-            <a:off x="7571939" y="2322590"/>
-            <a:ext cx="3837918" cy="3997831"/>
-          </a:xfrm>
-          <a:prstGeom prst="rect">
-            <a:avLst/>
-          </a:prstGeom>
-          <a:noFill/>
-          <a:extLst>
-            <a:ext uri="{909E8E84-426E-40DD-AFC4-6F175D3DCCD1}">
-              <a14:hiddenFill xmlns:a14="http://schemas.microsoft.com/office/drawing/2010/main">
-                <a:solidFill>
-                  <a:srgbClr val="FFFFFF"/>
-                </a:solidFill>
-              </a14:hiddenFill>
-            </a:ext>
-          </a:extLst>
-        </p:spPr>
-      </p:pic>
     </p:spTree>
     <p:extLst>
       <p:ext uri="{BB962C8B-B14F-4D97-AF65-F5344CB8AC3E}">
-        <p14:creationId xmlns:p14="http://schemas.microsoft.com/office/powerpoint/2010/main" val="2827150333"/>
+        <p14:creationId xmlns:p14="http://schemas.microsoft.com/office/powerpoint/2010/main" val="1678513415"/>
       </p:ext>
     </p:extLst>
   </p:cSld>
@@ -14646,7 +18308,7 @@
 </p:sld>
 </file>
 
-<file path=ppt/slides/slide8.xml><?xml version="1.0" encoding="utf-8"?>
+<file path=ppt/slides/slide9.xml><?xml version="1.0" encoding="utf-8"?>
 <p:sld xmlns:a="http://schemas.openxmlformats.org/drawingml/2006/main" xmlns:r="http://schemas.openxmlformats.org/officeDocument/2006/relationships" xmlns:p="http://schemas.openxmlformats.org/presentationml/2006/main">
   <p:cSld>
     <p:bg>
@@ -15318,7 +18980,7 @@
         </p:blipFill>
         <p:spPr bwMode="auto">
           <a:xfrm>
-            <a:off x="5247147" y="23296"/>
+            <a:off x="4601043" y="23296"/>
             <a:ext cx="5602029" cy="6810977"/>
           </a:xfrm>
           <a:prstGeom prst="rect">
@@ -15336,105 +18998,37 @@
           </a:extLst>
         </p:spPr>
       </p:pic>
-    </p:spTree>
-    <p:extLst>
-      <p:ext uri="{BB962C8B-B14F-4D97-AF65-F5344CB8AC3E}">
-        <p14:creationId xmlns:p14="http://schemas.microsoft.com/office/powerpoint/2010/main" val="3086293249"/>
-      </p:ext>
-    </p:extLst>
-  </p:cSld>
-  <p:clrMapOvr>
-    <a:masterClrMapping/>
-  </p:clrMapOvr>
-</p:sld>
-</file>
-
-<file path=ppt/slides/slide9.xml><?xml version="1.0" encoding="utf-8"?>
-<p:sld xmlns:a="http://schemas.openxmlformats.org/drawingml/2006/main" xmlns:r="http://schemas.openxmlformats.org/officeDocument/2006/relationships" xmlns:p="http://schemas.openxmlformats.org/presentationml/2006/main">
-  <p:cSld>
-    <p:bg>
-      <p:bgPr>
-        <a:solidFill>
-          <a:schemeClr val="bg1"/>
-        </a:solidFill>
-        <a:effectLst/>
-      </p:bgPr>
-    </p:bg>
-    <p:spTree>
-      <p:nvGrpSpPr>
-        <p:cNvPr id="1" name="">
-          <a:extLst>
-            <a:ext uri="{FF2B5EF4-FFF2-40B4-BE49-F238E27FC236}">
-              <a16:creationId xmlns:a16="http://schemas.microsoft.com/office/drawing/2014/main" id="{20CEAE80-253A-831D-8009-669504F6733D}"/>
-            </a:ext>
-          </a:extLst>
-        </p:cNvPr>
-        <p:cNvGrpSpPr/>
-        <p:nvPr/>
-      </p:nvGrpSpPr>
-      <p:grpSpPr>
-        <a:xfrm>
-          <a:off x="0" y="0"/>
-          <a:ext cx="0" cy="0"/>
-          <a:chOff x="0" y="0"/>
-          <a:chExt cx="0" cy="0"/>
-        </a:xfrm>
-      </p:grpSpPr>
-      <p:sp useBgFill="1">
-        <p:nvSpPr>
-          <p:cNvPr id="5126" name="Rectangle 5125">
-            <a:extLst>
-              <a:ext uri="{FF2B5EF4-FFF2-40B4-BE49-F238E27FC236}">
-                <a16:creationId xmlns:a16="http://schemas.microsoft.com/office/drawing/2014/main" id="{A8384FB5-9ADC-4DDC-881B-597D56F5B15D}"/>
-              </a:ext>
-              <a:ext uri="{C183D7F6-B498-43B3-948B-1728B52AA6E4}">
-                <adec:decorative xmlns:adec="http://schemas.microsoft.com/office/drawing/2017/decorative" val="1"/>
-              </a:ext>
-            </a:extLst>
-          </p:cNvPr>
-          <p:cNvSpPr>
-            <a:spLocks noGrp="1" noRot="1" noChangeAspect="1" noMove="1" noResize="1" noEditPoints="1" noAdjustHandles="1" noChangeArrowheads="1" noChangeShapeType="1" noTextEdit="1"/>
-          </p:cNvSpPr>
-          <p:nvPr>
-            <p:extLst>
-              <p:ext uri="{386F3935-93C4-4BCD-93E2-E3B085C9AB24}">
-                <p16:designElem xmlns:p16="http://schemas.microsoft.com/office/powerpoint/2015/main" val="1"/>
-              </p:ext>
-            </p:extLst>
-          </p:nvPr>
+      <p:sp>
+        <p:nvSpPr>
+          <p:cNvPr id="3" name="Oval 2">
+            <a:extLst>
+              <a:ext uri="{FF2B5EF4-FFF2-40B4-BE49-F238E27FC236}">
+                <a16:creationId xmlns:a16="http://schemas.microsoft.com/office/drawing/2014/main" id="{D0B6A712-3D88-B6F5-F676-05AD36964E55}"/>
+              </a:ext>
+            </a:extLst>
+          </p:cNvPr>
+          <p:cNvSpPr/>
+          <p:nvPr/>
         </p:nvSpPr>
         <p:spPr>
           <a:xfrm>
-            <a:off x="0" y="0"/>
-            <a:ext cx="12192000" cy="6858000"/>
+            <a:off x="10512447" y="6353175"/>
+            <a:ext cx="147828" cy="147828"/>
           </a:xfrm>
-          <a:prstGeom prst="rect">
+          <a:prstGeom prst="ellipse">
             <a:avLst/>
           </a:prstGeom>
-          <a:ln w="12700" cap="flat" cmpd="sng" algn="ctr">
+          <a:solidFill>
+            <a:srgbClr val="4443FA"/>
+          </a:solidFill>
+          <a:ln>
             <a:noFill/>
-            <a:prstDash val="solid"/>
-            <a:miter lim="800000"/>
           </a:ln>
-          <a:effectLst/>
-          <a:extLst>
-            <a:ext uri="{91240B29-F687-4F45-9708-019B960494DF}">
-              <a14:hiddenLine xmlns:a14="http://schemas.microsoft.com/office/drawing/2010/main" w="12700" cap="flat" cmpd="sng" algn="ctr">
-                <a:solidFill>
-                  <a:schemeClr val="accent1">
-                    <a:shade val="50000"/>
-                  </a:schemeClr>
-                </a:solidFill>
-                <a:prstDash val="solid"/>
-                <a:miter lim="800000"/>
-              </a14:hiddenLine>
-            </a:ext>
-          </a:extLst>
         </p:spPr>
         <p:style>
           <a:lnRef idx="2">
             <a:schemeClr val="accent1">
-              <a:shade val="50000"/>
+              <a:shade val="15000"/>
             </a:schemeClr>
           </a:lnRef>
           <a:fillRef idx="1">
@@ -15452,415 +19046,49 @@
           <a:lstStyle/>
           <a:p>
             <a:pPr algn="ctr"/>
-            <a:endParaRPr lang="en-US"/>
-          </a:p>
-        </p:txBody>
-      </p:sp>
-      <p:sp>
-        <p:nvSpPr>
-          <p:cNvPr id="5128" name="Rectangle 5127">
-            <a:extLst>
-              <a:ext uri="{FF2B5EF4-FFF2-40B4-BE49-F238E27FC236}">
-                <a16:creationId xmlns:a16="http://schemas.microsoft.com/office/drawing/2014/main" id="{1199E1B1-A8C0-4FE8-A5A8-1CB41D69F857}"/>
-              </a:ext>
-              <a:ext uri="{C183D7F6-B498-43B3-948B-1728B52AA6E4}">
-                <adec:decorative xmlns:adec="http://schemas.microsoft.com/office/drawing/2017/decorative" val="1"/>
-              </a:ext>
-            </a:extLst>
-          </p:cNvPr>
-          <p:cNvSpPr>
-            <a:spLocks noGrp="1" noRot="1" noChangeAspect="1" noMove="1" noResize="1" noEditPoints="1" noAdjustHandles="1" noChangeArrowheads="1" noChangeShapeType="1" noTextEdit="1"/>
-          </p:cNvSpPr>
-          <p:nvPr>
-            <p:extLst>
-              <p:ext uri="{386F3935-93C4-4BCD-93E2-E3B085C9AB24}">
-                <p16:designElem xmlns:p16="http://schemas.microsoft.com/office/powerpoint/2015/main" val="1"/>
-              </p:ext>
-            </p:extLst>
-          </p:nvPr>
-        </p:nvSpPr>
-        <p:spPr>
-          <a:xfrm rot="10800000" flipH="1">
-            <a:off x="2" y="0"/>
-            <a:ext cx="12191998" cy="1575955"/>
-          </a:xfrm>
-          <a:prstGeom prst="rect">
-            <a:avLst/>
-          </a:prstGeom>
-          <a:gradFill>
-            <a:gsLst>
-              <a:gs pos="0">
-                <a:srgbClr val="000000">
-                  <a:alpha val="96000"/>
-                </a:srgbClr>
-              </a:gs>
-              <a:gs pos="100000">
-                <a:schemeClr val="accent1">
-                  <a:lumMod val="75000"/>
-                </a:schemeClr>
-              </a:gs>
-            </a:gsLst>
-            <a:lin ang="6000000" scaled="0"/>
-          </a:gradFill>
-          <a:ln>
-            <a:noFill/>
-          </a:ln>
-        </p:spPr>
-        <p:style>
-          <a:lnRef idx="2">
-            <a:schemeClr val="accent1">
-              <a:shade val="50000"/>
-            </a:schemeClr>
-          </a:lnRef>
-          <a:fillRef idx="1">
-            <a:schemeClr val="accent1"/>
-          </a:fillRef>
-          <a:effectRef idx="0">
-            <a:schemeClr val="accent1"/>
-          </a:effectRef>
-          <a:fontRef idx="minor">
-            <a:schemeClr val="lt1"/>
-          </a:fontRef>
-        </p:style>
-        <p:txBody>
-          <a:bodyPr rtlCol="0" anchor="ctr"/>
-          <a:lstStyle/>
-          <a:p>
-            <a:pPr algn="ctr"/>
-            <a:endParaRPr lang="en-US"/>
-          </a:p>
-        </p:txBody>
-      </p:sp>
-      <p:sp>
-        <p:nvSpPr>
-          <p:cNvPr id="5130" name="Rectangle 5129">
-            <a:extLst>
-              <a:ext uri="{FF2B5EF4-FFF2-40B4-BE49-F238E27FC236}">
-                <a16:creationId xmlns:a16="http://schemas.microsoft.com/office/drawing/2014/main" id="{84A8DE83-DE75-4B41-9DB4-A7EC0B0DEC0B}"/>
-              </a:ext>
-              <a:ext uri="{C183D7F6-B498-43B3-948B-1728B52AA6E4}">
-                <adec:decorative xmlns:adec="http://schemas.microsoft.com/office/drawing/2017/decorative" val="1"/>
-              </a:ext>
-            </a:extLst>
-          </p:cNvPr>
-          <p:cNvSpPr>
-            <a:spLocks noGrp="1" noRot="1" noChangeAspect="1" noMove="1" noResize="1" noEditPoints="1" noAdjustHandles="1" noChangeArrowheads="1" noChangeShapeType="1" noTextEdit="1"/>
-          </p:cNvSpPr>
-          <p:nvPr>
-            <p:extLst>
-              <p:ext uri="{386F3935-93C4-4BCD-93E2-E3B085C9AB24}">
-                <p16:designElem xmlns:p16="http://schemas.microsoft.com/office/powerpoint/2015/main" val="1"/>
-              </p:ext>
-            </p:extLst>
-          </p:nvPr>
+            <a:endParaRPr lang="it-IT"/>
+          </a:p>
+        </p:txBody>
+      </p:sp>
+      <p:sp>
+        <p:nvSpPr>
+          <p:cNvPr id="4" name="TextBox 3">
+            <a:extLst>
+              <a:ext uri="{FF2B5EF4-FFF2-40B4-BE49-F238E27FC236}">
+                <a16:creationId xmlns:a16="http://schemas.microsoft.com/office/drawing/2014/main" id="{946F690D-5F20-0F16-E0CA-92272EA78265}"/>
+              </a:ext>
+            </a:extLst>
+          </p:cNvPr>
+          <p:cNvSpPr txBox="1"/>
+          <p:nvPr/>
         </p:nvSpPr>
         <p:spPr>
           <a:xfrm>
-            <a:off x="0" y="0"/>
-            <a:ext cx="8128856" cy="1575461"/>
-          </a:xfrm>
-          <a:prstGeom prst="rect">
-            <a:avLst/>
-          </a:prstGeom>
-          <a:gradFill>
-            <a:gsLst>
-              <a:gs pos="0">
-                <a:schemeClr val="accent1">
-                  <a:alpha val="41000"/>
-                </a:schemeClr>
-              </a:gs>
-              <a:gs pos="74000">
-                <a:schemeClr val="accent1">
-                  <a:lumMod val="60000"/>
-                  <a:lumOff val="40000"/>
-                  <a:alpha val="0"/>
-                </a:schemeClr>
-              </a:gs>
-            </a:gsLst>
-            <a:lin ang="8400000" scaled="0"/>
-          </a:gradFill>
-          <a:ln>
-            <a:noFill/>
-          </a:ln>
-        </p:spPr>
-        <p:style>
-          <a:lnRef idx="2">
-            <a:schemeClr val="accent1">
-              <a:shade val="50000"/>
-            </a:schemeClr>
-          </a:lnRef>
-          <a:fillRef idx="1">
-            <a:schemeClr val="accent1"/>
-          </a:fillRef>
-          <a:effectRef idx="0">
-            <a:schemeClr val="accent1"/>
-          </a:effectRef>
-          <a:fontRef idx="minor">
-            <a:schemeClr val="lt1"/>
-          </a:fontRef>
-        </p:style>
-        <p:txBody>
-          <a:bodyPr rtlCol="0" anchor="ctr"/>
-          <a:lstStyle/>
-          <a:p>
-            <a:pPr algn="ctr"/>
-            <a:endParaRPr lang="en-US"/>
-          </a:p>
-        </p:txBody>
-      </p:sp>
-      <p:sp>
-        <p:nvSpPr>
-          <p:cNvPr id="5132" name="Rectangle 5131">
-            <a:extLst>
-              <a:ext uri="{FF2B5EF4-FFF2-40B4-BE49-F238E27FC236}">
-                <a16:creationId xmlns:a16="http://schemas.microsoft.com/office/drawing/2014/main" id="{A7009A0A-BEF5-4EAC-AF15-E4F9F002E239}"/>
-              </a:ext>
-              <a:ext uri="{C183D7F6-B498-43B3-948B-1728B52AA6E4}">
-                <adec:decorative xmlns:adec="http://schemas.microsoft.com/office/drawing/2017/decorative" val="1"/>
-              </a:ext>
-            </a:extLst>
-          </p:cNvPr>
-          <p:cNvSpPr>
-            <a:spLocks noGrp="1" noRot="1" noChangeAspect="1" noMove="1" noResize="1" noEditPoints="1" noAdjustHandles="1" noChangeArrowheads="1" noChangeShapeType="1" noTextEdit="1"/>
-          </p:cNvSpPr>
-          <p:nvPr>
-            <p:extLst>
-              <p:ext uri="{386F3935-93C4-4BCD-93E2-E3B085C9AB24}">
-                <p16:designElem xmlns:p16="http://schemas.microsoft.com/office/powerpoint/2015/main" val="1"/>
-              </p:ext>
-            </p:extLst>
-          </p:nvPr>
-        </p:nvSpPr>
-        <p:spPr>
-          <a:xfrm flipH="1">
-            <a:off x="-3" y="-1"/>
-            <a:ext cx="12192002" cy="1574311"/>
-          </a:xfrm>
-          <a:prstGeom prst="rect">
-            <a:avLst/>
-          </a:prstGeom>
-          <a:gradFill>
-            <a:gsLst>
-              <a:gs pos="0">
-                <a:srgbClr val="000000">
-                  <a:alpha val="63000"/>
-                </a:srgbClr>
-              </a:gs>
-              <a:gs pos="78000">
-                <a:schemeClr val="accent1">
-                  <a:alpha val="15000"/>
-                </a:schemeClr>
-              </a:gs>
-            </a:gsLst>
-            <a:lin ang="15600000" scaled="0"/>
-          </a:gradFill>
-          <a:ln>
-            <a:noFill/>
-          </a:ln>
-        </p:spPr>
-        <p:style>
-          <a:lnRef idx="2">
-            <a:schemeClr val="accent1">
-              <a:shade val="50000"/>
-            </a:schemeClr>
-          </a:lnRef>
-          <a:fillRef idx="1">
-            <a:schemeClr val="accent1"/>
-          </a:fillRef>
-          <a:effectRef idx="0">
-            <a:schemeClr val="accent1"/>
-          </a:effectRef>
-          <a:fontRef idx="minor">
-            <a:schemeClr val="lt1"/>
-          </a:fontRef>
-        </p:style>
-        <p:txBody>
-          <a:bodyPr rtlCol="0" anchor="ctr"/>
-          <a:lstStyle/>
-          <a:p>
-            <a:pPr algn="ctr"/>
-            <a:endParaRPr lang="en-US"/>
-          </a:p>
-        </p:txBody>
-      </p:sp>
-      <p:sp>
-        <p:nvSpPr>
-          <p:cNvPr id="2" name="Title 1">
-            <a:extLst>
-              <a:ext uri="{FF2B5EF4-FFF2-40B4-BE49-F238E27FC236}">
-                <a16:creationId xmlns:a16="http://schemas.microsoft.com/office/drawing/2014/main" id="{4BE7800B-138D-F755-9F56-391B5B0A6935}"/>
-              </a:ext>
-            </a:extLst>
-          </p:cNvPr>
-          <p:cNvSpPr>
-            <a:spLocks noGrp="1"/>
-          </p:cNvSpPr>
-          <p:nvPr>
-            <p:ph type="title"/>
-          </p:nvPr>
-        </p:nvSpPr>
-        <p:spPr>
-          <a:xfrm>
-            <a:off x="699713" y="248038"/>
-            <a:ext cx="7063721" cy="1159200"/>
-          </a:xfrm>
-        </p:spPr>
-        <p:txBody>
-          <a:bodyPr vert="horz" lIns="91440" tIns="45720" rIns="91440" bIns="45720" rtlCol="0" anchor="ctr">
-            <a:normAutofit fontScale="90000"/>
-          </a:bodyPr>
-          <a:lstStyle/>
-          <a:p>
-            <a:r>
-              <a:rPr lang="en-US" sz="4000" kern="1200" dirty="0">
-                <a:solidFill>
-                  <a:srgbClr val="FFFFFF"/>
-                </a:solidFill>
-                <a:latin typeface="+mj-lt"/>
-                <a:ea typeface="+mj-ea"/>
-                <a:cs typeface="+mj-cs"/>
-              </a:rPr>
-              <a:t>Trend </a:t>
-            </a:r>
-            <a:r>
-              <a:rPr lang="en-US" sz="4000" kern="1200" dirty="0" err="1">
-                <a:solidFill>
-                  <a:srgbClr val="FFFFFF"/>
-                </a:solidFill>
-                <a:latin typeface="+mj-lt"/>
-                <a:ea typeface="+mj-ea"/>
-                <a:cs typeface="+mj-cs"/>
-              </a:rPr>
-              <a:t>ritardo</a:t>
-            </a:r>
-            <a:r>
-              <a:rPr lang="en-US" sz="4000" kern="1200" dirty="0">
-                <a:solidFill>
-                  <a:srgbClr val="FFFFFF"/>
-                </a:solidFill>
-                <a:latin typeface="+mj-lt"/>
-                <a:ea typeface="+mj-ea"/>
-                <a:cs typeface="+mj-cs"/>
-              </a:rPr>
-              <a:t> </a:t>
-            </a:r>
-            <a:r>
-              <a:rPr lang="en-US" sz="4000" kern="1200" dirty="0" err="1">
-                <a:solidFill>
-                  <a:srgbClr val="FFFFFF"/>
-                </a:solidFill>
-                <a:latin typeface="+mj-lt"/>
-                <a:ea typeface="+mj-ea"/>
-                <a:cs typeface="+mj-cs"/>
-              </a:rPr>
-              <a:t>nel</a:t>
-            </a:r>
-            <a:r>
-              <a:rPr lang="en-US" sz="4000" kern="1200" dirty="0">
-                <a:solidFill>
-                  <a:srgbClr val="FFFFFF"/>
-                </a:solidFill>
-                <a:latin typeface="+mj-lt"/>
-                <a:ea typeface="+mj-ea"/>
-                <a:cs typeface="+mj-cs"/>
-              </a:rPr>
-              <a:t> </a:t>
-            </a:r>
-            <a:r>
-              <a:rPr lang="en-US" sz="4000" kern="1200" dirty="0" err="1">
-                <a:solidFill>
-                  <a:srgbClr val="FFFFFF"/>
-                </a:solidFill>
-                <a:latin typeface="+mj-lt"/>
-                <a:ea typeface="+mj-ea"/>
-                <a:cs typeface="+mj-cs"/>
-              </a:rPr>
-              <a:t>periodo</a:t>
-            </a:r>
-            <a:r>
-              <a:rPr lang="en-US" sz="4000" kern="1200" dirty="0">
-                <a:solidFill>
-                  <a:srgbClr val="FFFFFF"/>
-                </a:solidFill>
-                <a:latin typeface="+mj-lt"/>
-                <a:ea typeface="+mj-ea"/>
-                <a:cs typeface="+mj-cs"/>
-              </a:rPr>
-              <a:t> </a:t>
-            </a:r>
-            <a:r>
-              <a:rPr lang="en-US" sz="4000" kern="1200" dirty="0" err="1">
-                <a:solidFill>
-                  <a:srgbClr val="FFFFFF"/>
-                </a:solidFill>
-                <a:latin typeface="+mj-lt"/>
-                <a:ea typeface="+mj-ea"/>
-                <a:cs typeface="+mj-cs"/>
-              </a:rPr>
-              <a:t>selezionato</a:t>
-            </a:r>
-            <a:endParaRPr lang="en-US" sz="4000" kern="1200" dirty="0">
-              <a:solidFill>
-                <a:srgbClr val="FFFFFF"/>
-              </a:solidFill>
-              <a:latin typeface="+mj-lt"/>
-              <a:ea typeface="+mj-ea"/>
-              <a:cs typeface="+mj-cs"/>
-            </a:endParaRPr>
-          </a:p>
-        </p:txBody>
-      </p:sp>
-      <p:pic>
-        <p:nvPicPr>
-          <p:cNvPr id="5122" name="Picture 2">
-            <a:extLst>
-              <a:ext uri="{FF2B5EF4-FFF2-40B4-BE49-F238E27FC236}">
-                <a16:creationId xmlns:a16="http://schemas.microsoft.com/office/drawing/2014/main" id="{AB6095F3-4AE3-D259-8279-7A5CA0BA0420}"/>
-              </a:ext>
-            </a:extLst>
-          </p:cNvPr>
-          <p:cNvPicPr>
-            <a:picLocks noChangeAspect="1" noChangeArrowheads="1"/>
-          </p:cNvPicPr>
-          <p:nvPr/>
-        </p:nvPicPr>
-        <p:blipFill>
-          <a:blip r:embed="rId3">
-            <a:extLst>
-              <a:ext uri="{28A0092B-C50C-407E-A947-70E740481C1C}">
-                <a14:useLocalDpi xmlns:a14="http://schemas.microsoft.com/office/drawing/2010/main" val="0"/>
-              </a:ext>
-            </a:extLst>
-          </a:blip>
-          <a:srcRect/>
-          <a:stretch>
-            <a:fillRect/>
-          </a:stretch>
-        </p:blipFill>
-        <p:spPr bwMode="auto">
-          <a:xfrm>
-            <a:off x="822004" y="1614217"/>
-            <a:ext cx="10547988" cy="5202724"/>
+            <a:off x="10648896" y="6264109"/>
+            <a:ext cx="1097280" cy="523220"/>
           </a:xfrm>
           <a:prstGeom prst="rect">
             <a:avLst/>
           </a:prstGeom>
           <a:noFill/>
-          <a:extLst>
-            <a:ext uri="{909E8E84-426E-40DD-AFC4-6F175D3DCCD1}">
-              <a14:hiddenFill xmlns:a14="http://schemas.microsoft.com/office/drawing/2010/main">
-                <a:solidFill>
-                  <a:srgbClr val="FFFFFF"/>
-                </a:solidFill>
-              </a14:hiddenFill>
-            </a:ext>
-          </a:extLst>
         </p:spPr>
-      </p:pic>
+        <p:txBody>
+          <a:bodyPr wrap="square" rtlCol="0">
+            <a:spAutoFit/>
+          </a:bodyPr>
+          <a:lstStyle/>
+          <a:p>
+            <a:r>
+              <a:rPr lang="it-IT" sz="1400" dirty="0"/>
+              <a:t>Stazione ferroviaria</a:t>
+            </a:r>
+          </a:p>
+        </p:txBody>
+      </p:sp>
     </p:spTree>
     <p:extLst>
       <p:ext uri="{BB962C8B-B14F-4D97-AF65-F5344CB8AC3E}">
-        <p14:creationId xmlns:p14="http://schemas.microsoft.com/office/powerpoint/2010/main" val="1675110339"/>
+        <p14:creationId xmlns:p14="http://schemas.microsoft.com/office/powerpoint/2010/main" val="3086293249"/>
       </p:ext>
     </p:extLst>
   </p:cSld>

--- a/Analisi del trasporto ferroviario italiano.pptx
+++ b/Analisi del trasporto ferroviario italiano.pptx
@@ -5,7 +5,7 @@
     <p:sldMasterId id="2147483648" r:id="rId1"/>
   </p:sldMasterIdLst>
   <p:notesMasterIdLst>
-    <p:notesMasterId r:id="rId20"/>
+    <p:notesMasterId r:id="rId21"/>
   </p:notesMasterIdLst>
   <p:sldIdLst>
     <p:sldId id="256" r:id="rId2"/>
@@ -16,16 +16,17 @@
     <p:sldId id="263" r:id="rId7"/>
     <p:sldId id="261" r:id="rId8"/>
     <p:sldId id="274" r:id="rId9"/>
-    <p:sldId id="262" r:id="rId10"/>
-    <p:sldId id="268" r:id="rId11"/>
+    <p:sldId id="268" r:id="rId10"/>
+    <p:sldId id="262" r:id="rId11"/>
     <p:sldId id="266" r:id="rId12"/>
     <p:sldId id="270" r:id="rId13"/>
     <p:sldId id="269" r:id="rId14"/>
     <p:sldId id="267" r:id="rId15"/>
     <p:sldId id="271" r:id="rId16"/>
-    <p:sldId id="273" r:id="rId17"/>
-    <p:sldId id="275" r:id="rId18"/>
-    <p:sldId id="276" r:id="rId19"/>
+    <p:sldId id="277" r:id="rId17"/>
+    <p:sldId id="273" r:id="rId18"/>
+    <p:sldId id="275" r:id="rId19"/>
+    <p:sldId id="276" r:id="rId20"/>
   </p:sldIdLst>
   <p:sldSz cx="12192000" cy="6858000"/>
   <p:notesSz cx="6858000" cy="9144000"/>
@@ -936,10 +937,10 @@
         <a:lstStyle/>
         <a:p>
           <a:r>
-            <a:rPr lang="it-IT"/>
+            <a:rPr lang="it-IT" dirty="0"/>
             <a:t>Come sono distribuite le stazioni ferroviarie in Italia?</a:t>
           </a:r>
-          <a:endParaRPr lang="en-US"/>
+          <a:endParaRPr lang="en-US" dirty="0"/>
         </a:p>
       </dgm:t>
     </dgm:pt>
@@ -1380,10 +1381,10 @@
             <a:buNone/>
           </a:pPr>
           <a:r>
-            <a:rPr lang="it-IT" sz="2000" kern="1200"/>
+            <a:rPr lang="it-IT" sz="2000" kern="1200" dirty="0"/>
             <a:t>Come sono distribuite le stazioni ferroviarie in Italia?</a:t>
           </a:r>
-          <a:endParaRPr lang="en-US" sz="2000" kern="1200"/>
+          <a:endParaRPr lang="en-US" sz="2000" kern="1200" dirty="0"/>
         </a:p>
       </dsp:txBody>
       <dsp:txXfrm>
@@ -3543,7 +3544,7 @@
           <a:p>
             <a:fld id="{F892F27F-BC3B-4579-A438-CDF8E2AC14FC}" type="datetimeFigureOut">
               <a:rPr lang="it-IT" smtClean="0"/>
-              <a:t>13/07/2025</a:t>
+              <a:t>15/07/2025</a:t>
             </a:fld>
             <a:endParaRPr lang="it-IT"/>
           </a:p>
@@ -4308,7 +4309,7 @@
           <a:p>
             <a:fld id="{28FD0ED1-140F-42E6-900F-7C6EEB8863C5}" type="slidenum">
               <a:rPr lang="it-IT" smtClean="0"/>
-              <a:t>16</a:t>
+              <a:t>17</a:t>
             </a:fld>
             <a:endParaRPr lang="it-IT"/>
           </a:p>
@@ -4416,7 +4417,7 @@
           <a:p>
             <a:fld id="{28FD0ED1-140F-42E6-900F-7C6EEB8863C5}" type="slidenum">
               <a:rPr lang="it-IT" smtClean="0"/>
-              <a:t>17</a:t>
+              <a:t>18</a:t>
             </a:fld>
             <a:endParaRPr lang="it-IT"/>
           </a:p>
@@ -4524,7 +4525,7 @@
           <a:p>
             <a:fld id="{28FD0ED1-140F-42E6-900F-7C6EEB8863C5}" type="slidenum">
               <a:rPr lang="it-IT" smtClean="0"/>
-              <a:t>18</a:t>
+              <a:t>19</a:t>
             </a:fld>
             <a:endParaRPr lang="it-IT"/>
           </a:p>
@@ -4959,7 +4960,7 @@
         <p:cNvPr id="1" name="">
           <a:extLst>
             <a:ext uri="{FF2B5EF4-FFF2-40B4-BE49-F238E27FC236}">
-              <a16:creationId xmlns:a16="http://schemas.microsoft.com/office/drawing/2014/main" id="{72D4F2E0-86DF-89B4-EC43-4A7749B227B8}"/>
+              <a16:creationId xmlns:a16="http://schemas.microsoft.com/office/drawing/2014/main" id="{4B303CB8-0903-BA28-A314-1B034E2677A5}"/>
             </a:ext>
           </a:extLst>
         </p:cNvPr>
@@ -4979,7 +4980,7 @@
           <p:cNvPr id="2" name="Slide Image Placeholder 1">
             <a:extLst>
               <a:ext uri="{FF2B5EF4-FFF2-40B4-BE49-F238E27FC236}">
-                <a16:creationId xmlns:a16="http://schemas.microsoft.com/office/drawing/2014/main" id="{543BFE1F-6772-BB09-74A5-40FFF83C8131}"/>
+                <a16:creationId xmlns:a16="http://schemas.microsoft.com/office/drawing/2014/main" id="{D07CC0CA-7077-0E7E-A439-1C766808605F}"/>
               </a:ext>
             </a:extLst>
           </p:cNvPr>
@@ -4997,7 +4998,7 @@
           <p:cNvPr id="3" name="Notes Placeholder 2">
             <a:extLst>
               <a:ext uri="{FF2B5EF4-FFF2-40B4-BE49-F238E27FC236}">
-                <a16:creationId xmlns:a16="http://schemas.microsoft.com/office/drawing/2014/main" id="{A5D07424-398D-C314-5DEB-C9DBF62E9204}"/>
+                <a16:creationId xmlns:a16="http://schemas.microsoft.com/office/drawing/2014/main" id="{898806E9-F62F-F6FF-748B-340CED9586F0}"/>
               </a:ext>
             </a:extLst>
           </p:cNvPr>
@@ -5022,7 +5023,7 @@
           <p:cNvPr id="4" name="Slide Number Placeholder 3">
             <a:extLst>
               <a:ext uri="{FF2B5EF4-FFF2-40B4-BE49-F238E27FC236}">
-                <a16:creationId xmlns:a16="http://schemas.microsoft.com/office/drawing/2014/main" id="{5F898E71-BFB4-2B32-C5A3-EC3008FD450C}"/>
+                <a16:creationId xmlns:a16="http://schemas.microsoft.com/office/drawing/2014/main" id="{BE27579A-CE9B-026B-FCBD-98E9AB63AEFC}"/>
               </a:ext>
             </a:extLst>
           </p:cNvPr>
@@ -5049,7 +5050,7 @@
     </p:spTree>
     <p:extLst>
       <p:ext uri="{BB962C8B-B14F-4D97-AF65-F5344CB8AC3E}">
-        <p14:creationId xmlns:p14="http://schemas.microsoft.com/office/powerpoint/2010/main" val="693467958"/>
+        <p14:creationId xmlns:p14="http://schemas.microsoft.com/office/powerpoint/2010/main" val="3434235816"/>
       </p:ext>
     </p:extLst>
   </p:cSld>
@@ -5067,7 +5068,7 @@
         <p:cNvPr id="1" name="">
           <a:extLst>
             <a:ext uri="{FF2B5EF4-FFF2-40B4-BE49-F238E27FC236}">
-              <a16:creationId xmlns:a16="http://schemas.microsoft.com/office/drawing/2014/main" id="{4B303CB8-0903-BA28-A314-1B034E2677A5}"/>
+              <a16:creationId xmlns:a16="http://schemas.microsoft.com/office/drawing/2014/main" id="{72D4F2E0-86DF-89B4-EC43-4A7749B227B8}"/>
             </a:ext>
           </a:extLst>
         </p:cNvPr>
@@ -5087,7 +5088,7 @@
           <p:cNvPr id="2" name="Slide Image Placeholder 1">
             <a:extLst>
               <a:ext uri="{FF2B5EF4-FFF2-40B4-BE49-F238E27FC236}">
-                <a16:creationId xmlns:a16="http://schemas.microsoft.com/office/drawing/2014/main" id="{D07CC0CA-7077-0E7E-A439-1C766808605F}"/>
+                <a16:creationId xmlns:a16="http://schemas.microsoft.com/office/drawing/2014/main" id="{543BFE1F-6772-BB09-74A5-40FFF83C8131}"/>
               </a:ext>
             </a:extLst>
           </p:cNvPr>
@@ -5105,7 +5106,7 @@
           <p:cNvPr id="3" name="Notes Placeholder 2">
             <a:extLst>
               <a:ext uri="{FF2B5EF4-FFF2-40B4-BE49-F238E27FC236}">
-                <a16:creationId xmlns:a16="http://schemas.microsoft.com/office/drawing/2014/main" id="{898806E9-F62F-F6FF-748B-340CED9586F0}"/>
+                <a16:creationId xmlns:a16="http://schemas.microsoft.com/office/drawing/2014/main" id="{A5D07424-398D-C314-5DEB-C9DBF62E9204}"/>
               </a:ext>
             </a:extLst>
           </p:cNvPr>
@@ -5130,7 +5131,7 @@
           <p:cNvPr id="4" name="Slide Number Placeholder 3">
             <a:extLst>
               <a:ext uri="{FF2B5EF4-FFF2-40B4-BE49-F238E27FC236}">
-                <a16:creationId xmlns:a16="http://schemas.microsoft.com/office/drawing/2014/main" id="{BE27579A-CE9B-026B-FCBD-98E9AB63AEFC}"/>
+                <a16:creationId xmlns:a16="http://schemas.microsoft.com/office/drawing/2014/main" id="{5F898E71-BFB4-2B32-C5A3-EC3008FD450C}"/>
               </a:ext>
             </a:extLst>
           </p:cNvPr>
@@ -5157,7 +5158,7 @@
     </p:spTree>
     <p:extLst>
       <p:ext uri="{BB962C8B-B14F-4D97-AF65-F5344CB8AC3E}">
-        <p14:creationId xmlns:p14="http://schemas.microsoft.com/office/powerpoint/2010/main" val="3434235816"/>
+        <p14:creationId xmlns:p14="http://schemas.microsoft.com/office/powerpoint/2010/main" val="693467958"/>
       </p:ext>
     </p:extLst>
   </p:cSld>
@@ -5532,7 +5533,7 @@
           <a:p>
             <a:fld id="{1B0BBDAB-C853-4B20-8DA4-B532E281AD73}" type="datetimeFigureOut">
               <a:rPr lang="it-IT" smtClean="0"/>
-              <a:t>13/07/2025</a:t>
+              <a:t>15/07/2025</a:t>
             </a:fld>
             <a:endParaRPr lang="it-IT"/>
           </a:p>
@@ -5732,7 +5733,7 @@
           <a:p>
             <a:fld id="{1B0BBDAB-C853-4B20-8DA4-B532E281AD73}" type="datetimeFigureOut">
               <a:rPr lang="it-IT" smtClean="0"/>
-              <a:t>13/07/2025</a:t>
+              <a:t>15/07/2025</a:t>
             </a:fld>
             <a:endParaRPr lang="it-IT"/>
           </a:p>
@@ -5942,7 +5943,7 @@
           <a:p>
             <a:fld id="{1B0BBDAB-C853-4B20-8DA4-B532E281AD73}" type="datetimeFigureOut">
               <a:rPr lang="it-IT" smtClean="0"/>
-              <a:t>13/07/2025</a:t>
+              <a:t>15/07/2025</a:t>
             </a:fld>
             <a:endParaRPr lang="it-IT"/>
           </a:p>
@@ -6142,7 +6143,7 @@
           <a:p>
             <a:fld id="{1B0BBDAB-C853-4B20-8DA4-B532E281AD73}" type="datetimeFigureOut">
               <a:rPr lang="it-IT" smtClean="0"/>
-              <a:t>13/07/2025</a:t>
+              <a:t>15/07/2025</a:t>
             </a:fld>
             <a:endParaRPr lang="it-IT"/>
           </a:p>
@@ -6418,7 +6419,7 @@
           <a:p>
             <a:fld id="{1B0BBDAB-C853-4B20-8DA4-B532E281AD73}" type="datetimeFigureOut">
               <a:rPr lang="it-IT" smtClean="0"/>
-              <a:t>13/07/2025</a:t>
+              <a:t>15/07/2025</a:t>
             </a:fld>
             <a:endParaRPr lang="it-IT"/>
           </a:p>
@@ -6686,7 +6687,7 @@
           <a:p>
             <a:fld id="{1B0BBDAB-C853-4B20-8DA4-B532E281AD73}" type="datetimeFigureOut">
               <a:rPr lang="it-IT" smtClean="0"/>
-              <a:t>13/07/2025</a:t>
+              <a:t>15/07/2025</a:t>
             </a:fld>
             <a:endParaRPr lang="it-IT"/>
           </a:p>
@@ -7101,7 +7102,7 @@
           <a:p>
             <a:fld id="{1B0BBDAB-C853-4B20-8DA4-B532E281AD73}" type="datetimeFigureOut">
               <a:rPr lang="it-IT" smtClean="0"/>
-              <a:t>13/07/2025</a:t>
+              <a:t>15/07/2025</a:t>
             </a:fld>
             <a:endParaRPr lang="it-IT"/>
           </a:p>
@@ -7243,7 +7244,7 @@
           <a:p>
             <a:fld id="{1B0BBDAB-C853-4B20-8DA4-B532E281AD73}" type="datetimeFigureOut">
               <a:rPr lang="it-IT" smtClean="0"/>
-              <a:t>13/07/2025</a:t>
+              <a:t>15/07/2025</a:t>
             </a:fld>
             <a:endParaRPr lang="it-IT"/>
           </a:p>
@@ -7356,7 +7357,7 @@
           <a:p>
             <a:fld id="{1B0BBDAB-C853-4B20-8DA4-B532E281AD73}" type="datetimeFigureOut">
               <a:rPr lang="it-IT" smtClean="0"/>
-              <a:t>13/07/2025</a:t>
+              <a:t>15/07/2025</a:t>
             </a:fld>
             <a:endParaRPr lang="it-IT"/>
           </a:p>
@@ -7669,7 +7670,7 @@
           <a:p>
             <a:fld id="{1B0BBDAB-C853-4B20-8DA4-B532E281AD73}" type="datetimeFigureOut">
               <a:rPr lang="it-IT" smtClean="0"/>
-              <a:t>13/07/2025</a:t>
+              <a:t>15/07/2025</a:t>
             </a:fld>
             <a:endParaRPr lang="it-IT"/>
           </a:p>
@@ -7958,7 +7959,7 @@
           <a:p>
             <a:fld id="{1B0BBDAB-C853-4B20-8DA4-B532E281AD73}" type="datetimeFigureOut">
               <a:rPr lang="it-IT" smtClean="0"/>
-              <a:t>13/07/2025</a:t>
+              <a:t>15/07/2025</a:t>
             </a:fld>
             <a:endParaRPr lang="it-IT"/>
           </a:p>
@@ -8201,7 +8202,7 @@
           <a:p>
             <a:fld id="{1B0BBDAB-C853-4B20-8DA4-B532E281AD73}" type="datetimeFigureOut">
               <a:rPr lang="it-IT" smtClean="0"/>
-              <a:t>13/07/2025</a:t>
+              <a:t>15/07/2025</a:t>
             </a:fld>
             <a:endParaRPr lang="it-IT"/>
           </a:p>
@@ -9390,7 +9391,7 @@
         <p:cNvPr id="1" name="">
           <a:extLst>
             <a:ext uri="{FF2B5EF4-FFF2-40B4-BE49-F238E27FC236}">
-              <a16:creationId xmlns:a16="http://schemas.microsoft.com/office/drawing/2014/main" id="{20CEAE80-253A-831D-8009-669504F6733D}"/>
+              <a16:creationId xmlns:a16="http://schemas.microsoft.com/office/drawing/2014/main" id="{C43248BA-5AAA-8619-0A85-DB3F326A7B17}"/>
             </a:ext>
           </a:extLst>
         </p:cNvPr>
@@ -9407,7 +9408,7 @@
       </p:grpSpPr>
       <p:sp useBgFill="1">
         <p:nvSpPr>
-          <p:cNvPr id="5126" name="Rectangle 5125">
+          <p:cNvPr id="3078" name="Rectangle 3077">
             <a:extLst>
               <a:ext uri="{FF2B5EF4-FFF2-40B4-BE49-F238E27FC236}">
                 <a16:creationId xmlns:a16="http://schemas.microsoft.com/office/drawing/2014/main" id="{A8384FB5-9ADC-4DDC-881B-597D56F5B15D}"/>
@@ -9483,7 +9484,797 @@
       </p:sp>
       <p:sp>
         <p:nvSpPr>
-          <p:cNvPr id="5128" name="Rectangle 5127">
+          <p:cNvPr id="3080" name="Rectangle 3079">
+            <a:extLst>
+              <a:ext uri="{FF2B5EF4-FFF2-40B4-BE49-F238E27FC236}">
+                <a16:creationId xmlns:a16="http://schemas.microsoft.com/office/drawing/2014/main" id="{91E5A9A7-95C6-4F4F-B00E-C82E07FE62EF}"/>
+              </a:ext>
+              <a:ext uri="{C183D7F6-B498-43B3-948B-1728B52AA6E4}">
+                <adec:decorative xmlns:adec="http://schemas.microsoft.com/office/drawing/2017/decorative" val="1"/>
+              </a:ext>
+            </a:extLst>
+          </p:cNvPr>
+          <p:cNvSpPr>
+            <a:spLocks noGrp="1" noRot="1" noChangeAspect="1" noMove="1" noResize="1" noEditPoints="1" noAdjustHandles="1" noChangeArrowheads="1" noChangeShapeType="1" noTextEdit="1"/>
+          </p:cNvSpPr>
+          <p:nvPr>
+            <p:extLst>
+              <p:ext uri="{386F3935-93C4-4BCD-93E2-E3B085C9AB24}">
+                <p16:designElem xmlns:p16="http://schemas.microsoft.com/office/powerpoint/2015/main" val="1"/>
+              </p:ext>
+            </p:extLst>
+          </p:nvPr>
+        </p:nvSpPr>
+        <p:spPr>
+          <a:xfrm rot="5400000" flipH="1">
+            <a:off x="-1417539" y="1417538"/>
+            <a:ext cx="6875818" cy="4040744"/>
+          </a:xfrm>
+          <a:prstGeom prst="rect">
+            <a:avLst/>
+          </a:prstGeom>
+          <a:gradFill>
+            <a:gsLst>
+              <a:gs pos="0">
+                <a:srgbClr val="000000"/>
+              </a:gs>
+              <a:gs pos="100000">
+                <a:schemeClr val="accent1">
+                  <a:lumMod val="75000"/>
+                </a:schemeClr>
+              </a:gs>
+            </a:gsLst>
+            <a:lin ang="18600000" scaled="0"/>
+          </a:gradFill>
+          <a:ln>
+            <a:noFill/>
+          </a:ln>
+        </p:spPr>
+        <p:style>
+          <a:lnRef idx="2">
+            <a:schemeClr val="accent1">
+              <a:shade val="50000"/>
+            </a:schemeClr>
+          </a:lnRef>
+          <a:fillRef idx="1">
+            <a:schemeClr val="accent1"/>
+          </a:fillRef>
+          <a:effectRef idx="0">
+            <a:schemeClr val="accent1"/>
+          </a:effectRef>
+          <a:fontRef idx="minor">
+            <a:schemeClr val="lt1"/>
+          </a:fontRef>
+        </p:style>
+        <p:txBody>
+          <a:bodyPr rtlCol="0" anchor="ctr"/>
+          <a:lstStyle/>
+          <a:p>
+            <a:pPr algn="ctr"/>
+            <a:endParaRPr lang="en-US" dirty="0"/>
+          </a:p>
+        </p:txBody>
+      </p:sp>
+      <p:sp>
+        <p:nvSpPr>
+          <p:cNvPr id="3082" name="Rectangle 3081">
+            <a:extLst>
+              <a:ext uri="{FF2B5EF4-FFF2-40B4-BE49-F238E27FC236}">
+                <a16:creationId xmlns:a16="http://schemas.microsoft.com/office/drawing/2014/main" id="{D07DD2DE-F619-49DD-B5E7-03A290FF4ED1}"/>
+              </a:ext>
+              <a:ext uri="{C183D7F6-B498-43B3-948B-1728B52AA6E4}">
+                <adec:decorative xmlns:adec="http://schemas.microsoft.com/office/drawing/2017/decorative" val="1"/>
+              </a:ext>
+            </a:extLst>
+          </p:cNvPr>
+          <p:cNvSpPr>
+            <a:spLocks noGrp="1" noRot="1" noChangeAspect="1" noMove="1" noResize="1" noEditPoints="1" noAdjustHandles="1" noChangeArrowheads="1" noChangeShapeType="1" noTextEdit="1"/>
+          </p:cNvSpPr>
+          <p:nvPr>
+            <p:extLst>
+              <p:ext uri="{386F3935-93C4-4BCD-93E2-E3B085C9AB24}">
+                <p16:designElem xmlns:p16="http://schemas.microsoft.com/office/powerpoint/2015/main" val="1"/>
+              </p:ext>
+            </p:extLst>
+          </p:nvPr>
+        </p:nvSpPr>
+        <p:spPr>
+          <a:xfrm rot="16200000">
+            <a:off x="-158495" y="2660473"/>
+            <a:ext cx="4355594" cy="4038603"/>
+          </a:xfrm>
+          <a:prstGeom prst="rect">
+            <a:avLst/>
+          </a:prstGeom>
+          <a:gradFill>
+            <a:gsLst>
+              <a:gs pos="0">
+                <a:schemeClr val="accent1">
+                  <a:alpha val="50000"/>
+                </a:schemeClr>
+              </a:gs>
+              <a:gs pos="100000">
+                <a:schemeClr val="accent1">
+                  <a:lumMod val="50000"/>
+                  <a:alpha val="0"/>
+                </a:schemeClr>
+              </a:gs>
+            </a:gsLst>
+            <a:lin ang="11400000" scaled="0"/>
+          </a:gradFill>
+          <a:ln>
+            <a:noFill/>
+          </a:ln>
+        </p:spPr>
+        <p:style>
+          <a:lnRef idx="2">
+            <a:schemeClr val="accent1">
+              <a:shade val="50000"/>
+            </a:schemeClr>
+          </a:lnRef>
+          <a:fillRef idx="1">
+            <a:schemeClr val="accent1"/>
+          </a:fillRef>
+          <a:effectRef idx="0">
+            <a:schemeClr val="accent1"/>
+          </a:effectRef>
+          <a:fontRef idx="minor">
+            <a:schemeClr val="lt1"/>
+          </a:fontRef>
+        </p:style>
+        <p:txBody>
+          <a:bodyPr rtlCol="0" anchor="ctr"/>
+          <a:lstStyle/>
+          <a:p>
+            <a:pPr algn="ctr"/>
+            <a:endParaRPr lang="en-US"/>
+          </a:p>
+        </p:txBody>
+      </p:sp>
+      <p:sp>
+        <p:nvSpPr>
+          <p:cNvPr id="3084" name="Rectangle 3083">
+            <a:extLst>
+              <a:ext uri="{FF2B5EF4-FFF2-40B4-BE49-F238E27FC236}">
+                <a16:creationId xmlns:a16="http://schemas.microsoft.com/office/drawing/2014/main" id="{85149191-5F60-4A28-AAFF-039F96B0F3EC}"/>
+              </a:ext>
+              <a:ext uri="{C183D7F6-B498-43B3-948B-1728B52AA6E4}">
+                <adec:decorative xmlns:adec="http://schemas.microsoft.com/office/drawing/2017/decorative" val="1"/>
+              </a:ext>
+            </a:extLst>
+          </p:cNvPr>
+          <p:cNvSpPr>
+            <a:spLocks noGrp="1" noRot="1" noChangeAspect="1" noMove="1" noResize="1" noEditPoints="1" noAdjustHandles="1" noChangeArrowheads="1" noChangeShapeType="1" noTextEdit="1"/>
+          </p:cNvSpPr>
+          <p:nvPr>
+            <p:extLst>
+              <p:ext uri="{386F3935-93C4-4BCD-93E2-E3B085C9AB24}">
+                <p16:designElem xmlns:p16="http://schemas.microsoft.com/office/powerpoint/2015/main" val="1"/>
+              </p:ext>
+            </p:extLst>
+          </p:nvPr>
+        </p:nvSpPr>
+        <p:spPr>
+          <a:xfrm rot="16200000" flipH="1">
+            <a:off x="-1180882" y="1638085"/>
+            <a:ext cx="6857572" cy="3581401"/>
+          </a:xfrm>
+          <a:prstGeom prst="rect">
+            <a:avLst/>
+          </a:prstGeom>
+          <a:gradFill>
+            <a:gsLst>
+              <a:gs pos="0">
+                <a:srgbClr val="000000">
+                  <a:alpha val="59000"/>
+                </a:srgbClr>
+              </a:gs>
+              <a:gs pos="69000">
+                <a:schemeClr val="accent1">
+                  <a:alpha val="0"/>
+                </a:schemeClr>
+              </a:gs>
+            </a:gsLst>
+            <a:lin ang="13200000" scaled="0"/>
+          </a:gradFill>
+          <a:ln>
+            <a:noFill/>
+          </a:ln>
+        </p:spPr>
+        <p:style>
+          <a:lnRef idx="2">
+            <a:schemeClr val="accent1">
+              <a:shade val="50000"/>
+            </a:schemeClr>
+          </a:lnRef>
+          <a:fillRef idx="1">
+            <a:schemeClr val="accent1"/>
+          </a:fillRef>
+          <a:effectRef idx="0">
+            <a:schemeClr val="accent1"/>
+          </a:effectRef>
+          <a:fontRef idx="minor">
+            <a:schemeClr val="lt1"/>
+          </a:fontRef>
+        </p:style>
+        <p:txBody>
+          <a:bodyPr rtlCol="0" anchor="ctr"/>
+          <a:lstStyle/>
+          <a:p>
+            <a:pPr algn="ctr"/>
+            <a:endParaRPr lang="en-US" dirty="0"/>
+          </a:p>
+        </p:txBody>
+      </p:sp>
+      <p:sp>
+        <p:nvSpPr>
+          <p:cNvPr id="3086" name="Freeform: Shape 3085">
+            <a:extLst>
+              <a:ext uri="{FF2B5EF4-FFF2-40B4-BE49-F238E27FC236}">
+                <a16:creationId xmlns:a16="http://schemas.microsoft.com/office/drawing/2014/main" id="{F8260ED5-17F7-4158-B241-D51DD4CF1B7E}"/>
+              </a:ext>
+              <a:ext uri="{C183D7F6-B498-43B3-948B-1728B52AA6E4}">
+                <adec:decorative xmlns:adec="http://schemas.microsoft.com/office/drawing/2017/decorative" val="1"/>
+              </a:ext>
+            </a:extLst>
+          </p:cNvPr>
+          <p:cNvSpPr>
+            <a:spLocks noGrp="1" noRot="1" noChangeAspect="1" noMove="1" noResize="1" noEditPoints="1" noAdjustHandles="1" noChangeArrowheads="1" noChangeShapeType="1" noTextEdit="1"/>
+          </p:cNvSpPr>
+          <p:nvPr>
+            <p:extLst>
+              <p:ext uri="{386F3935-93C4-4BCD-93E2-E3B085C9AB24}">
+                <p16:designElem xmlns:p16="http://schemas.microsoft.com/office/powerpoint/2015/main" val="1"/>
+              </p:ext>
+            </p:extLst>
+          </p:nvPr>
+        </p:nvSpPr>
+        <p:spPr>
+          <a:xfrm rot="6097846">
+            <a:off x="-747355" y="1201312"/>
+            <a:ext cx="4808302" cy="4088666"/>
+          </a:xfrm>
+          <a:custGeom>
+            <a:avLst/>
+            <a:gdLst>
+              <a:gd name="connsiteX0" fmla="*/ 48844 w 4808302"/>
+              <a:gd name="connsiteY0" fmla="*/ 2888671 h 4088666"/>
+              <a:gd name="connsiteX1" fmla="*/ 0 w 4808302"/>
+              <a:gd name="connsiteY1" fmla="*/ 2404151 h 4088666"/>
+              <a:gd name="connsiteX2" fmla="*/ 2404151 w 4808302"/>
+              <a:gd name="connsiteY2" fmla="*/ 0 h 4088666"/>
+              <a:gd name="connsiteX3" fmla="*/ 4808302 w 4808302"/>
+              <a:gd name="connsiteY3" fmla="*/ 2404151 h 4088666"/>
+              <a:gd name="connsiteX4" fmla="*/ 4700216 w 4808302"/>
+              <a:gd name="connsiteY4" fmla="*/ 3119072 h 4088666"/>
+              <a:gd name="connsiteX5" fmla="*/ 4643143 w 4808302"/>
+              <a:gd name="connsiteY5" fmla="*/ 3275009 h 4088666"/>
+              <a:gd name="connsiteX6" fmla="*/ 690093 w 4808302"/>
+              <a:gd name="connsiteY6" fmla="*/ 4088666 h 4088666"/>
+              <a:gd name="connsiteX7" fmla="*/ 548991 w 4808302"/>
+              <a:gd name="connsiteY7" fmla="*/ 3933414 h 4088666"/>
+              <a:gd name="connsiteX8" fmla="*/ 48844 w 4808302"/>
+              <a:gd name="connsiteY8" fmla="*/ 2888671 h 4088666"/>
+            </a:gdLst>
+            <a:ahLst/>
+            <a:cxnLst>
+              <a:cxn ang="0">
+                <a:pos x="connsiteX0" y="connsiteY0"/>
+              </a:cxn>
+              <a:cxn ang="0">
+                <a:pos x="connsiteX1" y="connsiteY1"/>
+              </a:cxn>
+              <a:cxn ang="0">
+                <a:pos x="connsiteX2" y="connsiteY2"/>
+              </a:cxn>
+              <a:cxn ang="0">
+                <a:pos x="connsiteX3" y="connsiteY3"/>
+              </a:cxn>
+              <a:cxn ang="0">
+                <a:pos x="connsiteX4" y="connsiteY4"/>
+              </a:cxn>
+              <a:cxn ang="0">
+                <a:pos x="connsiteX5" y="connsiteY5"/>
+              </a:cxn>
+              <a:cxn ang="0">
+                <a:pos x="connsiteX6" y="connsiteY6"/>
+              </a:cxn>
+              <a:cxn ang="0">
+                <a:pos x="connsiteX7" y="connsiteY7"/>
+              </a:cxn>
+              <a:cxn ang="0">
+                <a:pos x="connsiteX8" y="connsiteY8"/>
+              </a:cxn>
+            </a:cxnLst>
+            <a:rect l="l" t="t" r="r" b="b"/>
+            <a:pathLst>
+              <a:path w="4808302" h="4088666">
+                <a:moveTo>
+                  <a:pt x="48844" y="2888671"/>
+                </a:moveTo>
+                <a:cubicBezTo>
+                  <a:pt x="16818" y="2732167"/>
+                  <a:pt x="0" y="2570123"/>
+                  <a:pt x="0" y="2404151"/>
+                </a:cubicBezTo>
+                <a:cubicBezTo>
+                  <a:pt x="0" y="1076375"/>
+                  <a:pt x="1076375" y="0"/>
+                  <a:pt x="2404151" y="0"/>
+                </a:cubicBezTo>
+                <a:cubicBezTo>
+                  <a:pt x="3731927" y="0"/>
+                  <a:pt x="4808302" y="1076375"/>
+                  <a:pt x="4808302" y="2404151"/>
+                </a:cubicBezTo>
+                <a:cubicBezTo>
+                  <a:pt x="4808302" y="2653109"/>
+                  <a:pt x="4770461" y="2893229"/>
+                  <a:pt x="4700216" y="3119072"/>
+                </a:cubicBezTo>
+                <a:lnTo>
+                  <a:pt x="4643143" y="3275009"/>
+                </a:lnTo>
+                <a:lnTo>
+                  <a:pt x="690093" y="4088666"/>
+                </a:lnTo>
+                <a:lnTo>
+                  <a:pt x="548991" y="3933414"/>
+                </a:lnTo>
+                <a:cubicBezTo>
+                  <a:pt x="304015" y="3636572"/>
+                  <a:pt x="128908" y="3279932"/>
+                  <a:pt x="48844" y="2888671"/>
+                </a:cubicBezTo>
+                <a:close/>
+              </a:path>
+            </a:pathLst>
+          </a:custGeom>
+          <a:gradFill>
+            <a:gsLst>
+              <a:gs pos="39000">
+                <a:schemeClr val="accent1">
+                  <a:lumMod val="60000"/>
+                  <a:lumOff val="40000"/>
+                  <a:alpha val="0"/>
+                </a:schemeClr>
+              </a:gs>
+              <a:gs pos="100000">
+                <a:schemeClr val="accent1">
+                  <a:lumMod val="75000"/>
+                  <a:alpha val="26000"/>
+                </a:schemeClr>
+              </a:gs>
+            </a:gsLst>
+            <a:lin ang="18600000" scaled="0"/>
+          </a:gradFill>
+          <a:ln>
+            <a:noFill/>
+          </a:ln>
+        </p:spPr>
+        <p:style>
+          <a:lnRef idx="2">
+            <a:schemeClr val="accent1">
+              <a:shade val="50000"/>
+            </a:schemeClr>
+          </a:lnRef>
+          <a:fillRef idx="1">
+            <a:schemeClr val="accent1"/>
+          </a:fillRef>
+          <a:effectRef idx="0">
+            <a:schemeClr val="accent1"/>
+          </a:effectRef>
+          <a:fontRef idx="minor">
+            <a:schemeClr val="lt1"/>
+          </a:fontRef>
+        </p:style>
+        <p:txBody>
+          <a:bodyPr wrap="square" rtlCol="0" anchor="ctr">
+            <a:noAutofit/>
+          </a:bodyPr>
+          <a:lstStyle/>
+          <a:p>
+            <a:pPr algn="ctr"/>
+            <a:endParaRPr lang="en-US" dirty="0"/>
+          </a:p>
+        </p:txBody>
+      </p:sp>
+      <p:sp>
+        <p:nvSpPr>
+          <p:cNvPr id="2" name="Title 1">
+            <a:extLst>
+              <a:ext uri="{FF2B5EF4-FFF2-40B4-BE49-F238E27FC236}">
+                <a16:creationId xmlns:a16="http://schemas.microsoft.com/office/drawing/2014/main" id="{CAC92269-DD1E-24AE-7ABC-37FCE33ECD56}"/>
+              </a:ext>
+            </a:extLst>
+          </p:cNvPr>
+          <p:cNvSpPr>
+            <a:spLocks noGrp="1"/>
+          </p:cNvSpPr>
+          <p:nvPr>
+            <p:ph type="title"/>
+          </p:nvPr>
+        </p:nvSpPr>
+        <p:spPr>
+          <a:xfrm>
+            <a:off x="660041" y="2767106"/>
+            <a:ext cx="2880828" cy="3071906"/>
+          </a:xfrm>
+        </p:spPr>
+        <p:txBody>
+          <a:bodyPr vert="horz" lIns="91440" tIns="45720" rIns="91440" bIns="45720" rtlCol="0" anchor="t">
+            <a:normAutofit/>
+          </a:bodyPr>
+          <a:lstStyle/>
+          <a:p>
+            <a:r>
+              <a:rPr lang="en-US" sz="3700" kern="1200">
+                <a:solidFill>
+                  <a:srgbClr val="FFFFFF"/>
+                </a:solidFill>
+                <a:latin typeface="+mj-lt"/>
+                <a:ea typeface="+mj-ea"/>
+                <a:cs typeface="+mj-cs"/>
+              </a:rPr>
+              <a:t>Distribuzione</a:t>
+            </a:r>
+            <a:r>
+              <a:rPr lang="en-US" sz="3700" kern="1200" dirty="0">
+                <a:solidFill>
+                  <a:srgbClr val="FFFFFF"/>
+                </a:solidFill>
+                <a:latin typeface="+mj-lt"/>
+                <a:ea typeface="+mj-ea"/>
+                <a:cs typeface="+mj-cs"/>
+              </a:rPr>
+              <a:t> </a:t>
+            </a:r>
+            <a:r>
+              <a:rPr lang="en-US" sz="3700" kern="1200">
+                <a:solidFill>
+                  <a:srgbClr val="FFFFFF"/>
+                </a:solidFill>
+                <a:latin typeface="+mj-lt"/>
+                <a:ea typeface="+mj-ea"/>
+                <a:cs typeface="+mj-cs"/>
+              </a:rPr>
+              <a:t>stazioni</a:t>
+            </a:r>
+            <a:r>
+              <a:rPr lang="en-US" sz="3700" kern="1200" dirty="0">
+                <a:solidFill>
+                  <a:srgbClr val="FFFFFF"/>
+                </a:solidFill>
+                <a:latin typeface="+mj-lt"/>
+                <a:ea typeface="+mj-ea"/>
+                <a:cs typeface="+mj-cs"/>
+              </a:rPr>
+              <a:t> </a:t>
+            </a:r>
+            <a:r>
+              <a:rPr lang="en-US" sz="3700" kern="1200">
+                <a:solidFill>
+                  <a:srgbClr val="FFFFFF"/>
+                </a:solidFill>
+                <a:latin typeface="+mj-lt"/>
+                <a:ea typeface="+mj-ea"/>
+                <a:cs typeface="+mj-cs"/>
+              </a:rPr>
+              <a:t>nel</a:t>
+            </a:r>
+            <a:r>
+              <a:rPr lang="en-US" sz="3700" kern="1200" dirty="0">
+                <a:solidFill>
+                  <a:srgbClr val="FFFFFF"/>
+                </a:solidFill>
+                <a:latin typeface="+mj-lt"/>
+                <a:ea typeface="+mj-ea"/>
+                <a:cs typeface="+mj-cs"/>
+              </a:rPr>
+              <a:t> </a:t>
+            </a:r>
+            <a:r>
+              <a:rPr lang="en-US" sz="3700" kern="1200">
+                <a:solidFill>
+                  <a:srgbClr val="FFFFFF"/>
+                </a:solidFill>
+                <a:latin typeface="+mj-lt"/>
+                <a:ea typeface="+mj-ea"/>
+                <a:cs typeface="+mj-cs"/>
+              </a:rPr>
+              <a:t>territorio</a:t>
+            </a:r>
+            <a:r>
+              <a:rPr lang="en-US" sz="3700" kern="1200" dirty="0">
+                <a:solidFill>
+                  <a:srgbClr val="FFFFFF"/>
+                </a:solidFill>
+                <a:latin typeface="+mj-lt"/>
+                <a:ea typeface="+mj-ea"/>
+                <a:cs typeface="+mj-cs"/>
+              </a:rPr>
+              <a:t> </a:t>
+            </a:r>
+            <a:r>
+              <a:rPr lang="en-US" sz="3700" kern="1200">
+                <a:solidFill>
+                  <a:srgbClr val="FFFFFF"/>
+                </a:solidFill>
+                <a:latin typeface="+mj-lt"/>
+                <a:ea typeface="+mj-ea"/>
+                <a:cs typeface="+mj-cs"/>
+              </a:rPr>
+              <a:t>italiano</a:t>
+            </a:r>
+            <a:endParaRPr lang="en-US" sz="3700" kern="1200" dirty="0">
+              <a:solidFill>
+                <a:srgbClr val="FFFFFF"/>
+              </a:solidFill>
+              <a:latin typeface="+mj-lt"/>
+              <a:ea typeface="+mj-ea"/>
+              <a:cs typeface="+mj-cs"/>
+            </a:endParaRPr>
+          </a:p>
+        </p:txBody>
+      </p:sp>
+      <p:pic>
+        <p:nvPicPr>
+          <p:cNvPr id="3073" name="Picture 1">
+            <a:extLst>
+              <a:ext uri="{FF2B5EF4-FFF2-40B4-BE49-F238E27FC236}">
+                <a16:creationId xmlns:a16="http://schemas.microsoft.com/office/drawing/2014/main" id="{E9096999-C974-C946-1E5C-F0C0A26A19C8}"/>
+              </a:ext>
+            </a:extLst>
+          </p:cNvPr>
+          <p:cNvPicPr>
+            <a:picLocks noGrp="1" noChangeAspect="1" noChangeArrowheads="1"/>
+          </p:cNvPicPr>
+          <p:nvPr>
+            <p:ph idx="1"/>
+          </p:nvPr>
+        </p:nvPicPr>
+        <p:blipFill>
+          <a:blip r:embed="rId3">
+            <a:extLst>
+              <a:ext uri="{28A0092B-C50C-407E-A947-70E740481C1C}">
+                <a14:useLocalDpi xmlns:a14="http://schemas.microsoft.com/office/drawing/2010/main" val="0"/>
+              </a:ext>
+            </a:extLst>
+          </a:blip>
+          <a:stretch>
+            <a:fillRect/>
+          </a:stretch>
+        </p:blipFill>
+        <p:spPr bwMode="auto">
+          <a:xfrm>
+            <a:off x="4601043" y="23296"/>
+            <a:ext cx="5602029" cy="6810977"/>
+          </a:xfrm>
+          <a:prstGeom prst="rect">
+            <a:avLst/>
+          </a:prstGeom>
+          <a:noFill/>
+          <a:extLst>
+            <a:ext uri="{909E8E84-426E-40DD-AFC4-6F175D3DCCD1}">
+              <a14:hiddenFill xmlns:a14="http://schemas.microsoft.com/office/drawing/2010/main">
+                <a:solidFill>
+                  <a:srgbClr val="FFFFFF"/>
+                </a:solidFill>
+              </a14:hiddenFill>
+            </a:ext>
+          </a:extLst>
+        </p:spPr>
+      </p:pic>
+      <p:sp>
+        <p:nvSpPr>
+          <p:cNvPr id="3" name="Oval 2">
+            <a:extLst>
+              <a:ext uri="{FF2B5EF4-FFF2-40B4-BE49-F238E27FC236}">
+                <a16:creationId xmlns:a16="http://schemas.microsoft.com/office/drawing/2014/main" id="{D0B6A712-3D88-B6F5-F676-05AD36964E55}"/>
+              </a:ext>
+            </a:extLst>
+          </p:cNvPr>
+          <p:cNvSpPr/>
+          <p:nvPr/>
+        </p:nvSpPr>
+        <p:spPr>
+          <a:xfrm>
+            <a:off x="10512447" y="6353175"/>
+            <a:ext cx="147828" cy="147828"/>
+          </a:xfrm>
+          <a:prstGeom prst="ellipse">
+            <a:avLst/>
+          </a:prstGeom>
+          <a:solidFill>
+            <a:srgbClr val="4443FA"/>
+          </a:solidFill>
+          <a:ln>
+            <a:noFill/>
+          </a:ln>
+        </p:spPr>
+        <p:style>
+          <a:lnRef idx="2">
+            <a:schemeClr val="accent1">
+              <a:shade val="15000"/>
+            </a:schemeClr>
+          </a:lnRef>
+          <a:fillRef idx="1">
+            <a:schemeClr val="accent1"/>
+          </a:fillRef>
+          <a:effectRef idx="0">
+            <a:schemeClr val="accent1"/>
+          </a:effectRef>
+          <a:fontRef idx="minor">
+            <a:schemeClr val="lt1"/>
+          </a:fontRef>
+        </p:style>
+        <p:txBody>
+          <a:bodyPr rtlCol="0" anchor="ctr"/>
+          <a:lstStyle/>
+          <a:p>
+            <a:pPr algn="ctr"/>
+            <a:endParaRPr lang="it-IT"/>
+          </a:p>
+        </p:txBody>
+      </p:sp>
+      <p:sp>
+        <p:nvSpPr>
+          <p:cNvPr id="4" name="TextBox 3">
+            <a:extLst>
+              <a:ext uri="{FF2B5EF4-FFF2-40B4-BE49-F238E27FC236}">
+                <a16:creationId xmlns:a16="http://schemas.microsoft.com/office/drawing/2014/main" id="{946F690D-5F20-0F16-E0CA-92272EA78265}"/>
+              </a:ext>
+            </a:extLst>
+          </p:cNvPr>
+          <p:cNvSpPr txBox="1"/>
+          <p:nvPr/>
+        </p:nvSpPr>
+        <p:spPr>
+          <a:xfrm>
+            <a:off x="10648896" y="6264109"/>
+            <a:ext cx="1097280" cy="523220"/>
+          </a:xfrm>
+          <a:prstGeom prst="rect">
+            <a:avLst/>
+          </a:prstGeom>
+          <a:noFill/>
+        </p:spPr>
+        <p:txBody>
+          <a:bodyPr wrap="square" rtlCol="0">
+            <a:spAutoFit/>
+          </a:bodyPr>
+          <a:lstStyle/>
+          <a:p>
+            <a:r>
+              <a:rPr lang="it-IT" sz="1400" dirty="0"/>
+              <a:t>Stazione ferroviaria</a:t>
+            </a:r>
+          </a:p>
+        </p:txBody>
+      </p:sp>
+    </p:spTree>
+    <p:extLst>
+      <p:ext uri="{BB962C8B-B14F-4D97-AF65-F5344CB8AC3E}">
+        <p14:creationId xmlns:p14="http://schemas.microsoft.com/office/powerpoint/2010/main" val="3086293249"/>
+      </p:ext>
+    </p:extLst>
+  </p:cSld>
+  <p:clrMapOvr>
+    <a:masterClrMapping/>
+  </p:clrMapOvr>
+</p:sld>
+</file>
+
+<file path=ppt/slides/slide11.xml><?xml version="1.0" encoding="utf-8"?>
+<p:sld xmlns:a="http://schemas.openxmlformats.org/drawingml/2006/main" xmlns:r="http://schemas.openxmlformats.org/officeDocument/2006/relationships" xmlns:p="http://schemas.openxmlformats.org/presentationml/2006/main">
+  <p:cSld>
+    <p:bg>
+      <p:bgPr>
+        <a:solidFill>
+          <a:schemeClr val="bg1"/>
+        </a:solidFill>
+        <a:effectLst/>
+      </p:bgPr>
+    </p:bg>
+    <p:spTree>
+      <p:nvGrpSpPr>
+        <p:cNvPr id="1" name="">
+          <a:extLst>
+            <a:ext uri="{FF2B5EF4-FFF2-40B4-BE49-F238E27FC236}">
+              <a16:creationId xmlns:a16="http://schemas.microsoft.com/office/drawing/2014/main" id="{18127105-B425-C9F7-B162-7952253A9233}"/>
+            </a:ext>
+          </a:extLst>
+        </p:cNvPr>
+        <p:cNvGrpSpPr/>
+        <p:nvPr/>
+      </p:nvGrpSpPr>
+      <p:grpSpPr>
+        <a:xfrm>
+          <a:off x="0" y="0"/>
+          <a:ext cx="0" cy="0"/>
+          <a:chOff x="0" y="0"/>
+          <a:chExt cx="0" cy="0"/>
+        </a:xfrm>
+      </p:grpSpPr>
+      <p:sp useBgFill="1">
+        <p:nvSpPr>
+          <p:cNvPr id="3091" name="Rectangle 3090">
+            <a:extLst>
+              <a:ext uri="{FF2B5EF4-FFF2-40B4-BE49-F238E27FC236}">
+                <a16:creationId xmlns:a16="http://schemas.microsoft.com/office/drawing/2014/main" id="{A8384FB5-9ADC-4DDC-881B-597D56F5B15D}"/>
+              </a:ext>
+              <a:ext uri="{C183D7F6-B498-43B3-948B-1728B52AA6E4}">
+                <adec:decorative xmlns:adec="http://schemas.microsoft.com/office/drawing/2017/decorative" val="1"/>
+              </a:ext>
+            </a:extLst>
+          </p:cNvPr>
+          <p:cNvSpPr>
+            <a:spLocks noGrp="1" noRot="1" noChangeAspect="1" noMove="1" noResize="1" noEditPoints="1" noAdjustHandles="1" noChangeArrowheads="1" noChangeShapeType="1" noTextEdit="1"/>
+          </p:cNvSpPr>
+          <p:nvPr>
+            <p:extLst>
+              <p:ext uri="{386F3935-93C4-4BCD-93E2-E3B085C9AB24}">
+                <p16:designElem xmlns:p16="http://schemas.microsoft.com/office/powerpoint/2015/main" val="1"/>
+              </p:ext>
+            </p:extLst>
+          </p:nvPr>
+        </p:nvSpPr>
+        <p:spPr>
+          <a:xfrm>
+            <a:off x="0" y="0"/>
+            <a:ext cx="12192000" cy="6858000"/>
+          </a:xfrm>
+          <a:prstGeom prst="rect">
+            <a:avLst/>
+          </a:prstGeom>
+          <a:ln w="12700" cap="flat" cmpd="sng" algn="ctr">
+            <a:noFill/>
+            <a:prstDash val="solid"/>
+            <a:miter lim="800000"/>
+          </a:ln>
+          <a:effectLst/>
+          <a:extLst>
+            <a:ext uri="{91240B29-F687-4F45-9708-019B960494DF}">
+              <a14:hiddenLine xmlns:a14="http://schemas.microsoft.com/office/drawing/2010/main" w="12700" cap="flat" cmpd="sng" algn="ctr">
+                <a:solidFill>
+                  <a:schemeClr val="accent1">
+                    <a:shade val="50000"/>
+                  </a:schemeClr>
+                </a:solidFill>
+                <a:prstDash val="solid"/>
+                <a:miter lim="800000"/>
+              </a14:hiddenLine>
+            </a:ext>
+          </a:extLst>
+        </p:spPr>
+        <p:style>
+          <a:lnRef idx="2">
+            <a:schemeClr val="accent1">
+              <a:shade val="50000"/>
+            </a:schemeClr>
+          </a:lnRef>
+          <a:fillRef idx="1">
+            <a:schemeClr val="accent1"/>
+          </a:fillRef>
+          <a:effectRef idx="0">
+            <a:schemeClr val="accent1"/>
+          </a:effectRef>
+          <a:fontRef idx="minor">
+            <a:schemeClr val="lt1"/>
+          </a:fontRef>
+        </p:style>
+        <p:txBody>
+          <a:bodyPr rtlCol="0" anchor="ctr"/>
+          <a:lstStyle/>
+          <a:p>
+            <a:pPr algn="ctr"/>
+            <a:endParaRPr lang="en-US"/>
+          </a:p>
+        </p:txBody>
+      </p:sp>
+      <p:sp>
+        <p:nvSpPr>
+          <p:cNvPr id="3093" name="Rectangle 3092">
             <a:extLst>
               <a:ext uri="{FF2B5EF4-FFF2-40B4-BE49-F238E27FC236}">
                 <a16:creationId xmlns:a16="http://schemas.microsoft.com/office/drawing/2014/main" id="{1199E1B1-A8C0-4FE8-A5A8-1CB41D69F857}"/>
@@ -9558,7 +10349,7 @@
       </p:sp>
       <p:sp>
         <p:nvSpPr>
-          <p:cNvPr id="5130" name="Rectangle 5129">
+          <p:cNvPr id="3095" name="Rectangle 3094">
             <a:extLst>
               <a:ext uri="{FF2B5EF4-FFF2-40B4-BE49-F238E27FC236}">
                 <a16:creationId xmlns:a16="http://schemas.microsoft.com/office/drawing/2014/main" id="{84A8DE83-DE75-4B41-9DB4-A7EC0B0DEC0B}"/>
@@ -9635,7 +10426,7 @@
       </p:sp>
       <p:sp>
         <p:nvSpPr>
-          <p:cNvPr id="5132" name="Rectangle 5131">
+          <p:cNvPr id="3097" name="Rectangle 3096">
             <a:extLst>
               <a:ext uri="{FF2B5EF4-FFF2-40B4-BE49-F238E27FC236}">
                 <a16:creationId xmlns:a16="http://schemas.microsoft.com/office/drawing/2014/main" id="{A7009A0A-BEF5-4EAC-AF15-E4F9F002E239}"/>
@@ -9713,7 +10504,7 @@
           <p:cNvPr id="2" name="Title 1">
             <a:extLst>
               <a:ext uri="{FF2B5EF4-FFF2-40B4-BE49-F238E27FC236}">
-                <a16:creationId xmlns:a16="http://schemas.microsoft.com/office/drawing/2014/main" id="{4BE7800B-138D-F755-9F56-391B5B0A6935}"/>
+                <a16:creationId xmlns:a16="http://schemas.microsoft.com/office/drawing/2014/main" id="{84B48C48-A4F0-E6B7-4EC2-CD20398D9809}"/>
               </a:ext>
             </a:extLst>
           </p:cNvPr>
@@ -9733,527 +10524,6 @@
         <p:txBody>
           <a:bodyPr vert="horz" lIns="91440" tIns="45720" rIns="91440" bIns="45720" rtlCol="0" anchor="ctr">
             <a:normAutofit fontScale="90000"/>
-          </a:bodyPr>
-          <a:lstStyle/>
-          <a:p>
-            <a:r>
-              <a:rPr lang="en-US" sz="4000" kern="1200" dirty="0">
-                <a:solidFill>
-                  <a:srgbClr val="FFFFFF"/>
-                </a:solidFill>
-                <a:latin typeface="+mj-lt"/>
-                <a:ea typeface="+mj-ea"/>
-                <a:cs typeface="+mj-cs"/>
-              </a:rPr>
-              <a:t>Trend </a:t>
-            </a:r>
-            <a:r>
-              <a:rPr lang="en-US" sz="4000" kern="1200" dirty="0" err="1">
-                <a:solidFill>
-                  <a:srgbClr val="FFFFFF"/>
-                </a:solidFill>
-                <a:latin typeface="+mj-lt"/>
-                <a:ea typeface="+mj-ea"/>
-                <a:cs typeface="+mj-cs"/>
-              </a:rPr>
-              <a:t>ritardo</a:t>
-            </a:r>
-            <a:r>
-              <a:rPr lang="en-US" sz="4000" kern="1200" dirty="0">
-                <a:solidFill>
-                  <a:srgbClr val="FFFFFF"/>
-                </a:solidFill>
-                <a:latin typeface="+mj-lt"/>
-                <a:ea typeface="+mj-ea"/>
-                <a:cs typeface="+mj-cs"/>
-              </a:rPr>
-              <a:t> </a:t>
-            </a:r>
-            <a:r>
-              <a:rPr lang="en-US" sz="4000" kern="1200" dirty="0" err="1">
-                <a:solidFill>
-                  <a:srgbClr val="FFFFFF"/>
-                </a:solidFill>
-                <a:latin typeface="+mj-lt"/>
-                <a:ea typeface="+mj-ea"/>
-                <a:cs typeface="+mj-cs"/>
-              </a:rPr>
-              <a:t>nel</a:t>
-            </a:r>
-            <a:r>
-              <a:rPr lang="en-US" sz="4000" kern="1200" dirty="0">
-                <a:solidFill>
-                  <a:srgbClr val="FFFFFF"/>
-                </a:solidFill>
-                <a:latin typeface="+mj-lt"/>
-                <a:ea typeface="+mj-ea"/>
-                <a:cs typeface="+mj-cs"/>
-              </a:rPr>
-              <a:t> </a:t>
-            </a:r>
-            <a:r>
-              <a:rPr lang="en-US" sz="4000" kern="1200" dirty="0" err="1">
-                <a:solidFill>
-                  <a:srgbClr val="FFFFFF"/>
-                </a:solidFill>
-                <a:latin typeface="+mj-lt"/>
-                <a:ea typeface="+mj-ea"/>
-                <a:cs typeface="+mj-cs"/>
-              </a:rPr>
-              <a:t>periodo</a:t>
-            </a:r>
-            <a:r>
-              <a:rPr lang="en-US" sz="4000" kern="1200" dirty="0">
-                <a:solidFill>
-                  <a:srgbClr val="FFFFFF"/>
-                </a:solidFill>
-                <a:latin typeface="+mj-lt"/>
-                <a:ea typeface="+mj-ea"/>
-                <a:cs typeface="+mj-cs"/>
-              </a:rPr>
-              <a:t> </a:t>
-            </a:r>
-            <a:r>
-              <a:rPr lang="en-US" sz="4000" kern="1200" dirty="0" err="1">
-                <a:solidFill>
-                  <a:srgbClr val="FFFFFF"/>
-                </a:solidFill>
-                <a:latin typeface="+mj-lt"/>
-                <a:ea typeface="+mj-ea"/>
-                <a:cs typeface="+mj-cs"/>
-              </a:rPr>
-              <a:t>selezionato</a:t>
-            </a:r>
-            <a:endParaRPr lang="en-US" sz="4000" kern="1200" dirty="0">
-              <a:solidFill>
-                <a:srgbClr val="FFFFFF"/>
-              </a:solidFill>
-              <a:latin typeface="+mj-lt"/>
-              <a:ea typeface="+mj-ea"/>
-              <a:cs typeface="+mj-cs"/>
-            </a:endParaRPr>
-          </a:p>
-        </p:txBody>
-      </p:sp>
-      <p:pic>
-        <p:nvPicPr>
-          <p:cNvPr id="1025" name="Picture 1">
-            <a:extLst>
-              <a:ext uri="{FF2B5EF4-FFF2-40B4-BE49-F238E27FC236}">
-                <a16:creationId xmlns:a16="http://schemas.microsoft.com/office/drawing/2014/main" id="{AA14BA26-708E-A5F0-66DC-44049BCBC5F4}"/>
-              </a:ext>
-            </a:extLst>
-          </p:cNvPr>
-          <p:cNvPicPr>
-            <a:picLocks noChangeAspect="1" noChangeArrowheads="1"/>
-          </p:cNvPicPr>
-          <p:nvPr/>
-        </p:nvPicPr>
-        <p:blipFill>
-          <a:blip r:embed="rId3">
-            <a:extLst>
-              <a:ext uri="{28A0092B-C50C-407E-A947-70E740481C1C}">
-                <a14:useLocalDpi xmlns:a14="http://schemas.microsoft.com/office/drawing/2010/main" val="0"/>
-              </a:ext>
-            </a:extLst>
-          </a:blip>
-          <a:srcRect/>
-          <a:stretch>
-            <a:fillRect/>
-          </a:stretch>
-        </p:blipFill>
-        <p:spPr bwMode="auto">
-          <a:xfrm>
-            <a:off x="739930" y="1574310"/>
-            <a:ext cx="10712140" cy="5283690"/>
-          </a:xfrm>
-          <a:prstGeom prst="rect">
-            <a:avLst/>
-          </a:prstGeom>
-          <a:noFill/>
-          <a:extLst>
-            <a:ext uri="{909E8E84-426E-40DD-AFC4-6F175D3DCCD1}">
-              <a14:hiddenFill xmlns:a14="http://schemas.microsoft.com/office/drawing/2010/main">
-                <a:solidFill>
-                  <a:srgbClr val="FFFFFF"/>
-                </a:solidFill>
-              </a14:hiddenFill>
-            </a:ext>
-          </a:extLst>
-        </p:spPr>
-      </p:pic>
-    </p:spTree>
-    <p:extLst>
-      <p:ext uri="{BB962C8B-B14F-4D97-AF65-F5344CB8AC3E}">
-        <p14:creationId xmlns:p14="http://schemas.microsoft.com/office/powerpoint/2010/main" val="1675110339"/>
-      </p:ext>
-    </p:extLst>
-  </p:cSld>
-  <p:clrMapOvr>
-    <a:masterClrMapping/>
-  </p:clrMapOvr>
-</p:sld>
-</file>
-
-<file path=ppt/slides/slide11.xml><?xml version="1.0" encoding="utf-8"?>
-<p:sld xmlns:a="http://schemas.openxmlformats.org/drawingml/2006/main" xmlns:r="http://schemas.openxmlformats.org/officeDocument/2006/relationships" xmlns:p="http://schemas.openxmlformats.org/presentationml/2006/main">
-  <p:cSld>
-    <p:bg>
-      <p:bgPr>
-        <a:solidFill>
-          <a:schemeClr val="bg1"/>
-        </a:solidFill>
-        <a:effectLst/>
-      </p:bgPr>
-    </p:bg>
-    <p:spTree>
-      <p:nvGrpSpPr>
-        <p:cNvPr id="1" name="">
-          <a:extLst>
-            <a:ext uri="{FF2B5EF4-FFF2-40B4-BE49-F238E27FC236}">
-              <a16:creationId xmlns:a16="http://schemas.microsoft.com/office/drawing/2014/main" id="{18127105-B425-C9F7-B162-7952253A9233}"/>
-            </a:ext>
-          </a:extLst>
-        </p:cNvPr>
-        <p:cNvGrpSpPr/>
-        <p:nvPr/>
-      </p:nvGrpSpPr>
-      <p:grpSpPr>
-        <a:xfrm>
-          <a:off x="0" y="0"/>
-          <a:ext cx="0" cy="0"/>
-          <a:chOff x="0" y="0"/>
-          <a:chExt cx="0" cy="0"/>
-        </a:xfrm>
-      </p:grpSpPr>
-      <p:sp useBgFill="1">
-        <p:nvSpPr>
-          <p:cNvPr id="3091" name="Rectangle 3090">
-            <a:extLst>
-              <a:ext uri="{FF2B5EF4-FFF2-40B4-BE49-F238E27FC236}">
-                <a16:creationId xmlns:a16="http://schemas.microsoft.com/office/drawing/2014/main" id="{A8384FB5-9ADC-4DDC-881B-597D56F5B15D}"/>
-              </a:ext>
-              <a:ext uri="{C183D7F6-B498-43B3-948B-1728B52AA6E4}">
-                <adec:decorative xmlns:adec="http://schemas.microsoft.com/office/drawing/2017/decorative" val="1"/>
-              </a:ext>
-            </a:extLst>
-          </p:cNvPr>
-          <p:cNvSpPr>
-            <a:spLocks noGrp="1" noRot="1" noChangeAspect="1" noMove="1" noResize="1" noEditPoints="1" noAdjustHandles="1" noChangeArrowheads="1" noChangeShapeType="1" noTextEdit="1"/>
-          </p:cNvSpPr>
-          <p:nvPr>
-            <p:extLst>
-              <p:ext uri="{386F3935-93C4-4BCD-93E2-E3B085C9AB24}">
-                <p16:designElem xmlns:p16="http://schemas.microsoft.com/office/powerpoint/2015/main" val="1"/>
-              </p:ext>
-            </p:extLst>
-          </p:nvPr>
-        </p:nvSpPr>
-        <p:spPr>
-          <a:xfrm>
-            <a:off x="0" y="0"/>
-            <a:ext cx="12192000" cy="6858000"/>
-          </a:xfrm>
-          <a:prstGeom prst="rect">
-            <a:avLst/>
-          </a:prstGeom>
-          <a:ln w="12700" cap="flat" cmpd="sng" algn="ctr">
-            <a:noFill/>
-            <a:prstDash val="solid"/>
-            <a:miter lim="800000"/>
-          </a:ln>
-          <a:effectLst/>
-          <a:extLst>
-            <a:ext uri="{91240B29-F687-4F45-9708-019B960494DF}">
-              <a14:hiddenLine xmlns:a14="http://schemas.microsoft.com/office/drawing/2010/main" w="12700" cap="flat" cmpd="sng" algn="ctr">
-                <a:solidFill>
-                  <a:schemeClr val="accent1">
-                    <a:shade val="50000"/>
-                  </a:schemeClr>
-                </a:solidFill>
-                <a:prstDash val="solid"/>
-                <a:miter lim="800000"/>
-              </a14:hiddenLine>
-            </a:ext>
-          </a:extLst>
-        </p:spPr>
-        <p:style>
-          <a:lnRef idx="2">
-            <a:schemeClr val="accent1">
-              <a:shade val="50000"/>
-            </a:schemeClr>
-          </a:lnRef>
-          <a:fillRef idx="1">
-            <a:schemeClr val="accent1"/>
-          </a:fillRef>
-          <a:effectRef idx="0">
-            <a:schemeClr val="accent1"/>
-          </a:effectRef>
-          <a:fontRef idx="minor">
-            <a:schemeClr val="lt1"/>
-          </a:fontRef>
-        </p:style>
-        <p:txBody>
-          <a:bodyPr rtlCol="0" anchor="ctr"/>
-          <a:lstStyle/>
-          <a:p>
-            <a:pPr algn="ctr"/>
-            <a:endParaRPr lang="en-US"/>
-          </a:p>
-        </p:txBody>
-      </p:sp>
-      <p:sp>
-        <p:nvSpPr>
-          <p:cNvPr id="3093" name="Rectangle 3092">
-            <a:extLst>
-              <a:ext uri="{FF2B5EF4-FFF2-40B4-BE49-F238E27FC236}">
-                <a16:creationId xmlns:a16="http://schemas.microsoft.com/office/drawing/2014/main" id="{1199E1B1-A8C0-4FE8-A5A8-1CB41D69F857}"/>
-              </a:ext>
-              <a:ext uri="{C183D7F6-B498-43B3-948B-1728B52AA6E4}">
-                <adec:decorative xmlns:adec="http://schemas.microsoft.com/office/drawing/2017/decorative" val="1"/>
-              </a:ext>
-            </a:extLst>
-          </p:cNvPr>
-          <p:cNvSpPr>
-            <a:spLocks noGrp="1" noRot="1" noChangeAspect="1" noMove="1" noResize="1" noEditPoints="1" noAdjustHandles="1" noChangeArrowheads="1" noChangeShapeType="1" noTextEdit="1"/>
-          </p:cNvSpPr>
-          <p:nvPr>
-            <p:extLst>
-              <p:ext uri="{386F3935-93C4-4BCD-93E2-E3B085C9AB24}">
-                <p16:designElem xmlns:p16="http://schemas.microsoft.com/office/powerpoint/2015/main" val="1"/>
-              </p:ext>
-            </p:extLst>
-          </p:nvPr>
-        </p:nvSpPr>
-        <p:spPr>
-          <a:xfrm rot="10800000" flipH="1">
-            <a:off x="2" y="0"/>
-            <a:ext cx="12191998" cy="1575955"/>
-          </a:xfrm>
-          <a:prstGeom prst="rect">
-            <a:avLst/>
-          </a:prstGeom>
-          <a:gradFill>
-            <a:gsLst>
-              <a:gs pos="0">
-                <a:srgbClr val="000000">
-                  <a:alpha val="96000"/>
-                </a:srgbClr>
-              </a:gs>
-              <a:gs pos="100000">
-                <a:schemeClr val="accent1">
-                  <a:lumMod val="75000"/>
-                </a:schemeClr>
-              </a:gs>
-            </a:gsLst>
-            <a:lin ang="6000000" scaled="0"/>
-          </a:gradFill>
-          <a:ln>
-            <a:noFill/>
-          </a:ln>
-        </p:spPr>
-        <p:style>
-          <a:lnRef idx="2">
-            <a:schemeClr val="accent1">
-              <a:shade val="50000"/>
-            </a:schemeClr>
-          </a:lnRef>
-          <a:fillRef idx="1">
-            <a:schemeClr val="accent1"/>
-          </a:fillRef>
-          <a:effectRef idx="0">
-            <a:schemeClr val="accent1"/>
-          </a:effectRef>
-          <a:fontRef idx="minor">
-            <a:schemeClr val="lt1"/>
-          </a:fontRef>
-        </p:style>
-        <p:txBody>
-          <a:bodyPr rtlCol="0" anchor="ctr"/>
-          <a:lstStyle/>
-          <a:p>
-            <a:pPr algn="ctr"/>
-            <a:endParaRPr lang="en-US"/>
-          </a:p>
-        </p:txBody>
-      </p:sp>
-      <p:sp>
-        <p:nvSpPr>
-          <p:cNvPr id="3095" name="Rectangle 3094">
-            <a:extLst>
-              <a:ext uri="{FF2B5EF4-FFF2-40B4-BE49-F238E27FC236}">
-                <a16:creationId xmlns:a16="http://schemas.microsoft.com/office/drawing/2014/main" id="{84A8DE83-DE75-4B41-9DB4-A7EC0B0DEC0B}"/>
-              </a:ext>
-              <a:ext uri="{C183D7F6-B498-43B3-948B-1728B52AA6E4}">
-                <adec:decorative xmlns:adec="http://schemas.microsoft.com/office/drawing/2017/decorative" val="1"/>
-              </a:ext>
-            </a:extLst>
-          </p:cNvPr>
-          <p:cNvSpPr>
-            <a:spLocks noGrp="1" noRot="1" noChangeAspect="1" noMove="1" noResize="1" noEditPoints="1" noAdjustHandles="1" noChangeArrowheads="1" noChangeShapeType="1" noTextEdit="1"/>
-          </p:cNvSpPr>
-          <p:nvPr>
-            <p:extLst>
-              <p:ext uri="{386F3935-93C4-4BCD-93E2-E3B085C9AB24}">
-                <p16:designElem xmlns:p16="http://schemas.microsoft.com/office/powerpoint/2015/main" val="1"/>
-              </p:ext>
-            </p:extLst>
-          </p:nvPr>
-        </p:nvSpPr>
-        <p:spPr>
-          <a:xfrm>
-            <a:off x="0" y="0"/>
-            <a:ext cx="8128856" cy="1575461"/>
-          </a:xfrm>
-          <a:prstGeom prst="rect">
-            <a:avLst/>
-          </a:prstGeom>
-          <a:gradFill>
-            <a:gsLst>
-              <a:gs pos="0">
-                <a:schemeClr val="accent1">
-                  <a:alpha val="41000"/>
-                </a:schemeClr>
-              </a:gs>
-              <a:gs pos="74000">
-                <a:schemeClr val="accent1">
-                  <a:lumMod val="60000"/>
-                  <a:lumOff val="40000"/>
-                  <a:alpha val="0"/>
-                </a:schemeClr>
-              </a:gs>
-            </a:gsLst>
-            <a:lin ang="8400000" scaled="0"/>
-          </a:gradFill>
-          <a:ln>
-            <a:noFill/>
-          </a:ln>
-        </p:spPr>
-        <p:style>
-          <a:lnRef idx="2">
-            <a:schemeClr val="accent1">
-              <a:shade val="50000"/>
-            </a:schemeClr>
-          </a:lnRef>
-          <a:fillRef idx="1">
-            <a:schemeClr val="accent1"/>
-          </a:fillRef>
-          <a:effectRef idx="0">
-            <a:schemeClr val="accent1"/>
-          </a:effectRef>
-          <a:fontRef idx="minor">
-            <a:schemeClr val="lt1"/>
-          </a:fontRef>
-        </p:style>
-        <p:txBody>
-          <a:bodyPr rtlCol="0" anchor="ctr"/>
-          <a:lstStyle/>
-          <a:p>
-            <a:pPr algn="ctr"/>
-            <a:endParaRPr lang="en-US"/>
-          </a:p>
-        </p:txBody>
-      </p:sp>
-      <p:sp>
-        <p:nvSpPr>
-          <p:cNvPr id="3097" name="Rectangle 3096">
-            <a:extLst>
-              <a:ext uri="{FF2B5EF4-FFF2-40B4-BE49-F238E27FC236}">
-                <a16:creationId xmlns:a16="http://schemas.microsoft.com/office/drawing/2014/main" id="{A7009A0A-BEF5-4EAC-AF15-E4F9F002E239}"/>
-              </a:ext>
-              <a:ext uri="{C183D7F6-B498-43B3-948B-1728B52AA6E4}">
-                <adec:decorative xmlns:adec="http://schemas.microsoft.com/office/drawing/2017/decorative" val="1"/>
-              </a:ext>
-            </a:extLst>
-          </p:cNvPr>
-          <p:cNvSpPr>
-            <a:spLocks noGrp="1" noRot="1" noChangeAspect="1" noMove="1" noResize="1" noEditPoints="1" noAdjustHandles="1" noChangeArrowheads="1" noChangeShapeType="1" noTextEdit="1"/>
-          </p:cNvSpPr>
-          <p:nvPr>
-            <p:extLst>
-              <p:ext uri="{386F3935-93C4-4BCD-93E2-E3B085C9AB24}">
-                <p16:designElem xmlns:p16="http://schemas.microsoft.com/office/powerpoint/2015/main" val="1"/>
-              </p:ext>
-            </p:extLst>
-          </p:nvPr>
-        </p:nvSpPr>
-        <p:spPr>
-          <a:xfrm flipH="1">
-            <a:off x="-3" y="-1"/>
-            <a:ext cx="12192002" cy="1574311"/>
-          </a:xfrm>
-          <a:prstGeom prst="rect">
-            <a:avLst/>
-          </a:prstGeom>
-          <a:gradFill>
-            <a:gsLst>
-              <a:gs pos="0">
-                <a:srgbClr val="000000">
-                  <a:alpha val="63000"/>
-                </a:srgbClr>
-              </a:gs>
-              <a:gs pos="78000">
-                <a:schemeClr val="accent1">
-                  <a:alpha val="15000"/>
-                </a:schemeClr>
-              </a:gs>
-            </a:gsLst>
-            <a:lin ang="15600000" scaled="0"/>
-          </a:gradFill>
-          <a:ln>
-            <a:noFill/>
-          </a:ln>
-        </p:spPr>
-        <p:style>
-          <a:lnRef idx="2">
-            <a:schemeClr val="accent1">
-              <a:shade val="50000"/>
-            </a:schemeClr>
-          </a:lnRef>
-          <a:fillRef idx="1">
-            <a:schemeClr val="accent1"/>
-          </a:fillRef>
-          <a:effectRef idx="0">
-            <a:schemeClr val="accent1"/>
-          </a:effectRef>
-          <a:fontRef idx="minor">
-            <a:schemeClr val="lt1"/>
-          </a:fontRef>
-        </p:style>
-        <p:txBody>
-          <a:bodyPr rtlCol="0" anchor="ctr"/>
-          <a:lstStyle/>
-          <a:p>
-            <a:pPr algn="ctr"/>
-            <a:endParaRPr lang="en-US"/>
-          </a:p>
-        </p:txBody>
-      </p:sp>
-      <p:sp>
-        <p:nvSpPr>
-          <p:cNvPr id="2" name="Title 1">
-            <a:extLst>
-              <a:ext uri="{FF2B5EF4-FFF2-40B4-BE49-F238E27FC236}">
-                <a16:creationId xmlns:a16="http://schemas.microsoft.com/office/drawing/2014/main" id="{84B48C48-A4F0-E6B7-4EC2-CD20398D9809}"/>
-              </a:ext>
-            </a:extLst>
-          </p:cNvPr>
-          <p:cNvSpPr>
-            <a:spLocks noGrp="1"/>
-          </p:cNvSpPr>
-          <p:nvPr>
-            <p:ph type="title"/>
-          </p:nvPr>
-        </p:nvSpPr>
-        <p:spPr>
-          <a:xfrm>
-            <a:off x="699713" y="248038"/>
-            <a:ext cx="7063721" cy="1159200"/>
-          </a:xfrm>
-        </p:spPr>
-        <p:txBody>
-          <a:bodyPr vert="horz" lIns="91440" tIns="45720" rIns="91440" bIns="45720" rtlCol="0" anchor="ctr">
-            <a:normAutofit/>
           </a:bodyPr>
           <a:lstStyle/>
           <a:p>
@@ -10271,7 +10541,7 @@
                   <a:srgbClr val="FFFFFF"/>
                 </a:solidFill>
               </a:rPr>
-              <a:t> medio </a:t>
+              <a:t> medio in </a:t>
             </a:r>
             <a:r>
               <a:rPr lang="en-US" sz="4000" dirty="0" err="1">
@@ -10746,7 +11016,7 @@
                   <a:srgbClr val="FFFFFF"/>
                 </a:solidFill>
               </a:rPr>
-              <a:t> medio </a:t>
+              <a:t> medio in </a:t>
             </a:r>
             <a:r>
               <a:rPr lang="en-US" sz="4000" dirty="0" err="1">
@@ -10754,7 +11024,7 @@
                   <a:srgbClr val="FFFFFF"/>
                 </a:solidFill>
               </a:rPr>
-              <a:t>partenze</a:t>
+              <a:t>partenza</a:t>
             </a:r>
             <a:r>
               <a:rPr lang="en-US" sz="4000" dirty="0">
@@ -11297,10 +11567,10 @@
       </p:sp>
       <p:pic>
         <p:nvPicPr>
-          <p:cNvPr id="4097" name="Picture 1">
-            <a:extLst>
-              <a:ext uri="{FF2B5EF4-FFF2-40B4-BE49-F238E27FC236}">
-                <a16:creationId xmlns:a16="http://schemas.microsoft.com/office/drawing/2014/main" id="{8249D2D0-C58F-352E-5538-90119C25A4BF}"/>
+          <p:cNvPr id="2051" name="Picture 3">
+            <a:extLst>
+              <a:ext uri="{FF2B5EF4-FFF2-40B4-BE49-F238E27FC236}">
+                <a16:creationId xmlns:a16="http://schemas.microsoft.com/office/drawing/2014/main" id="{C6270317-9AE7-CA8A-A2B0-3C88A95206E4}"/>
               </a:ext>
             </a:extLst>
           </p:cNvPr>
@@ -11324,8 +11594,8 @@
         </p:blipFill>
         <p:spPr bwMode="auto">
           <a:xfrm>
-            <a:off x="1638298" y="1569953"/>
-            <a:ext cx="8915400" cy="5291254"/>
+            <a:off x="1644672" y="1574310"/>
+            <a:ext cx="8902655" cy="5283690"/>
           </a:xfrm>
           <a:prstGeom prst="rect">
             <a:avLst/>
@@ -11807,10 +12077,10 @@
       </p:sp>
       <p:pic>
         <p:nvPicPr>
-          <p:cNvPr id="2049" name="Picture 1">
-            <a:extLst>
-              <a:ext uri="{FF2B5EF4-FFF2-40B4-BE49-F238E27FC236}">
-                <a16:creationId xmlns:a16="http://schemas.microsoft.com/office/drawing/2014/main" id="{62FF908C-A40F-19E9-F7A8-42291E31C1CE}"/>
+          <p:cNvPr id="2050" name="Picture 2">
+            <a:extLst>
+              <a:ext uri="{FF2B5EF4-FFF2-40B4-BE49-F238E27FC236}">
+                <a16:creationId xmlns:a16="http://schemas.microsoft.com/office/drawing/2014/main" id="{2EEAE34B-695C-B12F-827F-BE07514A455E}"/>
               </a:ext>
             </a:extLst>
           </p:cNvPr>
@@ -11834,8 +12104,8 @@
         </p:blipFill>
         <p:spPr bwMode="auto">
           <a:xfrm>
-            <a:off x="1710690" y="1655276"/>
-            <a:ext cx="8770620" cy="5205327"/>
+            <a:off x="1644670" y="1574310"/>
+            <a:ext cx="8902655" cy="5283690"/>
           </a:xfrm>
           <a:prstGeom prst="rect">
             <a:avLst/>
@@ -12320,10 +12590,10 @@
       </p:sp>
       <p:sp>
         <p:nvSpPr>
-          <p:cNvPr id="4" name="TextBox 3">
-            <a:extLst>
-              <a:ext uri="{FF2B5EF4-FFF2-40B4-BE49-F238E27FC236}">
-                <a16:creationId xmlns:a16="http://schemas.microsoft.com/office/drawing/2014/main" id="{F8E2DCE7-1AA4-DF36-8DFE-F0ECEB6B9890}"/>
+          <p:cNvPr id="3" name="TextBox 2">
+            <a:extLst>
+              <a:ext uri="{FF2B5EF4-FFF2-40B4-BE49-F238E27FC236}">
+                <a16:creationId xmlns:a16="http://schemas.microsoft.com/office/drawing/2014/main" id="{28438FDE-F676-7AE9-0653-39A0EB69430F}"/>
               </a:ext>
             </a:extLst>
           </p:cNvPr>
@@ -12332,42 +12602,7 @@
         </p:nvSpPr>
         <p:spPr>
           <a:xfrm>
-            <a:off x="-581025" y="7525435"/>
-            <a:ext cx="6096000" cy="646331"/>
-          </a:xfrm>
-          <a:prstGeom prst="rect">
-            <a:avLst/>
-          </a:prstGeom>
-          <a:noFill/>
-        </p:spPr>
-        <p:txBody>
-          <a:bodyPr wrap="square">
-            <a:spAutoFit/>
-          </a:bodyPr>
-          <a:lstStyle/>
-          <a:p>
-            <a:r>
-              <a:rPr lang="it-IT" dirty="0"/>
-              <a:t>https://github.com/AndreaSpolaor/analisitrasportoferroviario.git/</a:t>
-            </a:r>
-          </a:p>
-        </p:txBody>
-      </p:sp>
-      <p:sp>
-        <p:nvSpPr>
-          <p:cNvPr id="3" name="TextBox 2">
-            <a:extLst>
-              <a:ext uri="{FF2B5EF4-FFF2-40B4-BE49-F238E27FC236}">
-                <a16:creationId xmlns:a16="http://schemas.microsoft.com/office/drawing/2014/main" id="{28438FDE-F676-7AE9-0653-39A0EB69430F}"/>
-              </a:ext>
-            </a:extLst>
-          </p:cNvPr>
-          <p:cNvSpPr txBox="1"/>
-          <p:nvPr/>
-        </p:nvSpPr>
-        <p:spPr>
-          <a:xfrm>
-            <a:off x="468630" y="6332825"/>
+            <a:off x="173355" y="6487022"/>
             <a:ext cx="5429250" cy="369332"/>
           </a:xfrm>
           <a:prstGeom prst="rect">
@@ -12390,10 +12625,10 @@
       </p:sp>
       <p:pic>
         <p:nvPicPr>
-          <p:cNvPr id="3073" name="Picture 1">
-            <a:extLst>
-              <a:ext uri="{FF2B5EF4-FFF2-40B4-BE49-F238E27FC236}">
-                <a16:creationId xmlns:a16="http://schemas.microsoft.com/office/drawing/2014/main" id="{F82812F6-06D7-DB7C-CB1C-064D1708931C}"/>
+          <p:cNvPr id="4098" name="Picture 2">
+            <a:extLst>
+              <a:ext uri="{FF2B5EF4-FFF2-40B4-BE49-F238E27FC236}">
+                <a16:creationId xmlns:a16="http://schemas.microsoft.com/office/drawing/2014/main" id="{4F4EE92E-BA9F-3428-8B8C-EF58FFCA3A14}"/>
               </a:ext>
             </a:extLst>
           </p:cNvPr>
@@ -12417,8 +12652,8 @@
         </p:blipFill>
         <p:spPr bwMode="auto">
           <a:xfrm>
-            <a:off x="1232294" y="1655276"/>
-            <a:ext cx="9727407" cy="4777802"/>
+            <a:off x="1090753" y="1574310"/>
+            <a:ext cx="10010493" cy="4912712"/>
           </a:xfrm>
           <a:prstGeom prst="rect">
             <a:avLst/>
@@ -12449,6 +12684,504 @@
 </file>
 
 <file path=ppt/slides/slide16.xml><?xml version="1.0" encoding="utf-8"?>
+<p:sld xmlns:a="http://schemas.openxmlformats.org/drawingml/2006/main" xmlns:r="http://schemas.openxmlformats.org/officeDocument/2006/relationships" xmlns:p="http://schemas.openxmlformats.org/presentationml/2006/main">
+  <p:cSld>
+    <p:bg>
+      <p:bgPr>
+        <a:solidFill>
+          <a:schemeClr val="bg1"/>
+        </a:solidFill>
+        <a:effectLst/>
+      </p:bgPr>
+    </p:bg>
+    <p:spTree>
+      <p:nvGrpSpPr>
+        <p:cNvPr id="1" name=""/>
+        <p:cNvGrpSpPr/>
+        <p:nvPr/>
+      </p:nvGrpSpPr>
+      <p:grpSpPr>
+        <a:xfrm>
+          <a:off x="0" y="0"/>
+          <a:ext cx="0" cy="0"/>
+          <a:chOff x="0" y="0"/>
+          <a:chExt cx="0" cy="0"/>
+        </a:xfrm>
+      </p:grpSpPr>
+      <p:sp useBgFill="1">
+        <p:nvSpPr>
+          <p:cNvPr id="8" name="Rectangle 7">
+            <a:extLst>
+              <a:ext uri="{FF2B5EF4-FFF2-40B4-BE49-F238E27FC236}">
+                <a16:creationId xmlns:a16="http://schemas.microsoft.com/office/drawing/2014/main" id="{1B15ED52-F352-441B-82BF-E0EA34836D08}"/>
+              </a:ext>
+              <a:ext uri="{C183D7F6-B498-43B3-948B-1728B52AA6E4}">
+                <adec:decorative xmlns:adec="http://schemas.microsoft.com/office/drawing/2017/decorative" val="1"/>
+              </a:ext>
+            </a:extLst>
+          </p:cNvPr>
+          <p:cNvSpPr>
+            <a:spLocks noGrp="1" noRot="1" noChangeAspect="1" noMove="1" noResize="1" noEditPoints="1" noAdjustHandles="1" noChangeArrowheads="1" noChangeShapeType="1" noTextEdit="1"/>
+          </p:cNvSpPr>
+          <p:nvPr>
+            <p:extLst>
+              <p:ext uri="{386F3935-93C4-4BCD-93E2-E3B085C9AB24}">
+                <p16:designElem xmlns:p16="http://schemas.microsoft.com/office/powerpoint/2015/main" val="1"/>
+              </p:ext>
+            </p:extLst>
+          </p:nvPr>
+        </p:nvSpPr>
+        <p:spPr>
+          <a:xfrm>
+            <a:off x="0" y="0"/>
+            <a:ext cx="12192000" cy="6858000"/>
+          </a:xfrm>
+          <a:prstGeom prst="rect">
+            <a:avLst/>
+          </a:prstGeom>
+          <a:ln w="12700" cap="flat" cmpd="sng" algn="ctr">
+            <a:noFill/>
+            <a:prstDash val="solid"/>
+            <a:miter lim="800000"/>
+          </a:ln>
+          <a:effectLst/>
+          <a:extLst>
+            <a:ext uri="{91240B29-F687-4F45-9708-019B960494DF}">
+              <a14:hiddenLine xmlns:a14="http://schemas.microsoft.com/office/drawing/2010/main" w="12700" cap="flat" cmpd="sng" algn="ctr">
+                <a:solidFill>
+                  <a:schemeClr val="accent1">
+                    <a:shade val="50000"/>
+                  </a:schemeClr>
+                </a:solidFill>
+                <a:prstDash val="solid"/>
+                <a:miter lim="800000"/>
+              </a14:hiddenLine>
+            </a:ext>
+          </a:extLst>
+        </p:spPr>
+        <p:style>
+          <a:lnRef idx="2">
+            <a:schemeClr val="accent1">
+              <a:shade val="50000"/>
+            </a:schemeClr>
+          </a:lnRef>
+          <a:fillRef idx="1">
+            <a:schemeClr val="accent1"/>
+          </a:fillRef>
+          <a:effectRef idx="0">
+            <a:schemeClr val="accent1"/>
+          </a:effectRef>
+          <a:fontRef idx="minor">
+            <a:schemeClr val="lt1"/>
+          </a:fontRef>
+        </p:style>
+        <p:txBody>
+          <a:bodyPr rtlCol="0" anchor="ctr"/>
+          <a:lstStyle/>
+          <a:p>
+            <a:pPr algn="ctr"/>
+            <a:endParaRPr lang="en-US"/>
+          </a:p>
+        </p:txBody>
+      </p:sp>
+      <p:sp>
+        <p:nvSpPr>
+          <p:cNvPr id="10" name="Rectangle 9">
+            <a:extLst>
+              <a:ext uri="{FF2B5EF4-FFF2-40B4-BE49-F238E27FC236}">
+                <a16:creationId xmlns:a16="http://schemas.microsoft.com/office/drawing/2014/main" id="{3B2E3793-BFE6-45A2-9B7B-E18844431C99}"/>
+              </a:ext>
+              <a:ext uri="{C183D7F6-B498-43B3-948B-1728B52AA6E4}">
+                <adec:decorative xmlns:adec="http://schemas.microsoft.com/office/drawing/2017/decorative" val="1"/>
+              </a:ext>
+            </a:extLst>
+          </p:cNvPr>
+          <p:cNvSpPr>
+            <a:spLocks noGrp="1" noRot="1" noChangeAspect="1" noMove="1" noResize="1" noEditPoints="1" noAdjustHandles="1" noChangeArrowheads="1" noChangeShapeType="1" noTextEdit="1"/>
+          </p:cNvSpPr>
+          <p:nvPr>
+            <p:extLst>
+              <p:ext uri="{386F3935-93C4-4BCD-93E2-E3B085C9AB24}">
+                <p16:designElem xmlns:p16="http://schemas.microsoft.com/office/powerpoint/2015/main" val="1"/>
+              </p:ext>
+            </p:extLst>
+          </p:nvPr>
+        </p:nvSpPr>
+        <p:spPr>
+          <a:xfrm flipH="1">
+            <a:off x="-1" y="-1"/>
+            <a:ext cx="12191998" cy="1590742"/>
+          </a:xfrm>
+          <a:prstGeom prst="rect">
+            <a:avLst/>
+          </a:prstGeom>
+          <a:gradFill>
+            <a:gsLst>
+              <a:gs pos="0">
+                <a:srgbClr val="000000"/>
+              </a:gs>
+              <a:gs pos="100000">
+                <a:schemeClr val="accent1">
+                  <a:lumMod val="75000"/>
+                </a:schemeClr>
+              </a:gs>
+            </a:gsLst>
+            <a:lin ang="8400000" scaled="0"/>
+          </a:gradFill>
+          <a:ln>
+            <a:noFill/>
+          </a:ln>
+        </p:spPr>
+        <p:style>
+          <a:lnRef idx="2">
+            <a:schemeClr val="accent1">
+              <a:shade val="50000"/>
+            </a:schemeClr>
+          </a:lnRef>
+          <a:fillRef idx="1">
+            <a:schemeClr val="accent1"/>
+          </a:fillRef>
+          <a:effectRef idx="0">
+            <a:schemeClr val="accent1"/>
+          </a:effectRef>
+          <a:fontRef idx="minor">
+            <a:schemeClr val="lt1"/>
+          </a:fontRef>
+        </p:style>
+        <p:txBody>
+          <a:bodyPr rtlCol="0" anchor="ctr"/>
+          <a:lstStyle/>
+          <a:p>
+            <a:pPr algn="ctr"/>
+            <a:endParaRPr lang="en-US"/>
+          </a:p>
+        </p:txBody>
+      </p:sp>
+      <p:sp>
+        <p:nvSpPr>
+          <p:cNvPr id="12" name="Rectangle 11">
+            <a:extLst>
+              <a:ext uri="{FF2B5EF4-FFF2-40B4-BE49-F238E27FC236}">
+                <a16:creationId xmlns:a16="http://schemas.microsoft.com/office/drawing/2014/main" id="{BC4C4868-CB8F-4AF9-9CDB-8108F2C19B67}"/>
+              </a:ext>
+              <a:ext uri="{C183D7F6-B498-43B3-948B-1728B52AA6E4}">
+                <adec:decorative xmlns:adec="http://schemas.microsoft.com/office/drawing/2017/decorative" val="1"/>
+              </a:ext>
+            </a:extLst>
+          </p:cNvPr>
+          <p:cNvSpPr>
+            <a:spLocks noGrp="1" noRot="1" noChangeAspect="1" noMove="1" noResize="1" noEditPoints="1" noAdjustHandles="1" noChangeArrowheads="1" noChangeShapeType="1" noTextEdit="1"/>
+          </p:cNvSpPr>
+          <p:nvPr>
+            <p:extLst>
+              <p:ext uri="{386F3935-93C4-4BCD-93E2-E3B085C9AB24}">
+                <p16:designElem xmlns:p16="http://schemas.microsoft.com/office/powerpoint/2015/main" val="1"/>
+              </p:ext>
+            </p:extLst>
+          </p:nvPr>
+        </p:nvSpPr>
+        <p:spPr>
+          <a:xfrm rot="10800000" flipH="1">
+            <a:off x="-3" y="0"/>
+            <a:ext cx="8115306" cy="1590742"/>
+          </a:xfrm>
+          <a:prstGeom prst="rect">
+            <a:avLst/>
+          </a:prstGeom>
+          <a:gradFill>
+            <a:gsLst>
+              <a:gs pos="20000">
+                <a:schemeClr val="accent1">
+                  <a:alpha val="0"/>
+                </a:schemeClr>
+              </a:gs>
+              <a:gs pos="100000">
+                <a:schemeClr val="accent1">
+                  <a:lumMod val="50000"/>
+                  <a:alpha val="55000"/>
+                </a:schemeClr>
+              </a:gs>
+            </a:gsLst>
+            <a:lin ang="13800000" scaled="0"/>
+          </a:gradFill>
+          <a:ln>
+            <a:noFill/>
+          </a:ln>
+        </p:spPr>
+        <p:style>
+          <a:lnRef idx="2">
+            <a:schemeClr val="accent1">
+              <a:shade val="50000"/>
+            </a:schemeClr>
+          </a:lnRef>
+          <a:fillRef idx="1">
+            <a:schemeClr val="accent1"/>
+          </a:fillRef>
+          <a:effectRef idx="0">
+            <a:schemeClr val="accent1"/>
+          </a:effectRef>
+          <a:fontRef idx="minor">
+            <a:schemeClr val="lt1"/>
+          </a:fontRef>
+        </p:style>
+        <p:txBody>
+          <a:bodyPr rtlCol="0" anchor="ctr"/>
+          <a:lstStyle/>
+          <a:p>
+            <a:pPr algn="ctr"/>
+            <a:endParaRPr lang="en-US"/>
+          </a:p>
+        </p:txBody>
+      </p:sp>
+      <p:sp>
+        <p:nvSpPr>
+          <p:cNvPr id="14" name="Rectangle 13">
+            <a:extLst>
+              <a:ext uri="{FF2B5EF4-FFF2-40B4-BE49-F238E27FC236}">
+                <a16:creationId xmlns:a16="http://schemas.microsoft.com/office/drawing/2014/main" id="{375E0459-6403-40CD-989D-56A4407CA12E}"/>
+              </a:ext>
+              <a:ext uri="{C183D7F6-B498-43B3-948B-1728B52AA6E4}">
+                <adec:decorative xmlns:adec="http://schemas.microsoft.com/office/drawing/2017/decorative" val="1"/>
+              </a:ext>
+            </a:extLst>
+          </p:cNvPr>
+          <p:cNvSpPr>
+            <a:spLocks noGrp="1" noRot="1" noChangeAspect="1" noMove="1" noResize="1" noEditPoints="1" noAdjustHandles="1" noChangeArrowheads="1" noChangeShapeType="1" noTextEdit="1"/>
+          </p:cNvSpPr>
+          <p:nvPr>
+            <p:extLst>
+              <p:ext uri="{386F3935-93C4-4BCD-93E2-E3B085C9AB24}">
+                <p16:designElem xmlns:p16="http://schemas.microsoft.com/office/powerpoint/2015/main" val="1"/>
+              </p:ext>
+            </p:extLst>
+          </p:nvPr>
+        </p:nvSpPr>
+        <p:spPr>
+          <a:xfrm flipH="1">
+            <a:off x="8115299" y="-1"/>
+            <a:ext cx="4076698" cy="1590742"/>
+          </a:xfrm>
+          <a:prstGeom prst="rect">
+            <a:avLst/>
+          </a:prstGeom>
+          <a:gradFill>
+            <a:gsLst>
+              <a:gs pos="0">
+                <a:schemeClr val="accent1">
+                  <a:alpha val="66000"/>
+                </a:schemeClr>
+              </a:gs>
+              <a:gs pos="100000">
+                <a:srgbClr val="000000">
+                  <a:alpha val="30000"/>
+                </a:srgbClr>
+              </a:gs>
+            </a:gsLst>
+            <a:lin ang="13200000" scaled="0"/>
+          </a:gradFill>
+          <a:ln>
+            <a:noFill/>
+          </a:ln>
+        </p:spPr>
+        <p:style>
+          <a:lnRef idx="2">
+            <a:schemeClr val="accent1">
+              <a:shade val="50000"/>
+            </a:schemeClr>
+          </a:lnRef>
+          <a:fillRef idx="1">
+            <a:schemeClr val="accent1"/>
+          </a:fillRef>
+          <a:effectRef idx="0">
+            <a:schemeClr val="accent1"/>
+          </a:effectRef>
+          <a:fontRef idx="minor">
+            <a:schemeClr val="lt1"/>
+          </a:fontRef>
+        </p:style>
+        <p:txBody>
+          <a:bodyPr rtlCol="0" anchor="ctr"/>
+          <a:lstStyle/>
+          <a:p>
+            <a:pPr algn="ctr"/>
+            <a:endParaRPr lang="en-US"/>
+          </a:p>
+        </p:txBody>
+      </p:sp>
+      <p:sp>
+        <p:nvSpPr>
+          <p:cNvPr id="16" name="Rectangle 15">
+            <a:extLst>
+              <a:ext uri="{FF2B5EF4-FFF2-40B4-BE49-F238E27FC236}">
+                <a16:creationId xmlns:a16="http://schemas.microsoft.com/office/drawing/2014/main" id="{53E5B1A8-3AC9-4BD1-9BBC-78CA94F2D1BA}"/>
+              </a:ext>
+              <a:ext uri="{C183D7F6-B498-43B3-948B-1728B52AA6E4}">
+                <adec:decorative xmlns:adec="http://schemas.microsoft.com/office/drawing/2017/decorative" val="1"/>
+              </a:ext>
+            </a:extLst>
+          </p:cNvPr>
+          <p:cNvSpPr>
+            <a:spLocks noGrp="1" noRot="1" noChangeAspect="1" noMove="1" noResize="1" noEditPoints="1" noAdjustHandles="1" noChangeArrowheads="1" noChangeShapeType="1" noTextEdit="1"/>
+          </p:cNvSpPr>
+          <p:nvPr>
+            <p:extLst>
+              <p:ext uri="{386F3935-93C4-4BCD-93E2-E3B085C9AB24}">
+                <p16:designElem xmlns:p16="http://schemas.microsoft.com/office/powerpoint/2015/main" val="1"/>
+              </p:ext>
+            </p:extLst>
+          </p:nvPr>
+        </p:nvSpPr>
+        <p:spPr>
+          <a:xfrm>
+            <a:off x="459350" y="-1"/>
+            <a:ext cx="11732646" cy="1597433"/>
+          </a:xfrm>
+          <a:prstGeom prst="rect">
+            <a:avLst/>
+          </a:prstGeom>
+          <a:gradFill>
+            <a:gsLst>
+              <a:gs pos="50000">
+                <a:srgbClr val="000000">
+                  <a:alpha val="0"/>
+                </a:srgbClr>
+              </a:gs>
+              <a:gs pos="99000">
+                <a:schemeClr val="accent1">
+                  <a:lumMod val="50000"/>
+                  <a:alpha val="52000"/>
+                </a:schemeClr>
+              </a:gs>
+            </a:gsLst>
+            <a:lin ang="16800000" scaled="0"/>
+          </a:gradFill>
+          <a:ln>
+            <a:noFill/>
+          </a:ln>
+        </p:spPr>
+        <p:style>
+          <a:lnRef idx="2">
+            <a:schemeClr val="accent1">
+              <a:shade val="50000"/>
+            </a:schemeClr>
+          </a:lnRef>
+          <a:fillRef idx="1">
+            <a:schemeClr val="accent1"/>
+          </a:fillRef>
+          <a:effectRef idx="0">
+            <a:schemeClr val="accent1"/>
+          </a:effectRef>
+          <a:fontRef idx="minor">
+            <a:schemeClr val="lt1"/>
+          </a:fontRef>
+        </p:style>
+        <p:txBody>
+          <a:bodyPr rtlCol="0" anchor="ctr"/>
+          <a:lstStyle/>
+          <a:p>
+            <a:pPr algn="ctr"/>
+            <a:endParaRPr lang="en-US"/>
+          </a:p>
+        </p:txBody>
+      </p:sp>
+      <p:sp>
+        <p:nvSpPr>
+          <p:cNvPr id="2" name="Title 1">
+            <a:extLst>
+              <a:ext uri="{FF2B5EF4-FFF2-40B4-BE49-F238E27FC236}">
+                <a16:creationId xmlns:a16="http://schemas.microsoft.com/office/drawing/2014/main" id="{8FE4E061-5B5C-3ADA-C944-2BB5087DEA97}"/>
+              </a:ext>
+            </a:extLst>
+          </p:cNvPr>
+          <p:cNvSpPr>
+            <a:spLocks noGrp="1"/>
+          </p:cNvSpPr>
+          <p:nvPr>
+            <p:ph type="title"/>
+          </p:nvPr>
+        </p:nvSpPr>
+        <p:spPr>
+          <a:xfrm>
+            <a:off x="1371599" y="294538"/>
+            <a:ext cx="9895951" cy="1033669"/>
+          </a:xfrm>
+        </p:spPr>
+        <p:txBody>
+          <a:bodyPr>
+            <a:normAutofit/>
+          </a:bodyPr>
+          <a:lstStyle/>
+          <a:p>
+            <a:r>
+              <a:rPr lang="it-IT" sz="4000" dirty="0">
+                <a:solidFill>
+                  <a:srgbClr val="FFFFFF"/>
+                </a:solidFill>
+              </a:rPr>
+              <a:t>Nuove domande:</a:t>
+            </a:r>
+          </a:p>
+        </p:txBody>
+      </p:sp>
+      <p:sp>
+        <p:nvSpPr>
+          <p:cNvPr id="3" name="Content Placeholder 2">
+            <a:extLst>
+              <a:ext uri="{FF2B5EF4-FFF2-40B4-BE49-F238E27FC236}">
+                <a16:creationId xmlns:a16="http://schemas.microsoft.com/office/drawing/2014/main" id="{C60765B4-BEC0-AA1B-3641-634E03CAAB98}"/>
+              </a:ext>
+            </a:extLst>
+          </p:cNvPr>
+          <p:cNvSpPr>
+            <a:spLocks noGrp="1"/>
+          </p:cNvSpPr>
+          <p:nvPr>
+            <p:ph idx="1"/>
+          </p:nvPr>
+        </p:nvSpPr>
+        <p:spPr>
+          <a:xfrm>
+            <a:off x="1371599" y="2318197"/>
+            <a:ext cx="9724031" cy="3683358"/>
+          </a:xfrm>
+        </p:spPr>
+        <p:txBody>
+          <a:bodyPr anchor="ctr">
+            <a:normAutofit/>
+          </a:bodyPr>
+          <a:lstStyle/>
+          <a:p>
+            <a:r>
+              <a:rPr lang="it-IT" sz="2000" dirty="0"/>
+              <a:t>C’è correlazione (positiva) tra il ritardo medio di arrivo dei treni e la distanza geografica tra le due stazioni?</a:t>
+            </a:r>
+            <a:br>
+              <a:rPr lang="it-IT" sz="2000" dirty="0"/>
+            </a:br>
+            <a:endParaRPr lang="it-IT" sz="2000" dirty="0"/>
+          </a:p>
+          <a:p>
+            <a:r>
+              <a:rPr lang="it-IT" sz="2000" dirty="0"/>
+              <a:t>Cosa succede se raggruppiamo le stazioni in 3 cluster?</a:t>
+            </a:r>
+          </a:p>
+        </p:txBody>
+      </p:sp>
+    </p:spTree>
+    <p:extLst>
+      <p:ext uri="{BB962C8B-B14F-4D97-AF65-F5344CB8AC3E}">
+        <p14:creationId xmlns:p14="http://schemas.microsoft.com/office/powerpoint/2010/main" val="1996446609"/>
+      </p:ext>
+    </p:extLst>
+  </p:cSld>
+  <p:clrMapOvr>
+    <a:masterClrMapping/>
+  </p:clrMapOvr>
+</p:sld>
+</file>
+
+<file path=ppt/slides/slide17.xml><?xml version="1.0" encoding="utf-8"?>
 <p:sld xmlns:a="http://schemas.openxmlformats.org/drawingml/2006/main" xmlns:r="http://schemas.openxmlformats.org/officeDocument/2006/relationships" xmlns:p="http://schemas.openxmlformats.org/presentationml/2006/main">
   <p:cSld>
     <p:bg>
@@ -12892,41 +13625,6 @@
               <a:ea typeface="+mj-ea"/>
               <a:cs typeface="+mj-cs"/>
             </a:endParaRPr>
-          </a:p>
-        </p:txBody>
-      </p:sp>
-      <p:sp>
-        <p:nvSpPr>
-          <p:cNvPr id="4" name="TextBox 3">
-            <a:extLst>
-              <a:ext uri="{FF2B5EF4-FFF2-40B4-BE49-F238E27FC236}">
-                <a16:creationId xmlns:a16="http://schemas.microsoft.com/office/drawing/2014/main" id="{DBE8D90E-F108-CFD4-35B4-A9CCA2DC52D1}"/>
-              </a:ext>
-            </a:extLst>
-          </p:cNvPr>
-          <p:cNvSpPr txBox="1"/>
-          <p:nvPr/>
-        </p:nvSpPr>
-        <p:spPr>
-          <a:xfrm>
-            <a:off x="-581025" y="7525435"/>
-            <a:ext cx="6096000" cy="646331"/>
-          </a:xfrm>
-          <a:prstGeom prst="rect">
-            <a:avLst/>
-          </a:prstGeom>
-          <a:noFill/>
-        </p:spPr>
-        <p:txBody>
-          <a:bodyPr wrap="square">
-            <a:spAutoFit/>
-          </a:bodyPr>
-          <a:lstStyle/>
-          <a:p>
-            <a:r>
-              <a:rPr lang="it-IT" dirty="0"/>
-              <a:t>https://github.com/AndreaSpolaor/analisitrasportoferroviario.git/</a:t>
-            </a:r>
           </a:p>
         </p:txBody>
       </p:sp>
@@ -13172,7 +13870,7 @@
 </p:sld>
 </file>
 
-<file path=ppt/slides/slide17.xml><?xml version="1.0" encoding="utf-8"?>
+<file path=ppt/slides/slide18.xml><?xml version="1.0" encoding="utf-8"?>
 <p:sld xmlns:a="http://schemas.openxmlformats.org/drawingml/2006/main" xmlns:r="http://schemas.openxmlformats.org/officeDocument/2006/relationships" xmlns:p="http://schemas.openxmlformats.org/presentationml/2006/main">
   <p:cSld>
     <p:bg>
@@ -13620,7 +14318,7 @@
                 <a:ea typeface="+mj-ea"/>
                 <a:cs typeface="+mj-cs"/>
               </a:rPr>
-              <a:t> (3 cluster)</a:t>
+              <a:t> (3 cluster)*</a:t>
             </a:r>
           </a:p>
         </p:txBody>
@@ -13660,12 +14358,47 @@
           </a:p>
         </p:txBody>
       </p:sp>
+      <p:sp>
+        <p:nvSpPr>
+          <p:cNvPr id="3" name="TextBox 2">
+            <a:extLst>
+              <a:ext uri="{FF2B5EF4-FFF2-40B4-BE49-F238E27FC236}">
+                <a16:creationId xmlns:a16="http://schemas.microsoft.com/office/drawing/2014/main" id="{FB189877-0B6F-B29B-23E7-C10B998CDE2D}"/>
+              </a:ext>
+            </a:extLst>
+          </p:cNvPr>
+          <p:cNvSpPr txBox="1"/>
+          <p:nvPr/>
+        </p:nvSpPr>
+        <p:spPr>
+          <a:xfrm>
+            <a:off x="9574529" y="6164405"/>
+            <a:ext cx="2617469" cy="646331"/>
+          </a:xfrm>
+          <a:prstGeom prst="rect">
+            <a:avLst/>
+          </a:prstGeom>
+          <a:noFill/>
+        </p:spPr>
+        <p:txBody>
+          <a:bodyPr wrap="square" rtlCol="0">
+            <a:spAutoFit/>
+          </a:bodyPr>
+          <a:lstStyle/>
+          <a:p>
+            <a:r>
+              <a:rPr lang="it-IT" dirty="0"/>
+              <a:t>*Tratte percorse almeno 10 volte</a:t>
+            </a:r>
+          </a:p>
+        </p:txBody>
+      </p:sp>
       <p:pic>
         <p:nvPicPr>
-          <p:cNvPr id="2051" name="Picture 3">
-            <a:extLst>
-              <a:ext uri="{FF2B5EF4-FFF2-40B4-BE49-F238E27FC236}">
-                <a16:creationId xmlns:a16="http://schemas.microsoft.com/office/drawing/2014/main" id="{EDD41596-59E3-A499-9B6C-5423880D4632}"/>
+          <p:cNvPr id="6146" name="Picture 2">
+            <a:extLst>
+              <a:ext uri="{FF2B5EF4-FFF2-40B4-BE49-F238E27FC236}">
+                <a16:creationId xmlns:a16="http://schemas.microsoft.com/office/drawing/2014/main" id="{F19FCF2D-9D5B-5D6C-D423-838904AB347D}"/>
               </a:ext>
             </a:extLst>
           </p:cNvPr>
@@ -13689,8 +14422,8 @@
         </p:blipFill>
         <p:spPr bwMode="auto">
           <a:xfrm>
-            <a:off x="2228850" y="1574310"/>
-            <a:ext cx="6572250" cy="5236426"/>
+            <a:off x="2247059" y="1575840"/>
+            <a:ext cx="6629960" cy="5282408"/>
           </a:xfrm>
           <a:prstGeom prst="rect">
             <a:avLst/>
@@ -13720,7 +14453,7 @@
 </p:sld>
 </file>
 
-<file path=ppt/slides/slide18.xml><?xml version="1.0" encoding="utf-8"?>
+<file path=ppt/slides/slide19.xml><?xml version="1.0" encoding="utf-8"?>
 <p:sld xmlns:a="http://schemas.openxmlformats.org/drawingml/2006/main" xmlns:r="http://schemas.openxmlformats.org/officeDocument/2006/relationships" xmlns:p="http://schemas.openxmlformats.org/presentationml/2006/main">
   <p:cSld>
     <p:bg>
@@ -14248,7 +14981,7 @@
         </p:spPr>
         <p:txBody>
           <a:bodyPr vert="horz" lIns="91440" tIns="45720" rIns="91440" bIns="45720" rtlCol="0" anchor="t">
-            <a:normAutofit fontScale="90000"/>
+            <a:normAutofit/>
           </a:bodyPr>
           <a:lstStyle/>
           <a:p>
@@ -14316,124 +15049,17 @@
                 <a:ea typeface="+mj-ea"/>
                 <a:cs typeface="+mj-cs"/>
               </a:rPr>
-              <a:t> con </a:t>
+              <a:t> con del Cluster 3</a:t>
             </a:r>
-            <a:r>
-              <a:rPr lang="en-US" sz="3700" kern="1200" dirty="0" err="1">
-                <a:solidFill>
-                  <a:srgbClr val="FFFFFF"/>
-                </a:solidFill>
-                <a:latin typeface="+mj-lt"/>
-                <a:ea typeface="+mj-ea"/>
-                <a:cs typeface="+mj-cs"/>
-              </a:rPr>
-              <a:t>stato</a:t>
-            </a:r>
-            <a:r>
-              <a:rPr lang="en-US" sz="3700" kern="1200" dirty="0">
-                <a:solidFill>
-                  <a:srgbClr val="FFFFFF"/>
-                </a:solidFill>
-                <a:latin typeface="+mj-lt"/>
-                <a:ea typeface="+mj-ea"/>
-                <a:cs typeface="+mj-cs"/>
-              </a:rPr>
-              <a:t> “</a:t>
-            </a:r>
-            <a:r>
-              <a:rPr lang="en-US" sz="3700" kern="1200" dirty="0" err="1">
-                <a:solidFill>
-                  <a:srgbClr val="FFFFFF"/>
-                </a:solidFill>
-                <a:latin typeface="+mj-lt"/>
-                <a:ea typeface="+mj-ea"/>
-                <a:cs typeface="+mj-cs"/>
-              </a:rPr>
-              <a:t>Intermedio</a:t>
-            </a:r>
-            <a:r>
-              <a:rPr lang="en-US" sz="3700" kern="1200" dirty="0">
-                <a:solidFill>
-                  <a:srgbClr val="FFFFFF"/>
-                </a:solidFill>
-                <a:latin typeface="+mj-lt"/>
-                <a:ea typeface="+mj-ea"/>
-                <a:cs typeface="+mj-cs"/>
-              </a:rPr>
-              <a:t>” e “</a:t>
-            </a:r>
-            <a:r>
-              <a:rPr lang="en-US" sz="3700" kern="1200" dirty="0" err="1">
-                <a:solidFill>
-                  <a:srgbClr val="FFFFFF"/>
-                </a:solidFill>
-                <a:latin typeface="+mj-lt"/>
-                <a:ea typeface="+mj-ea"/>
-                <a:cs typeface="+mj-cs"/>
-              </a:rPr>
-              <a:t>Critico</a:t>
-            </a:r>
-            <a:r>
-              <a:rPr lang="en-US" sz="3700" kern="1200" dirty="0">
-                <a:solidFill>
-                  <a:srgbClr val="FFFFFF"/>
-                </a:solidFill>
-                <a:latin typeface="+mj-lt"/>
-                <a:ea typeface="+mj-ea"/>
-                <a:cs typeface="+mj-cs"/>
-              </a:rPr>
-              <a:t> </a:t>
-            </a:r>
-            <a:r>
-              <a:rPr lang="en-US" sz="3700" kern="1200" dirty="0" err="1">
-                <a:solidFill>
-                  <a:srgbClr val="FFFFFF"/>
-                </a:solidFill>
-                <a:latin typeface="+mj-lt"/>
-                <a:ea typeface="+mj-ea"/>
-                <a:cs typeface="+mj-cs"/>
-              </a:rPr>
-              <a:t>nella</a:t>
-            </a:r>
-            <a:r>
-              <a:rPr lang="en-US" sz="3700" kern="1200" dirty="0">
-                <a:solidFill>
-                  <a:srgbClr val="FFFFFF"/>
-                </a:solidFill>
-                <a:latin typeface="+mj-lt"/>
-                <a:ea typeface="+mj-ea"/>
-                <a:cs typeface="+mj-cs"/>
-              </a:rPr>
-              <a:t> </a:t>
-            </a:r>
-            <a:r>
-              <a:rPr lang="en-US" sz="3700" kern="1200" dirty="0" err="1">
-                <a:solidFill>
-                  <a:srgbClr val="FFFFFF"/>
-                </a:solidFill>
-                <a:latin typeface="+mj-lt"/>
-                <a:ea typeface="+mj-ea"/>
-                <a:cs typeface="+mj-cs"/>
-              </a:rPr>
-              <a:t>mappa</a:t>
-            </a:r>
-            <a:endParaRPr lang="en-US" sz="3700" kern="1200" dirty="0">
-              <a:solidFill>
-                <a:srgbClr val="FFFFFF"/>
-              </a:solidFill>
-              <a:latin typeface="+mj-lt"/>
-              <a:ea typeface="+mj-ea"/>
-              <a:cs typeface="+mj-cs"/>
-            </a:endParaRPr>
           </a:p>
         </p:txBody>
       </p:sp>
       <p:pic>
         <p:nvPicPr>
-          <p:cNvPr id="1026" name="Picture 2">
-            <a:extLst>
-              <a:ext uri="{FF2B5EF4-FFF2-40B4-BE49-F238E27FC236}">
-                <a16:creationId xmlns:a16="http://schemas.microsoft.com/office/drawing/2014/main" id="{4EB88F01-A92B-0417-8AC6-4DBE8559B3CF}"/>
+          <p:cNvPr id="5123" name="Picture 3">
+            <a:extLst>
+              <a:ext uri="{FF2B5EF4-FFF2-40B4-BE49-F238E27FC236}">
+                <a16:creationId xmlns:a16="http://schemas.microsoft.com/office/drawing/2014/main" id="{10F08078-44EE-97ED-BCF0-A2BEE03BEBF3}"/>
               </a:ext>
             </a:extLst>
           </p:cNvPr>
@@ -14443,7 +15069,7 @@
           <p:nvPr/>
         </p:nvPicPr>
         <p:blipFill>
-          <a:blip r:embed="rId3">
+          <a:blip r:embed="rId4">
             <a:extLst>
               <a:ext uri="{28A0092B-C50C-407E-A947-70E740481C1C}">
                 <a14:useLocalDpi xmlns:a14="http://schemas.microsoft.com/office/drawing/2010/main" val="0"/>
@@ -14457,8 +15083,8 @@
         </p:blipFill>
         <p:spPr bwMode="auto">
           <a:xfrm>
-            <a:off x="4495807" y="-428"/>
-            <a:ext cx="7109530" cy="6815938"/>
+            <a:off x="5427177" y="8909"/>
+            <a:ext cx="5241969" cy="6858000"/>
           </a:xfrm>
           <a:prstGeom prst="rect">
             <a:avLst/>
@@ -16392,51 +17018,31 @@
       </p:sp>
       <p:pic>
         <p:nvPicPr>
-          <p:cNvPr id="6146" name="Picture 2">
-            <a:extLst>
-              <a:ext uri="{FF2B5EF4-FFF2-40B4-BE49-F238E27FC236}">
-                <a16:creationId xmlns:a16="http://schemas.microsoft.com/office/drawing/2014/main" id="{9A3678EC-D6C9-6FB9-9E19-9347C5E959F6}"/>
+          <p:cNvPr id="7" name="Content Placeholder 6">
+            <a:extLst>
+              <a:ext uri="{FF2B5EF4-FFF2-40B4-BE49-F238E27FC236}">
+                <a16:creationId xmlns:a16="http://schemas.microsoft.com/office/drawing/2014/main" id="{BCDA4749-FFCA-DC87-CA8B-2B65D5F5F21B}"/>
               </a:ext>
             </a:extLst>
           </p:cNvPr>
           <p:cNvPicPr>
-            <a:picLocks noGrp="1" noChangeAspect="1" noChangeArrowheads="1"/>
+            <a:picLocks noGrp="1" noChangeAspect="1"/>
           </p:cNvPicPr>
           <p:nvPr>
             <p:ph idx="1"/>
           </p:nvPr>
         </p:nvPicPr>
         <p:blipFill>
-          <a:blip r:embed="rId3">
-            <a:extLst>
-              <a:ext uri="{28A0092B-C50C-407E-A947-70E740481C1C}">
-                <a14:useLocalDpi xmlns:a14="http://schemas.microsoft.com/office/drawing/2010/main" val="0"/>
-              </a:ext>
-            </a:extLst>
-          </a:blip>
-          <a:srcRect/>
+          <a:blip r:embed="rId3"/>
           <a:stretch>
             <a:fillRect/>
           </a:stretch>
         </p:blipFill>
-        <p:spPr bwMode="auto">
+        <p:spPr>
           <a:xfrm>
-            <a:off x="838200" y="2139956"/>
-            <a:ext cx="10515600" cy="3722675"/>
+            <a:off x="956730" y="1822348"/>
+            <a:ext cx="9311220" cy="4963659"/>
           </a:xfrm>
-          <a:prstGeom prst="rect">
-            <a:avLst/>
-          </a:prstGeom>
-          <a:noFill/>
-          <a:extLst>
-            <a:ext uri="{909E8E84-426E-40DD-AFC4-6F175D3DCCD1}">
-              <a14:hiddenFill xmlns:a14="http://schemas.microsoft.com/office/drawing/2010/main">
-                <a:solidFill>
-                  <a:srgbClr val="FFFFFF"/>
-                </a:solidFill>
-              </a14:hiddenFill>
-            </a:ext>
-          </a:extLst>
         </p:spPr>
       </p:pic>
     </p:spTree>
@@ -17552,13 +18158,13 @@
           <p:nvPr>
             <p:extLst>
               <p:ext uri="{D42A27DB-BD31-4B8C-83A1-F6EECF244321}">
-                <p14:modId xmlns:p14="http://schemas.microsoft.com/office/powerpoint/2010/main" val="4197374669"/>
+                <p14:modId xmlns:p14="http://schemas.microsoft.com/office/powerpoint/2010/main" val="747528539"/>
               </p:ext>
             </p:extLst>
           </p:nvPr>
         </p:nvGraphicFramePr>
         <p:xfrm>
-          <a:off x="1913145" y="2733863"/>
+          <a:off x="2032428" y="3343672"/>
           <a:ext cx="8128000" cy="1483360"/>
         </p:xfrm>
         <a:graphic>
@@ -17719,6 +18325,41 @@
           </a:graphicData>
         </a:graphic>
       </p:graphicFrame>
+      <p:sp>
+        <p:nvSpPr>
+          <p:cNvPr id="4" name="TextBox 3">
+            <a:extLst>
+              <a:ext uri="{FF2B5EF4-FFF2-40B4-BE49-F238E27FC236}">
+                <a16:creationId xmlns:a16="http://schemas.microsoft.com/office/drawing/2014/main" id="{E67549A3-5737-8297-8231-F957AFF683AE}"/>
+              </a:ext>
+            </a:extLst>
+          </p:cNvPr>
+          <p:cNvSpPr txBox="1"/>
+          <p:nvPr/>
+        </p:nvSpPr>
+        <p:spPr>
+          <a:xfrm>
+            <a:off x="2032428" y="2834300"/>
+            <a:ext cx="6477000" cy="369332"/>
+          </a:xfrm>
+          <a:prstGeom prst="rect">
+            <a:avLst/>
+          </a:prstGeom>
+          <a:noFill/>
+        </p:spPr>
+        <p:txBody>
+          <a:bodyPr wrap="square" rtlCol="0">
+            <a:spAutoFit/>
+          </a:bodyPr>
+          <a:lstStyle/>
+          <a:p>
+            <a:r>
+              <a:rPr lang="it-IT" dirty="0"/>
+              <a:t>Periodo in esame: Luglio 2024 –Giugno 2025</a:t>
+            </a:r>
+          </a:p>
+        </p:txBody>
+      </p:sp>
     </p:spTree>
     <p:extLst>
       <p:ext uri="{BB962C8B-B14F-4D97-AF65-F5344CB8AC3E}">
@@ -18267,32 +18908,49 @@
       </p:sp>
       <p:pic>
         <p:nvPicPr>
-          <p:cNvPr id="5" name="Content Placeholder 4">
-            <a:extLst>
-              <a:ext uri="{FF2B5EF4-FFF2-40B4-BE49-F238E27FC236}">
-                <a16:creationId xmlns:a16="http://schemas.microsoft.com/office/drawing/2014/main" id="{0076EBD7-C042-D69D-D468-922065F206A3}"/>
+          <p:cNvPr id="7170" name="Picture 2">
+            <a:extLst>
+              <a:ext uri="{FF2B5EF4-FFF2-40B4-BE49-F238E27FC236}">
+                <a16:creationId xmlns:a16="http://schemas.microsoft.com/office/drawing/2014/main" id="{70DBB246-89A8-BCE1-A389-80F1D6DA8DFE}"/>
               </a:ext>
             </a:extLst>
           </p:cNvPr>
           <p:cNvPicPr>
-            <a:picLocks noChangeAspect="1"/>
+            <a:picLocks noChangeAspect="1" noChangeArrowheads="1"/>
           </p:cNvPicPr>
           <p:nvPr/>
         </p:nvPicPr>
         <p:blipFill>
-          <a:blip r:embed="rId3"/>
+          <a:blip r:embed="rId3">
+            <a:extLst>
+              <a:ext uri="{28A0092B-C50C-407E-A947-70E740481C1C}">
+                <a14:useLocalDpi xmlns:a14="http://schemas.microsoft.com/office/drawing/2010/main" val="0"/>
+              </a:ext>
+            </a:extLst>
+          </a:blip>
+          <a:srcRect/>
           <a:stretch>
             <a:fillRect/>
           </a:stretch>
         </p:blipFill>
-        <p:spPr>
+        <p:spPr bwMode="auto">
           <a:xfrm>
-            <a:off x="2879954" y="1678909"/>
-            <a:ext cx="6432092" cy="5065273"/>
+            <a:off x="2315207" y="1576447"/>
+            <a:ext cx="7323876" cy="5254085"/>
           </a:xfrm>
           <a:prstGeom prst="rect">
             <a:avLst/>
           </a:prstGeom>
+          <a:noFill/>
+          <a:extLst>
+            <a:ext uri="{909E8E84-426E-40DD-AFC4-6F175D3DCCD1}">
+              <a14:hiddenFill xmlns:a14="http://schemas.microsoft.com/office/drawing/2010/main">
+                <a:solidFill>
+                  <a:srgbClr val="FFFFFF"/>
+                </a:solidFill>
+              </a14:hiddenFill>
+            </a:ext>
+          </a:extLst>
         </p:spPr>
       </p:pic>
     </p:spTree>
@@ -18324,7 +18982,7 @@
         <p:cNvPr id="1" name="">
           <a:extLst>
             <a:ext uri="{FF2B5EF4-FFF2-40B4-BE49-F238E27FC236}">
-              <a16:creationId xmlns:a16="http://schemas.microsoft.com/office/drawing/2014/main" id="{C43248BA-5AAA-8619-0A85-DB3F326A7B17}"/>
+              <a16:creationId xmlns:a16="http://schemas.microsoft.com/office/drawing/2014/main" id="{20CEAE80-253A-831D-8009-669504F6733D}"/>
             </a:ext>
           </a:extLst>
         </p:cNvPr>
@@ -18341,7 +18999,7 @@
       </p:grpSpPr>
       <p:sp useBgFill="1">
         <p:nvSpPr>
-          <p:cNvPr id="3078" name="Rectangle 3077">
+          <p:cNvPr id="5126" name="Rectangle 5125">
             <a:extLst>
               <a:ext uri="{FF2B5EF4-FFF2-40B4-BE49-F238E27FC236}">
                 <a16:creationId xmlns:a16="http://schemas.microsoft.com/office/drawing/2014/main" id="{A8384FB5-9ADC-4DDC-881B-597D56F5B15D}"/>
@@ -18417,10 +19075,10 @@
       </p:sp>
       <p:sp>
         <p:nvSpPr>
-          <p:cNvPr id="3080" name="Rectangle 3079">
-            <a:extLst>
-              <a:ext uri="{FF2B5EF4-FFF2-40B4-BE49-F238E27FC236}">
-                <a16:creationId xmlns:a16="http://schemas.microsoft.com/office/drawing/2014/main" id="{91E5A9A7-95C6-4F4F-B00E-C82E07FE62EF}"/>
+          <p:cNvPr id="5128" name="Rectangle 5127">
+            <a:extLst>
+              <a:ext uri="{FF2B5EF4-FFF2-40B4-BE49-F238E27FC236}">
+                <a16:creationId xmlns:a16="http://schemas.microsoft.com/office/drawing/2014/main" id="{1199E1B1-A8C0-4FE8-A5A8-1CB41D69F857}"/>
               </a:ext>
               <a:ext uri="{C183D7F6-B498-43B3-948B-1728B52AA6E4}">
                 <adec:decorative xmlns:adec="http://schemas.microsoft.com/office/drawing/2017/decorative" val="1"/>
@@ -18439,9 +19097,9 @@
           </p:nvPr>
         </p:nvSpPr>
         <p:spPr>
-          <a:xfrm rot="5400000" flipH="1">
-            <a:off x="-1417539" y="1417538"/>
-            <a:ext cx="6875818" cy="4040744"/>
+          <a:xfrm rot="10800000" flipH="1">
+            <a:off x="2" y="0"/>
+            <a:ext cx="12191998" cy="1575955"/>
           </a:xfrm>
           <a:prstGeom prst="rect">
             <a:avLst/>
@@ -18449,7 +19107,9 @@
           <a:gradFill>
             <a:gsLst>
               <a:gs pos="0">
-                <a:srgbClr val="000000"/>
+                <a:srgbClr val="000000">
+                  <a:alpha val="96000"/>
+                </a:srgbClr>
               </a:gs>
               <a:gs pos="100000">
                 <a:schemeClr val="accent1">
@@ -18457,7 +19117,7 @@
                 </a:schemeClr>
               </a:gs>
             </a:gsLst>
-            <a:lin ang="18600000" scaled="0"/>
+            <a:lin ang="6000000" scaled="0"/>
           </a:gradFill>
           <a:ln>
             <a:noFill/>
@@ -18484,16 +19144,16 @@
           <a:lstStyle/>
           <a:p>
             <a:pPr algn="ctr"/>
-            <a:endParaRPr lang="en-US" dirty="0"/>
-          </a:p>
-        </p:txBody>
-      </p:sp>
-      <p:sp>
-        <p:nvSpPr>
-          <p:cNvPr id="3082" name="Rectangle 3081">
-            <a:extLst>
-              <a:ext uri="{FF2B5EF4-FFF2-40B4-BE49-F238E27FC236}">
-                <a16:creationId xmlns:a16="http://schemas.microsoft.com/office/drawing/2014/main" id="{D07DD2DE-F619-49DD-B5E7-03A290FF4ED1}"/>
+            <a:endParaRPr lang="en-US"/>
+          </a:p>
+        </p:txBody>
+      </p:sp>
+      <p:sp>
+        <p:nvSpPr>
+          <p:cNvPr id="5130" name="Rectangle 5129">
+            <a:extLst>
+              <a:ext uri="{FF2B5EF4-FFF2-40B4-BE49-F238E27FC236}">
+                <a16:creationId xmlns:a16="http://schemas.microsoft.com/office/drawing/2014/main" id="{84A8DE83-DE75-4B41-9DB4-A7EC0B0DEC0B}"/>
               </a:ext>
               <a:ext uri="{C183D7F6-B498-43B3-948B-1728B52AA6E4}">
                 <adec:decorative xmlns:adec="http://schemas.microsoft.com/office/drawing/2017/decorative" val="1"/>
@@ -18512,9 +19172,9 @@
           </p:nvPr>
         </p:nvSpPr>
         <p:spPr>
-          <a:xfrm rot="16200000">
-            <a:off x="-158495" y="2660473"/>
-            <a:ext cx="4355594" cy="4038603"/>
+          <a:xfrm>
+            <a:off x="0" y="0"/>
+            <a:ext cx="8128856" cy="1575461"/>
           </a:xfrm>
           <a:prstGeom prst="rect">
             <a:avLst/>
@@ -18523,17 +19183,18 @@
             <a:gsLst>
               <a:gs pos="0">
                 <a:schemeClr val="accent1">
-                  <a:alpha val="50000"/>
+                  <a:alpha val="41000"/>
                 </a:schemeClr>
               </a:gs>
-              <a:gs pos="100000">
+              <a:gs pos="74000">
                 <a:schemeClr val="accent1">
-                  <a:lumMod val="50000"/>
+                  <a:lumMod val="60000"/>
+                  <a:lumOff val="40000"/>
                   <a:alpha val="0"/>
                 </a:schemeClr>
               </a:gs>
             </a:gsLst>
-            <a:lin ang="11400000" scaled="0"/>
+            <a:lin ang="8400000" scaled="0"/>
           </a:gradFill>
           <a:ln>
             <a:noFill/>
@@ -18566,10 +19227,10 @@
       </p:sp>
       <p:sp>
         <p:nvSpPr>
-          <p:cNvPr id="3084" name="Rectangle 3083">
-            <a:extLst>
-              <a:ext uri="{FF2B5EF4-FFF2-40B4-BE49-F238E27FC236}">
-                <a16:creationId xmlns:a16="http://schemas.microsoft.com/office/drawing/2014/main" id="{85149191-5F60-4A28-AAFF-039F96B0F3EC}"/>
+          <p:cNvPr id="5132" name="Rectangle 5131">
+            <a:extLst>
+              <a:ext uri="{FF2B5EF4-FFF2-40B4-BE49-F238E27FC236}">
+                <a16:creationId xmlns:a16="http://schemas.microsoft.com/office/drawing/2014/main" id="{A7009A0A-BEF5-4EAC-AF15-E4F9F002E239}"/>
               </a:ext>
               <a:ext uri="{C183D7F6-B498-43B3-948B-1728B52AA6E4}">
                 <adec:decorative xmlns:adec="http://schemas.microsoft.com/office/drawing/2017/decorative" val="1"/>
@@ -18588,9 +19249,9 @@
           </p:nvPr>
         </p:nvSpPr>
         <p:spPr>
-          <a:xfrm rot="16200000" flipH="1">
-            <a:off x="-1180882" y="1638085"/>
-            <a:ext cx="6857572" cy="3581401"/>
+          <a:xfrm flipH="1">
+            <a:off x="-3" y="-1"/>
+            <a:ext cx="12192002" cy="1574311"/>
           </a:xfrm>
           <a:prstGeom prst="rect">
             <a:avLst/>
@@ -18599,16 +19260,16 @@
             <a:gsLst>
               <a:gs pos="0">
                 <a:srgbClr val="000000">
-                  <a:alpha val="59000"/>
+                  <a:alpha val="63000"/>
                 </a:srgbClr>
               </a:gs>
-              <a:gs pos="69000">
+              <a:gs pos="78000">
                 <a:schemeClr val="accent1">
-                  <a:alpha val="0"/>
+                  <a:alpha val="15000"/>
                 </a:schemeClr>
               </a:gs>
             </a:gsLst>
-            <a:lin ang="13200000" scaled="0"/>
+            <a:lin ang="15600000" scaled="0"/>
           </a:gradFill>
           <a:ln>
             <a:noFill/>
@@ -18635,213 +19296,40 @@
           <a:lstStyle/>
           <a:p>
             <a:pPr algn="ctr"/>
-            <a:endParaRPr lang="en-US" dirty="0"/>
-          </a:p>
-        </p:txBody>
-      </p:sp>
-      <p:sp>
-        <p:nvSpPr>
-          <p:cNvPr id="3086" name="Freeform: Shape 3085">
-            <a:extLst>
-              <a:ext uri="{FF2B5EF4-FFF2-40B4-BE49-F238E27FC236}">
-                <a16:creationId xmlns:a16="http://schemas.microsoft.com/office/drawing/2014/main" id="{F8260ED5-17F7-4158-B241-D51DD4CF1B7E}"/>
-              </a:ext>
-              <a:ext uri="{C183D7F6-B498-43B3-948B-1728B52AA6E4}">
-                <adec:decorative xmlns:adec="http://schemas.microsoft.com/office/drawing/2017/decorative" val="1"/>
-              </a:ext>
-            </a:extLst>
-          </p:cNvPr>
-          <p:cNvSpPr>
-            <a:spLocks noGrp="1" noRot="1" noChangeAspect="1" noMove="1" noResize="1" noEditPoints="1" noAdjustHandles="1" noChangeArrowheads="1" noChangeShapeType="1" noTextEdit="1"/>
-          </p:cNvSpPr>
-          <p:nvPr>
-            <p:extLst>
-              <p:ext uri="{386F3935-93C4-4BCD-93E2-E3B085C9AB24}">
-                <p16:designElem xmlns:p16="http://schemas.microsoft.com/office/powerpoint/2015/main" val="1"/>
-              </p:ext>
-            </p:extLst>
+            <a:endParaRPr lang="en-US"/>
+          </a:p>
+        </p:txBody>
+      </p:sp>
+      <p:sp>
+        <p:nvSpPr>
+          <p:cNvPr id="2" name="Title 1">
+            <a:extLst>
+              <a:ext uri="{FF2B5EF4-FFF2-40B4-BE49-F238E27FC236}">
+                <a16:creationId xmlns:a16="http://schemas.microsoft.com/office/drawing/2014/main" id="{4BE7800B-138D-F755-9F56-391B5B0A6935}"/>
+              </a:ext>
+            </a:extLst>
+          </p:cNvPr>
+          <p:cNvSpPr>
+            <a:spLocks noGrp="1"/>
+          </p:cNvSpPr>
+          <p:nvPr>
+            <p:ph type="title"/>
           </p:nvPr>
         </p:nvSpPr>
         <p:spPr>
-          <a:xfrm rot="6097846">
-            <a:off x="-747355" y="1201312"/>
-            <a:ext cx="4808302" cy="4088666"/>
+          <a:xfrm>
+            <a:off x="699713" y="248038"/>
+            <a:ext cx="7063721" cy="1159200"/>
           </a:xfrm>
-          <a:custGeom>
-            <a:avLst/>
-            <a:gdLst>
-              <a:gd name="connsiteX0" fmla="*/ 48844 w 4808302"/>
-              <a:gd name="connsiteY0" fmla="*/ 2888671 h 4088666"/>
-              <a:gd name="connsiteX1" fmla="*/ 0 w 4808302"/>
-              <a:gd name="connsiteY1" fmla="*/ 2404151 h 4088666"/>
-              <a:gd name="connsiteX2" fmla="*/ 2404151 w 4808302"/>
-              <a:gd name="connsiteY2" fmla="*/ 0 h 4088666"/>
-              <a:gd name="connsiteX3" fmla="*/ 4808302 w 4808302"/>
-              <a:gd name="connsiteY3" fmla="*/ 2404151 h 4088666"/>
-              <a:gd name="connsiteX4" fmla="*/ 4700216 w 4808302"/>
-              <a:gd name="connsiteY4" fmla="*/ 3119072 h 4088666"/>
-              <a:gd name="connsiteX5" fmla="*/ 4643143 w 4808302"/>
-              <a:gd name="connsiteY5" fmla="*/ 3275009 h 4088666"/>
-              <a:gd name="connsiteX6" fmla="*/ 690093 w 4808302"/>
-              <a:gd name="connsiteY6" fmla="*/ 4088666 h 4088666"/>
-              <a:gd name="connsiteX7" fmla="*/ 548991 w 4808302"/>
-              <a:gd name="connsiteY7" fmla="*/ 3933414 h 4088666"/>
-              <a:gd name="connsiteX8" fmla="*/ 48844 w 4808302"/>
-              <a:gd name="connsiteY8" fmla="*/ 2888671 h 4088666"/>
-            </a:gdLst>
-            <a:ahLst/>
-            <a:cxnLst>
-              <a:cxn ang="0">
-                <a:pos x="connsiteX0" y="connsiteY0"/>
-              </a:cxn>
-              <a:cxn ang="0">
-                <a:pos x="connsiteX1" y="connsiteY1"/>
-              </a:cxn>
-              <a:cxn ang="0">
-                <a:pos x="connsiteX2" y="connsiteY2"/>
-              </a:cxn>
-              <a:cxn ang="0">
-                <a:pos x="connsiteX3" y="connsiteY3"/>
-              </a:cxn>
-              <a:cxn ang="0">
-                <a:pos x="connsiteX4" y="connsiteY4"/>
-              </a:cxn>
-              <a:cxn ang="0">
-                <a:pos x="connsiteX5" y="connsiteY5"/>
-              </a:cxn>
-              <a:cxn ang="0">
-                <a:pos x="connsiteX6" y="connsiteY6"/>
-              </a:cxn>
-              <a:cxn ang="0">
-                <a:pos x="connsiteX7" y="connsiteY7"/>
-              </a:cxn>
-              <a:cxn ang="0">
-                <a:pos x="connsiteX8" y="connsiteY8"/>
-              </a:cxn>
-            </a:cxnLst>
-            <a:rect l="l" t="t" r="r" b="b"/>
-            <a:pathLst>
-              <a:path w="4808302" h="4088666">
-                <a:moveTo>
-                  <a:pt x="48844" y="2888671"/>
-                </a:moveTo>
-                <a:cubicBezTo>
-                  <a:pt x="16818" y="2732167"/>
-                  <a:pt x="0" y="2570123"/>
-                  <a:pt x="0" y="2404151"/>
-                </a:cubicBezTo>
-                <a:cubicBezTo>
-                  <a:pt x="0" y="1076375"/>
-                  <a:pt x="1076375" y="0"/>
-                  <a:pt x="2404151" y="0"/>
-                </a:cubicBezTo>
-                <a:cubicBezTo>
-                  <a:pt x="3731927" y="0"/>
-                  <a:pt x="4808302" y="1076375"/>
-                  <a:pt x="4808302" y="2404151"/>
-                </a:cubicBezTo>
-                <a:cubicBezTo>
-                  <a:pt x="4808302" y="2653109"/>
-                  <a:pt x="4770461" y="2893229"/>
-                  <a:pt x="4700216" y="3119072"/>
-                </a:cubicBezTo>
-                <a:lnTo>
-                  <a:pt x="4643143" y="3275009"/>
-                </a:lnTo>
-                <a:lnTo>
-                  <a:pt x="690093" y="4088666"/>
-                </a:lnTo>
-                <a:lnTo>
-                  <a:pt x="548991" y="3933414"/>
-                </a:lnTo>
-                <a:cubicBezTo>
-                  <a:pt x="304015" y="3636572"/>
-                  <a:pt x="128908" y="3279932"/>
-                  <a:pt x="48844" y="2888671"/>
-                </a:cubicBezTo>
-                <a:close/>
-              </a:path>
-            </a:pathLst>
-          </a:custGeom>
-          <a:gradFill>
-            <a:gsLst>
-              <a:gs pos="39000">
-                <a:schemeClr val="accent1">
-                  <a:lumMod val="60000"/>
-                  <a:lumOff val="40000"/>
-                  <a:alpha val="0"/>
-                </a:schemeClr>
-              </a:gs>
-              <a:gs pos="100000">
-                <a:schemeClr val="accent1">
-                  <a:lumMod val="75000"/>
-                  <a:alpha val="26000"/>
-                </a:schemeClr>
-              </a:gs>
-            </a:gsLst>
-            <a:lin ang="18600000" scaled="0"/>
-          </a:gradFill>
-          <a:ln>
-            <a:noFill/>
-          </a:ln>
         </p:spPr>
-        <p:style>
-          <a:lnRef idx="2">
-            <a:schemeClr val="accent1">
-              <a:shade val="50000"/>
-            </a:schemeClr>
-          </a:lnRef>
-          <a:fillRef idx="1">
-            <a:schemeClr val="accent1"/>
-          </a:fillRef>
-          <a:effectRef idx="0">
-            <a:schemeClr val="accent1"/>
-          </a:effectRef>
-          <a:fontRef idx="minor">
-            <a:schemeClr val="lt1"/>
-          </a:fontRef>
-        </p:style>
-        <p:txBody>
-          <a:bodyPr wrap="square" rtlCol="0" anchor="ctr">
-            <a:noAutofit/>
+        <p:txBody>
+          <a:bodyPr vert="horz" lIns="91440" tIns="45720" rIns="91440" bIns="45720" rtlCol="0" anchor="ctr">
+            <a:normAutofit fontScale="90000"/>
           </a:bodyPr>
           <a:lstStyle/>
           <a:p>
-            <a:pPr algn="ctr"/>
-            <a:endParaRPr lang="en-US" dirty="0"/>
-          </a:p>
-        </p:txBody>
-      </p:sp>
-      <p:sp>
-        <p:nvSpPr>
-          <p:cNvPr id="2" name="Title 1">
-            <a:extLst>
-              <a:ext uri="{FF2B5EF4-FFF2-40B4-BE49-F238E27FC236}">
-                <a16:creationId xmlns:a16="http://schemas.microsoft.com/office/drawing/2014/main" id="{CAC92269-DD1E-24AE-7ABC-37FCE33ECD56}"/>
-              </a:ext>
-            </a:extLst>
-          </p:cNvPr>
-          <p:cNvSpPr>
-            <a:spLocks noGrp="1"/>
-          </p:cNvSpPr>
-          <p:nvPr>
-            <p:ph type="title"/>
-          </p:nvPr>
-        </p:nvSpPr>
-        <p:spPr>
-          <a:xfrm>
-            <a:off x="660041" y="2767106"/>
-            <a:ext cx="2880828" cy="3071906"/>
-          </a:xfrm>
-        </p:spPr>
-        <p:txBody>
-          <a:bodyPr vert="horz" lIns="91440" tIns="45720" rIns="91440" bIns="45720" rtlCol="0" anchor="t">
-            <a:normAutofit/>
-          </a:bodyPr>
-          <a:lstStyle/>
-          <a:p>
             <a:r>
-              <a:rPr lang="en-US" sz="3700" kern="1200">
+              <a:rPr lang="en-US" sz="4000" kern="1200" dirty="0">
                 <a:solidFill>
                   <a:srgbClr val="FFFFFF"/>
                 </a:solidFill>
@@ -18849,10 +19337,21 @@
                 <a:ea typeface="+mj-ea"/>
                 <a:cs typeface="+mj-cs"/>
               </a:rPr>
-              <a:t>Distribuzione</a:t>
+              <a:t>Trend </a:t>
             </a:r>
             <a:r>
-              <a:rPr lang="en-US" sz="3700" kern="1200" dirty="0">
+              <a:rPr lang="en-US" sz="4000" kern="1200" dirty="0" err="1">
+                <a:solidFill>
+                  <a:srgbClr val="FFFFFF"/>
+                </a:solidFill>
+                <a:latin typeface="+mj-lt"/>
+                <a:ea typeface="+mj-ea"/>
+                <a:cs typeface="+mj-cs"/>
+              </a:rPr>
+              <a:t>ritardo</a:t>
+            </a:r>
+            <a:r>
+              <a:rPr lang="en-US" sz="4000" kern="1200" dirty="0">
                 <a:solidFill>
                   <a:srgbClr val="FFFFFF"/>
                 </a:solidFill>
@@ -18863,7 +19362,7 @@
               <a:t> </a:t>
             </a:r>
             <a:r>
-              <a:rPr lang="en-US" sz="3700" kern="1200">
+              <a:rPr lang="en-US" sz="4000" kern="1200" dirty="0" err="1">
                 <a:solidFill>
                   <a:srgbClr val="FFFFFF"/>
                 </a:solidFill>
@@ -18871,10 +19370,10 @@
                 <a:ea typeface="+mj-ea"/>
                 <a:cs typeface="+mj-cs"/>
               </a:rPr>
-              <a:t>stazioni</a:t>
+              <a:t>nel</a:t>
             </a:r>
             <a:r>
-              <a:rPr lang="en-US" sz="3700" kern="1200" dirty="0">
+              <a:rPr lang="en-US" sz="4000" kern="1200" dirty="0">
                 <a:solidFill>
                   <a:srgbClr val="FFFFFF"/>
                 </a:solidFill>
@@ -18885,7 +19384,7 @@
               <a:t> </a:t>
             </a:r>
             <a:r>
-              <a:rPr lang="en-US" sz="3700" kern="1200">
+              <a:rPr lang="en-US" sz="4000" kern="1200" dirty="0" err="1">
                 <a:solidFill>
                   <a:srgbClr val="FFFFFF"/>
                 </a:solidFill>
@@ -18893,10 +19392,10 @@
                 <a:ea typeface="+mj-ea"/>
                 <a:cs typeface="+mj-cs"/>
               </a:rPr>
-              <a:t>nel</a:t>
+              <a:t>periodo</a:t>
             </a:r>
             <a:r>
-              <a:rPr lang="en-US" sz="3700" kern="1200" dirty="0">
+              <a:rPr lang="en-US" sz="4000" kern="1200" dirty="0">
                 <a:solidFill>
                   <a:srgbClr val="FFFFFF"/>
                 </a:solidFill>
@@ -18907,7 +19406,7 @@
               <a:t> </a:t>
             </a:r>
             <a:r>
-              <a:rPr lang="en-US" sz="3700" kern="1200">
+              <a:rPr lang="en-US" sz="4000" kern="1200" dirty="0" err="1">
                 <a:solidFill>
                   <a:srgbClr val="FFFFFF"/>
                 </a:solidFill>
@@ -18915,31 +19414,9 @@
                 <a:ea typeface="+mj-ea"/>
                 <a:cs typeface="+mj-cs"/>
               </a:rPr>
-              <a:t>territorio</a:t>
+              <a:t>selezionato</a:t>
             </a:r>
-            <a:r>
-              <a:rPr lang="en-US" sz="3700" kern="1200" dirty="0">
-                <a:solidFill>
-                  <a:srgbClr val="FFFFFF"/>
-                </a:solidFill>
-                <a:latin typeface="+mj-lt"/>
-                <a:ea typeface="+mj-ea"/>
-                <a:cs typeface="+mj-cs"/>
-              </a:rPr>
-              <a:t> </a:t>
-            </a:r>
-            <a:r>
-              <a:rPr lang="en-US" sz="3700" kern="1200">
-                <a:solidFill>
-                  <a:srgbClr val="FFFFFF"/>
-                </a:solidFill>
-                <a:latin typeface="+mj-lt"/>
-                <a:ea typeface="+mj-ea"/>
-                <a:cs typeface="+mj-cs"/>
-              </a:rPr>
-              <a:t>italiano</a:t>
-            </a:r>
-            <a:endParaRPr lang="en-US" sz="3700" kern="1200" dirty="0">
+            <a:endParaRPr lang="en-US" sz="4000" kern="1200" dirty="0">
               <a:solidFill>
                 <a:srgbClr val="FFFFFF"/>
               </a:solidFill>
@@ -18952,19 +19429,17 @@
       </p:sp>
       <p:pic>
         <p:nvPicPr>
-          <p:cNvPr id="3073" name="Picture 1">
-            <a:extLst>
-              <a:ext uri="{FF2B5EF4-FFF2-40B4-BE49-F238E27FC236}">
-                <a16:creationId xmlns:a16="http://schemas.microsoft.com/office/drawing/2014/main" id="{E9096999-C974-C946-1E5C-F0C0A26A19C8}"/>
+          <p:cNvPr id="3" name="Picture 1">
+            <a:extLst>
+              <a:ext uri="{FF2B5EF4-FFF2-40B4-BE49-F238E27FC236}">
+                <a16:creationId xmlns:a16="http://schemas.microsoft.com/office/drawing/2014/main" id="{68E96F32-771C-08D1-7E94-0DC2FA1C6DDB}"/>
               </a:ext>
             </a:extLst>
           </p:cNvPr>
           <p:cNvPicPr>
-            <a:picLocks noGrp="1" noChangeAspect="1" noChangeArrowheads="1"/>
+            <a:picLocks noChangeAspect="1" noChangeArrowheads="1"/>
           </p:cNvPicPr>
-          <p:nvPr>
-            <p:ph idx="1"/>
-          </p:nvPr>
+          <p:nvPr/>
         </p:nvPicPr>
         <p:blipFill>
           <a:blip r:embed="rId3">
@@ -18974,14 +19449,15 @@
               </a:ext>
             </a:extLst>
           </a:blip>
+          <a:srcRect/>
           <a:stretch>
             <a:fillRect/>
           </a:stretch>
         </p:blipFill>
         <p:spPr bwMode="auto">
           <a:xfrm>
-            <a:off x="4601043" y="23296"/>
-            <a:ext cx="5602029" cy="6810977"/>
+            <a:off x="776572" y="1610459"/>
+            <a:ext cx="10638851" cy="5247541"/>
           </a:xfrm>
           <a:prstGeom prst="rect">
             <a:avLst/>
@@ -18998,97 +19474,10 @@
           </a:extLst>
         </p:spPr>
       </p:pic>
-      <p:sp>
-        <p:nvSpPr>
-          <p:cNvPr id="3" name="Oval 2">
-            <a:extLst>
-              <a:ext uri="{FF2B5EF4-FFF2-40B4-BE49-F238E27FC236}">
-                <a16:creationId xmlns:a16="http://schemas.microsoft.com/office/drawing/2014/main" id="{D0B6A712-3D88-B6F5-F676-05AD36964E55}"/>
-              </a:ext>
-            </a:extLst>
-          </p:cNvPr>
-          <p:cNvSpPr/>
-          <p:nvPr/>
-        </p:nvSpPr>
-        <p:spPr>
-          <a:xfrm>
-            <a:off x="10512447" y="6353175"/>
-            <a:ext cx="147828" cy="147828"/>
-          </a:xfrm>
-          <a:prstGeom prst="ellipse">
-            <a:avLst/>
-          </a:prstGeom>
-          <a:solidFill>
-            <a:srgbClr val="4443FA"/>
-          </a:solidFill>
-          <a:ln>
-            <a:noFill/>
-          </a:ln>
-        </p:spPr>
-        <p:style>
-          <a:lnRef idx="2">
-            <a:schemeClr val="accent1">
-              <a:shade val="15000"/>
-            </a:schemeClr>
-          </a:lnRef>
-          <a:fillRef idx="1">
-            <a:schemeClr val="accent1"/>
-          </a:fillRef>
-          <a:effectRef idx="0">
-            <a:schemeClr val="accent1"/>
-          </a:effectRef>
-          <a:fontRef idx="minor">
-            <a:schemeClr val="lt1"/>
-          </a:fontRef>
-        </p:style>
-        <p:txBody>
-          <a:bodyPr rtlCol="0" anchor="ctr"/>
-          <a:lstStyle/>
-          <a:p>
-            <a:pPr algn="ctr"/>
-            <a:endParaRPr lang="it-IT"/>
-          </a:p>
-        </p:txBody>
-      </p:sp>
-      <p:sp>
-        <p:nvSpPr>
-          <p:cNvPr id="4" name="TextBox 3">
-            <a:extLst>
-              <a:ext uri="{FF2B5EF4-FFF2-40B4-BE49-F238E27FC236}">
-                <a16:creationId xmlns:a16="http://schemas.microsoft.com/office/drawing/2014/main" id="{946F690D-5F20-0F16-E0CA-92272EA78265}"/>
-              </a:ext>
-            </a:extLst>
-          </p:cNvPr>
-          <p:cNvSpPr txBox="1"/>
-          <p:nvPr/>
-        </p:nvSpPr>
-        <p:spPr>
-          <a:xfrm>
-            <a:off x="10648896" y="6264109"/>
-            <a:ext cx="1097280" cy="523220"/>
-          </a:xfrm>
-          <a:prstGeom prst="rect">
-            <a:avLst/>
-          </a:prstGeom>
-          <a:noFill/>
-        </p:spPr>
-        <p:txBody>
-          <a:bodyPr wrap="square" rtlCol="0">
-            <a:spAutoFit/>
-          </a:bodyPr>
-          <a:lstStyle/>
-          <a:p>
-            <a:r>
-              <a:rPr lang="it-IT" sz="1400" dirty="0"/>
-              <a:t>Stazione ferroviaria</a:t>
-            </a:r>
-          </a:p>
-        </p:txBody>
-      </p:sp>
     </p:spTree>
     <p:extLst>
       <p:ext uri="{BB962C8B-B14F-4D97-AF65-F5344CB8AC3E}">
-        <p14:creationId xmlns:p14="http://schemas.microsoft.com/office/powerpoint/2010/main" val="3086293249"/>
+        <p14:creationId xmlns:p14="http://schemas.microsoft.com/office/powerpoint/2010/main" val="1675110339"/>
       </p:ext>
     </p:extLst>
   </p:cSld>
